--- a/IS-PM-Slides/05_planning _ch5.pptx
+++ b/IS-PM-Slides/05_planning _ch5.pptx
@@ -8,7 +8,7 @@
     <p:sldMasterId id="2147483660" r:id="rId4"/>
   </p:sldMasterIdLst>
   <p:notesMasterIdLst>
-    <p:notesMasterId r:id="rId38"/>
+    <p:notesMasterId r:id="rId32"/>
   </p:notesMasterIdLst>
   <p:sldIdLst>
     <p:sldId id="256" r:id="rId5"/>
@@ -38,17 +38,11 @@
     <p:sldId id="327" r:id="rId29"/>
     <p:sldId id="328" r:id="rId30"/>
     <p:sldId id="333" r:id="rId31"/>
-    <p:sldId id="334" r:id="rId32"/>
-    <p:sldId id="335" r:id="rId33"/>
-    <p:sldId id="342" r:id="rId34"/>
-    <p:sldId id="343" r:id="rId35"/>
-    <p:sldId id="329" r:id="rId36"/>
-    <p:sldId id="310" r:id="rId37"/>
   </p:sldIdLst>
   <p:sldSz cx="9144000" cy="6858000" type="screen4x3"/>
-  <p:notesSz cx="6858000" cy="9144000"/>
+  <p:notesSz cx="6735763" cy="9866313"/>
   <p:custDataLst>
-    <p:tags r:id="rId39"/>
+    <p:tags r:id="rId33"/>
   </p:custDataLst>
   <p:defaultTextStyle>
     <a:defPPr>
@@ -175,6 +169,22 @@
       </a:defRPr>
     </a:lvl9pPr>
   </p:defaultTextStyle>
+  <p:extLst>
+    <p:ext uri="{EFAFB233-063F-42B5-8137-9DF3F51BA10A}">
+      <p15:sldGuideLst xmlns:p15="http://schemas.microsoft.com/office/powerpoint/2012/main">
+        <p15:guide id="1" orient="horz" pos="2160">
+          <p15:clr>
+            <a:srgbClr val="A4A3A4"/>
+          </p15:clr>
+        </p15:guide>
+        <p15:guide id="2" pos="2880">
+          <p15:clr>
+            <a:srgbClr val="A4A3A4"/>
+          </p15:clr>
+        </p15:guide>
+      </p15:sldGuideLst>
+    </p:ext>
+  </p:extLst>
 </p:presentation>
 </file>
 
@@ -182,6 +192,85 @@
 <p:cmAuthorLst xmlns:a="http://schemas.openxmlformats.org/drawingml/2006/main" xmlns:r="http://schemas.openxmlformats.org/officeDocument/2006/relationships" xmlns:p="http://schemas.openxmlformats.org/presentationml/2006/main">
   <p:cmAuthor id="0" name="Kate S." initials="" lastIdx="2" clrIdx="0"/>
 </p:cmAuthorLst>
+</file>
+
+<file path=ppt/revisionInfo.xml><?xml version="1.0" encoding="utf-8"?>
+<p1510:revInfo xmlns:a="http://schemas.openxmlformats.org/drawingml/2006/main" xmlns:r="http://schemas.openxmlformats.org/officeDocument/2006/relationships" xmlns:p1510="http://schemas.microsoft.com/office/powerpoint/2015/10/main">
+  <p1510:revLst>
+    <p1510:client id="{DF8328E5-7466-434D-82D4-58CE0DB212F5}" v="1" dt="2020-02-27T11:29:50.923"/>
+  </p1510:revLst>
+</p1510:revInfo>
+</file>
+
+<file path=ppt/changesInfos/changesInfo1.xml><?xml version="1.0" encoding="utf-8"?>
+<pc:chgInfo xmlns:a="http://schemas.openxmlformats.org/drawingml/2006/main" xmlns:r="http://schemas.openxmlformats.org/officeDocument/2006/relationships" xmlns:ac="http://schemas.microsoft.com/office/drawing/2013/main/command" xmlns:pc="http://schemas.microsoft.com/office/powerpoint/2013/main/command">
+  <pc:docChgLst>
+    <pc:chgData name="Osama hosam elde" userId="ab8f451e-a635-42ee-be12-e2dde55852bf" providerId="ADAL" clId="{DF8328E5-7466-434D-82D4-58CE0DB212F5}"/>
+    <pc:docChg chg="delSld modSld modNotesMaster">
+      <pc:chgData name="Osama hosam elde" userId="ab8f451e-a635-42ee-be12-e2dde55852bf" providerId="ADAL" clId="{DF8328E5-7466-434D-82D4-58CE0DB212F5}" dt="2020-02-27T11:33:17.246" v="10" actId="20577"/>
+      <pc:docMkLst>
+        <pc:docMk/>
+      </pc:docMkLst>
+      <pc:sldChg chg="del">
+        <pc:chgData name="Osama hosam elde" userId="ab8f451e-a635-42ee-be12-e2dde55852bf" providerId="ADAL" clId="{DF8328E5-7466-434D-82D4-58CE0DB212F5}" dt="2020-02-27T11:29:08.776" v="5" actId="2696"/>
+        <pc:sldMkLst>
+          <pc:docMk/>
+          <pc:sldMk cId="0" sldId="310"/>
+        </pc:sldMkLst>
+      </pc:sldChg>
+      <pc:sldChg chg="modSp">
+        <pc:chgData name="Osama hosam elde" userId="ab8f451e-a635-42ee-be12-e2dde55852bf" providerId="ADAL" clId="{DF8328E5-7466-434D-82D4-58CE0DB212F5}" dt="2020-02-27T11:33:17.246" v="10" actId="20577"/>
+        <pc:sldMkLst>
+          <pc:docMk/>
+          <pc:sldMk cId="0" sldId="313"/>
+        </pc:sldMkLst>
+        <pc:spChg chg="mod">
+          <ac:chgData name="Osama hosam elde" userId="ab8f451e-a635-42ee-be12-e2dde55852bf" providerId="ADAL" clId="{DF8328E5-7466-434D-82D4-58CE0DB212F5}" dt="2020-02-27T11:33:17.246" v="10" actId="20577"/>
+          <ac:spMkLst>
+            <pc:docMk/>
+            <pc:sldMk cId="0" sldId="313"/>
+            <ac:spMk id="2" creationId="{00000000-0000-0000-0000-000000000000}"/>
+          </ac:spMkLst>
+        </pc:spChg>
+      </pc:sldChg>
+      <pc:sldChg chg="del">
+        <pc:chgData name="Osama hosam elde" userId="ab8f451e-a635-42ee-be12-e2dde55852bf" providerId="ADAL" clId="{DF8328E5-7466-434D-82D4-58CE0DB212F5}" dt="2020-02-27T11:29:07.919" v="4" actId="2696"/>
+        <pc:sldMkLst>
+          <pc:docMk/>
+          <pc:sldMk cId="0" sldId="329"/>
+        </pc:sldMkLst>
+      </pc:sldChg>
+      <pc:sldChg chg="del">
+        <pc:chgData name="Osama hosam elde" userId="ab8f451e-a635-42ee-be12-e2dde55852bf" providerId="ADAL" clId="{DF8328E5-7466-434D-82D4-58CE0DB212F5}" dt="2020-02-27T11:29:04.377" v="0" actId="2696"/>
+        <pc:sldMkLst>
+          <pc:docMk/>
+          <pc:sldMk cId="0" sldId="334"/>
+        </pc:sldMkLst>
+      </pc:sldChg>
+      <pc:sldChg chg="del">
+        <pc:chgData name="Osama hosam elde" userId="ab8f451e-a635-42ee-be12-e2dde55852bf" providerId="ADAL" clId="{DF8328E5-7466-434D-82D4-58CE0DB212F5}" dt="2020-02-27T11:29:05.158" v="1" actId="2696"/>
+        <pc:sldMkLst>
+          <pc:docMk/>
+          <pc:sldMk cId="0" sldId="335"/>
+        </pc:sldMkLst>
+      </pc:sldChg>
+      <pc:sldChg chg="del">
+        <pc:chgData name="Osama hosam elde" userId="ab8f451e-a635-42ee-be12-e2dde55852bf" providerId="ADAL" clId="{DF8328E5-7466-434D-82D4-58CE0DB212F5}" dt="2020-02-27T11:29:06.655" v="2" actId="2696"/>
+        <pc:sldMkLst>
+          <pc:docMk/>
+          <pc:sldMk cId="0" sldId="342"/>
+        </pc:sldMkLst>
+      </pc:sldChg>
+      <pc:sldChg chg="del">
+        <pc:chgData name="Osama hosam elde" userId="ab8f451e-a635-42ee-be12-e2dde55852bf" providerId="ADAL" clId="{DF8328E5-7466-434D-82D4-58CE0DB212F5}" dt="2020-02-27T11:29:07.265" v="3" actId="2696"/>
+        <pc:sldMkLst>
+          <pc:docMk/>
+          <pc:sldMk cId="0" sldId="343"/>
+        </pc:sldMkLst>
+      </pc:sldChg>
+    </pc:docChg>
+  </pc:docChgLst>
+</pc:chgInfo>
 </file>
 
 <file path=ppt/notesMasters/notesMaster1.xml><?xml version="1.0" encoding="utf-8"?>
@@ -219,7 +308,7 @@
         <p:spPr>
           <a:xfrm>
             <a:off x="0" y="0"/>
-            <a:ext cx="2971800" cy="457200"/>
+            <a:ext cx="2918831" cy="493316"/>
           </a:xfrm>
           <a:prstGeom prst="rect">
             <a:avLst/>
@@ -261,8 +350,8 @@
         </p:nvSpPr>
         <p:spPr>
           <a:xfrm>
-            <a:off x="3884613" y="0"/>
-            <a:ext cx="2971800" cy="457200"/>
+            <a:off x="3815373" y="0"/>
+            <a:ext cx="2918831" cy="493316"/>
           </a:xfrm>
           <a:prstGeom prst="rect">
             <a:avLst/>
@@ -293,7 +382,7 @@
               <a:pPr>
                 <a:defRPr/>
               </a:pPr>
-              <a:t>2/7/2017</a:t>
+              <a:t>2/27/2020</a:t>
             </a:fld>
             <a:endParaRPr lang="en-US"/>
           </a:p>
@@ -311,8 +400,8 @@
         </p:nvSpPr>
         <p:spPr>
           <a:xfrm>
-            <a:off x="1143000" y="685800"/>
-            <a:ext cx="4572000" cy="3429000"/>
+            <a:off x="901700" y="739775"/>
+            <a:ext cx="4932363" cy="3700463"/>
           </a:xfrm>
           <a:prstGeom prst="rect">
             <a:avLst/>
@@ -345,8 +434,8 @@
         </p:nvSpPr>
         <p:spPr>
           <a:xfrm>
-            <a:off x="685800" y="4343400"/>
-            <a:ext cx="5486400" cy="4114800"/>
+            <a:off x="673577" y="4686499"/>
+            <a:ext cx="5388610" cy="4439841"/>
           </a:xfrm>
           <a:prstGeom prst="rect">
             <a:avLst/>
@@ -360,38 +449,37 @@
           <a:p>
             <a:pPr lvl="0"/>
             <a:r>
-              <a:rPr lang="en-US" noProof="0" smtClean="0"/>
+              <a:rPr lang="en-US" noProof="0"/>
               <a:t>Click to edit Master text styles</a:t>
             </a:r>
           </a:p>
           <a:p>
             <a:pPr lvl="1"/>
             <a:r>
-              <a:rPr lang="en-US" noProof="0" smtClean="0"/>
+              <a:rPr lang="en-US" noProof="0"/>
               <a:t>Second level</a:t>
             </a:r>
           </a:p>
           <a:p>
             <a:pPr lvl="2"/>
             <a:r>
-              <a:rPr lang="en-US" noProof="0" smtClean="0"/>
+              <a:rPr lang="en-US" noProof="0"/>
               <a:t>Third level</a:t>
             </a:r>
           </a:p>
           <a:p>
             <a:pPr lvl="3"/>
             <a:r>
-              <a:rPr lang="en-US" noProof="0" smtClean="0"/>
+              <a:rPr lang="en-US" noProof="0"/>
               <a:t>Fourth level</a:t>
             </a:r>
           </a:p>
           <a:p>
             <a:pPr lvl="4"/>
             <a:r>
-              <a:rPr lang="en-US" noProof="0" smtClean="0"/>
+              <a:rPr lang="en-US" noProof="0"/>
               <a:t>Fifth level</a:t>
             </a:r>
-            <a:endParaRPr lang="en-US" noProof="0"/>
           </a:p>
         </p:txBody>
       </p:sp>
@@ -407,8 +495,8 @@
         </p:nvSpPr>
         <p:spPr>
           <a:xfrm>
-            <a:off x="0" y="8685213"/>
-            <a:ext cx="2971800" cy="457200"/>
+            <a:off x="0" y="9371285"/>
+            <a:ext cx="2918831" cy="493316"/>
           </a:xfrm>
           <a:prstGeom prst="rect">
             <a:avLst/>
@@ -450,8 +538,8 @@
         </p:nvSpPr>
         <p:spPr>
           <a:xfrm>
-            <a:off x="3884613" y="8685213"/>
-            <a:ext cx="2971800" cy="457200"/>
+            <a:off x="3815373" y="9371285"/>
+            <a:ext cx="2918831" cy="493316"/>
           </a:xfrm>
           <a:prstGeom prst="rect">
             <a:avLst/>
@@ -686,7 +774,7 @@
                 <a:spcPct val="0"/>
               </a:spcBef>
             </a:pPr>
-            <a:endParaRPr lang="en-US" smtClean="0"/>
+            <a:endParaRPr lang="en-US"/>
           </a:p>
         </p:txBody>
       </p:sp>
@@ -883,38 +971,37 @@
           <a:p>
             <a:pPr lvl="0"/>
             <a:r>
-              <a:rPr lang="en-US" dirty="0" smtClean="0"/>
+              <a:rPr lang="en-US" dirty="0"/>
               <a:t>Click to edit Master text styles</a:t>
             </a:r>
           </a:p>
           <a:p>
             <a:pPr lvl="1"/>
             <a:r>
-              <a:rPr lang="en-US" dirty="0" smtClean="0"/>
+              <a:rPr lang="en-US" dirty="0"/>
               <a:t>Second level</a:t>
             </a:r>
           </a:p>
           <a:p>
             <a:pPr lvl="2"/>
             <a:r>
-              <a:rPr lang="en-US" dirty="0" smtClean="0"/>
+              <a:rPr lang="en-US" dirty="0"/>
               <a:t>Third level</a:t>
             </a:r>
           </a:p>
           <a:p>
             <a:pPr lvl="3"/>
             <a:r>
-              <a:rPr lang="en-US" dirty="0" smtClean="0"/>
+              <a:rPr lang="en-US" dirty="0"/>
               <a:t>Fourth level</a:t>
             </a:r>
           </a:p>
           <a:p>
             <a:pPr lvl="4"/>
             <a:r>
-              <a:rPr lang="en-US" dirty="0" smtClean="0"/>
+              <a:rPr lang="en-US" dirty="0"/>
               <a:t>Fifth level</a:t>
             </a:r>
-            <a:endParaRPr lang="en-US" dirty="0"/>
           </a:p>
         </p:txBody>
       </p:sp>
@@ -959,10 +1046,9 @@
           <a:p>
             <a:pPr lvl="0"/>
             <a:r>
-              <a:rPr lang="en-US" dirty="0" smtClean="0"/>
+              <a:rPr lang="en-US" dirty="0"/>
               <a:t>Click to edit Master text</a:t>
             </a:r>
-            <a:endParaRPr lang="en-US" dirty="0"/>
           </a:p>
         </p:txBody>
       </p:sp>
@@ -993,7 +1079,7 @@
               <a:pPr>
                 <a:defRPr/>
               </a:pPr>
-              <a:t>2/7/2017</a:t>
+              <a:t>2/27/2020</a:t>
             </a:fld>
             <a:endParaRPr lang="en-US"/>
           </a:p>
@@ -1112,10 +1198,9 @@
           <a:lstStyle/>
           <a:p>
             <a:r>
-              <a:rPr lang="en-US" smtClean="0"/>
+              <a:rPr lang="en-US"/>
               <a:t>Click to edit Master title style</a:t>
             </a:r>
-            <a:endParaRPr lang="en-US"/>
           </a:p>
         </p:txBody>
       </p:sp>
@@ -1136,38 +1221,37 @@
           <a:p>
             <a:pPr lvl="0"/>
             <a:r>
-              <a:rPr lang="en-US" smtClean="0"/>
+              <a:rPr lang="en-US"/>
               <a:t>Click to edit Master text styles</a:t>
             </a:r>
           </a:p>
           <a:p>
             <a:pPr lvl="1"/>
             <a:r>
-              <a:rPr lang="en-US" smtClean="0"/>
+              <a:rPr lang="en-US"/>
               <a:t>Second level</a:t>
             </a:r>
           </a:p>
           <a:p>
             <a:pPr lvl="2"/>
             <a:r>
-              <a:rPr lang="en-US" smtClean="0"/>
+              <a:rPr lang="en-US"/>
               <a:t>Third level</a:t>
             </a:r>
           </a:p>
           <a:p>
             <a:pPr lvl="3"/>
             <a:r>
-              <a:rPr lang="en-US" smtClean="0"/>
+              <a:rPr lang="en-US"/>
               <a:t>Fourth level</a:t>
             </a:r>
           </a:p>
           <a:p>
             <a:pPr lvl="4"/>
             <a:r>
-              <a:rPr lang="en-US" smtClean="0"/>
+              <a:rPr lang="en-US"/>
               <a:t>Fifth level</a:t>
             </a:r>
-            <a:endParaRPr lang="en-US"/>
           </a:p>
         </p:txBody>
       </p:sp>
@@ -1198,7 +1282,7 @@
               <a:pPr>
                 <a:defRPr/>
               </a:pPr>
-              <a:t>2/7/2017</a:t>
+              <a:t>2/27/2020</a:t>
             </a:fld>
             <a:endParaRPr lang="en-US"/>
           </a:p>
@@ -1271,13 +1355,6 @@
   <p:clrMapOvr>
     <a:masterClrMapping/>
   </p:clrMapOvr>
-  <p:timing>
-    <p:tnLst>
-      <p:par>
-        <p:cTn id="1" dur="indefinite" restart="never" nodeType="tmRoot"/>
-      </p:par>
-    </p:tnLst>
-  </p:timing>
 </p:sldLayout>
 </file>
 
@@ -1319,10 +1396,9 @@
           <a:lstStyle/>
           <a:p>
             <a:r>
-              <a:rPr lang="en-US" smtClean="0"/>
+              <a:rPr lang="en-US"/>
               <a:t>Click to edit Master title style</a:t>
             </a:r>
-            <a:endParaRPr lang="en-US"/>
           </a:p>
         </p:txBody>
       </p:sp>
@@ -1348,38 +1424,37 @@
           <a:p>
             <a:pPr lvl="0"/>
             <a:r>
-              <a:rPr lang="en-US" smtClean="0"/>
+              <a:rPr lang="en-US"/>
               <a:t>Click to edit Master text styles</a:t>
             </a:r>
           </a:p>
           <a:p>
             <a:pPr lvl="1"/>
             <a:r>
-              <a:rPr lang="en-US" smtClean="0"/>
+              <a:rPr lang="en-US"/>
               <a:t>Second level</a:t>
             </a:r>
           </a:p>
           <a:p>
             <a:pPr lvl="2"/>
             <a:r>
-              <a:rPr lang="en-US" smtClean="0"/>
+              <a:rPr lang="en-US"/>
               <a:t>Third level</a:t>
             </a:r>
           </a:p>
           <a:p>
             <a:pPr lvl="3"/>
             <a:r>
-              <a:rPr lang="en-US" smtClean="0"/>
+              <a:rPr lang="en-US"/>
               <a:t>Fourth level</a:t>
             </a:r>
           </a:p>
           <a:p>
             <a:pPr lvl="4"/>
             <a:r>
-              <a:rPr lang="en-US" smtClean="0"/>
+              <a:rPr lang="en-US"/>
               <a:t>Fifth level</a:t>
             </a:r>
-            <a:endParaRPr lang="en-US"/>
           </a:p>
         </p:txBody>
       </p:sp>
@@ -1410,7 +1485,7 @@
               <a:pPr>
                 <a:defRPr/>
               </a:pPr>
-              <a:t>2/7/2017</a:t>
+              <a:t>2/27/2020</a:t>
             </a:fld>
             <a:endParaRPr lang="en-US"/>
           </a:p>
@@ -1483,13 +1558,6 @@
   <p:clrMapOvr>
     <a:masterClrMapping/>
   </p:clrMapOvr>
-  <p:timing>
-    <p:tnLst>
-      <p:par>
-        <p:cTn id="1" dur="indefinite" restart="never" nodeType="tmRoot"/>
-      </p:par>
-    </p:tnLst>
-  </p:timing>
 </p:sldLayout>
 </file>
 
@@ -1531,10 +1599,9 @@
           <a:lstStyle/>
           <a:p>
             <a:r>
-              <a:rPr lang="en-US" smtClean="0"/>
+              <a:rPr lang="en-US"/>
               <a:t>Click to edit Master title style</a:t>
             </a:r>
-            <a:endParaRPr lang="en-US"/>
           </a:p>
         </p:txBody>
       </p:sp>
@@ -1650,10 +1717,9 @@
           </a:lstStyle>
           <a:p>
             <a:r>
-              <a:rPr lang="en-US" smtClean="0"/>
+              <a:rPr lang="en-US"/>
               <a:t>Click to edit Master subtitle style</a:t>
             </a:r>
-            <a:endParaRPr lang="en-US"/>
           </a:p>
         </p:txBody>
       </p:sp>
@@ -1684,7 +1750,7 @@
               <a:pPr>
                 <a:defRPr/>
               </a:pPr>
-              <a:t>2/7/2017</a:t>
+              <a:t>2/27/2020</a:t>
             </a:fld>
             <a:endParaRPr lang="en-US"/>
           </a:p>
@@ -1793,10 +1859,9 @@
           <a:lstStyle/>
           <a:p>
             <a:r>
-              <a:rPr lang="en-US" smtClean="0"/>
+              <a:rPr lang="en-US"/>
               <a:t>Click to edit Master title style</a:t>
             </a:r>
-            <a:endParaRPr lang="en-US"/>
           </a:p>
         </p:txBody>
       </p:sp>
@@ -1817,38 +1882,37 @@
           <a:p>
             <a:pPr lvl="0"/>
             <a:r>
-              <a:rPr lang="en-US" smtClean="0"/>
+              <a:rPr lang="en-US"/>
               <a:t>Click to edit Master text styles</a:t>
             </a:r>
           </a:p>
           <a:p>
             <a:pPr lvl="1"/>
             <a:r>
-              <a:rPr lang="en-US" smtClean="0"/>
+              <a:rPr lang="en-US"/>
               <a:t>Second level</a:t>
             </a:r>
           </a:p>
           <a:p>
             <a:pPr lvl="2"/>
             <a:r>
-              <a:rPr lang="en-US" smtClean="0"/>
+              <a:rPr lang="en-US"/>
               <a:t>Third level</a:t>
             </a:r>
           </a:p>
           <a:p>
             <a:pPr lvl="3"/>
             <a:r>
-              <a:rPr lang="en-US" smtClean="0"/>
+              <a:rPr lang="en-US"/>
               <a:t>Fourth level</a:t>
             </a:r>
           </a:p>
           <a:p>
             <a:pPr lvl="4"/>
             <a:r>
-              <a:rPr lang="en-US" smtClean="0"/>
+              <a:rPr lang="en-US"/>
               <a:t>Fifth level</a:t>
             </a:r>
-            <a:endParaRPr lang="en-US"/>
           </a:p>
         </p:txBody>
       </p:sp>
@@ -1879,7 +1943,7 @@
               <a:pPr>
                 <a:defRPr/>
               </a:pPr>
-              <a:t>2/7/2017</a:t>
+              <a:t>2/27/2020</a:t>
             </a:fld>
             <a:endParaRPr lang="en-US"/>
           </a:p>
@@ -1997,10 +2061,9 @@
           </a:lstStyle>
           <a:p>
             <a:r>
-              <a:rPr lang="en-US" smtClean="0"/>
+              <a:rPr lang="en-US"/>
               <a:t>Click to edit Master title style</a:t>
             </a:r>
-            <a:endParaRPr lang="en-US"/>
           </a:p>
         </p:txBody>
       </p:sp>
@@ -2117,7 +2180,7 @@
           <a:p>
             <a:pPr lvl="0"/>
             <a:r>
-              <a:rPr lang="en-US" smtClean="0"/>
+              <a:rPr lang="en-US"/>
               <a:t>Click to edit Master text styles</a:t>
             </a:r>
           </a:p>
@@ -2150,7 +2213,7 @@
               <a:pPr>
                 <a:defRPr/>
               </a:pPr>
-              <a:t>2/7/2017</a:t>
+              <a:t>2/27/2020</a:t>
             </a:fld>
             <a:endParaRPr lang="en-US"/>
           </a:p>
@@ -2259,10 +2322,9 @@
           <a:lstStyle/>
           <a:p>
             <a:r>
-              <a:rPr lang="en-US" smtClean="0"/>
+              <a:rPr lang="en-US"/>
               <a:t>Click to edit Master title style</a:t>
             </a:r>
-            <a:endParaRPr lang="en-US"/>
           </a:p>
         </p:txBody>
       </p:sp>
@@ -2316,38 +2378,37 @@
           <a:p>
             <a:pPr lvl="0"/>
             <a:r>
-              <a:rPr lang="en-US" smtClean="0"/>
+              <a:rPr lang="en-US"/>
               <a:t>Click to edit Master text styles</a:t>
             </a:r>
           </a:p>
           <a:p>
             <a:pPr lvl="1"/>
             <a:r>
-              <a:rPr lang="en-US" smtClean="0"/>
+              <a:rPr lang="en-US"/>
               <a:t>Second level</a:t>
             </a:r>
           </a:p>
           <a:p>
             <a:pPr lvl="2"/>
             <a:r>
-              <a:rPr lang="en-US" smtClean="0"/>
+              <a:rPr lang="en-US"/>
               <a:t>Third level</a:t>
             </a:r>
           </a:p>
           <a:p>
             <a:pPr lvl="3"/>
             <a:r>
-              <a:rPr lang="en-US" smtClean="0"/>
+              <a:rPr lang="en-US"/>
               <a:t>Fourth level</a:t>
             </a:r>
           </a:p>
           <a:p>
             <a:pPr lvl="4"/>
             <a:r>
-              <a:rPr lang="en-US" smtClean="0"/>
+              <a:rPr lang="en-US"/>
               <a:t>Fifth level</a:t>
             </a:r>
-            <a:endParaRPr lang="en-US"/>
           </a:p>
         </p:txBody>
       </p:sp>
@@ -2401,38 +2462,37 @@
           <a:p>
             <a:pPr lvl="0"/>
             <a:r>
-              <a:rPr lang="en-US" smtClean="0"/>
+              <a:rPr lang="en-US"/>
               <a:t>Click to edit Master text styles</a:t>
             </a:r>
           </a:p>
           <a:p>
             <a:pPr lvl="1"/>
             <a:r>
-              <a:rPr lang="en-US" smtClean="0"/>
+              <a:rPr lang="en-US"/>
               <a:t>Second level</a:t>
             </a:r>
           </a:p>
           <a:p>
             <a:pPr lvl="2"/>
             <a:r>
-              <a:rPr lang="en-US" smtClean="0"/>
+              <a:rPr lang="en-US"/>
               <a:t>Third level</a:t>
             </a:r>
           </a:p>
           <a:p>
             <a:pPr lvl="3"/>
             <a:r>
-              <a:rPr lang="en-US" smtClean="0"/>
+              <a:rPr lang="en-US"/>
               <a:t>Fourth level</a:t>
             </a:r>
           </a:p>
           <a:p>
             <a:pPr lvl="4"/>
             <a:r>
-              <a:rPr lang="en-US" smtClean="0"/>
+              <a:rPr lang="en-US"/>
               <a:t>Fifth level</a:t>
             </a:r>
-            <a:endParaRPr lang="en-US"/>
           </a:p>
         </p:txBody>
       </p:sp>
@@ -2463,7 +2523,7 @@
               <a:pPr>
                 <a:defRPr/>
               </a:pPr>
-              <a:t>2/7/2017</a:t>
+              <a:t>2/27/2020</a:t>
             </a:fld>
             <a:endParaRPr lang="en-US"/>
           </a:p>
@@ -2576,10 +2636,9 @@
           </a:lstStyle>
           <a:p>
             <a:r>
-              <a:rPr lang="en-US" smtClean="0"/>
+              <a:rPr lang="en-US"/>
               <a:t>Click to edit Master title style</a:t>
             </a:r>
-            <a:endParaRPr lang="en-US"/>
           </a:p>
         </p:txBody>
       </p:sp>
@@ -2642,7 +2701,7 @@
           <a:p>
             <a:pPr lvl="0"/>
             <a:r>
-              <a:rPr lang="en-US" smtClean="0"/>
+              <a:rPr lang="en-US"/>
               <a:t>Click to edit Master text styles</a:t>
             </a:r>
           </a:p>
@@ -2698,38 +2757,37 @@
           <a:p>
             <a:pPr lvl="0"/>
             <a:r>
-              <a:rPr lang="en-US" smtClean="0"/>
+              <a:rPr lang="en-US"/>
               <a:t>Click to edit Master text styles</a:t>
             </a:r>
           </a:p>
           <a:p>
             <a:pPr lvl="1"/>
             <a:r>
-              <a:rPr lang="en-US" smtClean="0"/>
+              <a:rPr lang="en-US"/>
               <a:t>Second level</a:t>
             </a:r>
           </a:p>
           <a:p>
             <a:pPr lvl="2"/>
             <a:r>
-              <a:rPr lang="en-US" smtClean="0"/>
+              <a:rPr lang="en-US"/>
               <a:t>Third level</a:t>
             </a:r>
           </a:p>
           <a:p>
             <a:pPr lvl="3"/>
             <a:r>
-              <a:rPr lang="en-US" smtClean="0"/>
+              <a:rPr lang="en-US"/>
               <a:t>Fourth level</a:t>
             </a:r>
           </a:p>
           <a:p>
             <a:pPr lvl="4"/>
             <a:r>
-              <a:rPr lang="en-US" smtClean="0"/>
+              <a:rPr lang="en-US"/>
               <a:t>Fifth level</a:t>
             </a:r>
-            <a:endParaRPr lang="en-US"/>
           </a:p>
         </p:txBody>
       </p:sp>
@@ -2792,7 +2850,7 @@
           <a:p>
             <a:pPr lvl="0"/>
             <a:r>
-              <a:rPr lang="en-US" smtClean="0"/>
+              <a:rPr lang="en-US"/>
               <a:t>Click to edit Master text styles</a:t>
             </a:r>
           </a:p>
@@ -2848,38 +2906,37 @@
           <a:p>
             <a:pPr lvl="0"/>
             <a:r>
-              <a:rPr lang="en-US" smtClean="0"/>
+              <a:rPr lang="en-US"/>
               <a:t>Click to edit Master text styles</a:t>
             </a:r>
           </a:p>
           <a:p>
             <a:pPr lvl="1"/>
             <a:r>
-              <a:rPr lang="en-US" smtClean="0"/>
+              <a:rPr lang="en-US"/>
               <a:t>Second level</a:t>
             </a:r>
           </a:p>
           <a:p>
             <a:pPr lvl="2"/>
             <a:r>
-              <a:rPr lang="en-US" smtClean="0"/>
+              <a:rPr lang="en-US"/>
               <a:t>Third level</a:t>
             </a:r>
           </a:p>
           <a:p>
             <a:pPr lvl="3"/>
             <a:r>
-              <a:rPr lang="en-US" smtClean="0"/>
+              <a:rPr lang="en-US"/>
               <a:t>Fourth level</a:t>
             </a:r>
           </a:p>
           <a:p>
             <a:pPr lvl="4"/>
             <a:r>
-              <a:rPr lang="en-US" smtClean="0"/>
+              <a:rPr lang="en-US"/>
               <a:t>Fifth level</a:t>
             </a:r>
-            <a:endParaRPr lang="en-US"/>
           </a:p>
         </p:txBody>
       </p:sp>
@@ -2910,7 +2967,7 @@
               <a:pPr>
                 <a:defRPr/>
               </a:pPr>
-              <a:t>2/7/2017</a:t>
+              <a:t>2/27/2020</a:t>
             </a:fld>
             <a:endParaRPr lang="en-US"/>
           </a:p>
@@ -3019,10 +3076,9 @@
           <a:lstStyle/>
           <a:p>
             <a:r>
-              <a:rPr lang="en-US" smtClean="0"/>
+              <a:rPr lang="en-US"/>
               <a:t>Click to edit Master title style</a:t>
             </a:r>
-            <a:endParaRPr lang="en-US"/>
           </a:p>
         </p:txBody>
       </p:sp>
@@ -3053,7 +3109,7 @@
               <a:pPr>
                 <a:defRPr/>
               </a:pPr>
-              <a:t>2/7/2017</a:t>
+              <a:t>2/27/2020</a:t>
             </a:fld>
             <a:endParaRPr lang="en-US"/>
           </a:p>
@@ -3173,7 +3229,7 @@
               <a:pPr>
                 <a:defRPr/>
               </a:pPr>
-              <a:t>2/7/2017</a:t>
+              <a:t>2/27/2020</a:t>
             </a:fld>
             <a:endParaRPr lang="en-US"/>
           </a:p>
@@ -3291,10 +3347,9 @@
           </a:lstStyle>
           <a:p>
             <a:r>
-              <a:rPr lang="en-US" smtClean="0"/>
+              <a:rPr lang="en-US"/>
               <a:t>Click to edit Master title style</a:t>
             </a:r>
-            <a:endParaRPr lang="en-US"/>
           </a:p>
         </p:txBody>
       </p:sp>
@@ -3348,38 +3403,37 @@
           <a:p>
             <a:pPr lvl="0"/>
             <a:r>
-              <a:rPr lang="en-US" smtClean="0"/>
+              <a:rPr lang="en-US"/>
               <a:t>Click to edit Master text styles</a:t>
             </a:r>
           </a:p>
           <a:p>
             <a:pPr lvl="1"/>
             <a:r>
-              <a:rPr lang="en-US" smtClean="0"/>
+              <a:rPr lang="en-US"/>
               <a:t>Second level</a:t>
             </a:r>
           </a:p>
           <a:p>
             <a:pPr lvl="2"/>
             <a:r>
-              <a:rPr lang="en-US" smtClean="0"/>
+              <a:rPr lang="en-US"/>
               <a:t>Third level</a:t>
             </a:r>
           </a:p>
           <a:p>
             <a:pPr lvl="3"/>
             <a:r>
-              <a:rPr lang="en-US" smtClean="0"/>
+              <a:rPr lang="en-US"/>
               <a:t>Fourth level</a:t>
             </a:r>
           </a:p>
           <a:p>
             <a:pPr lvl="4"/>
             <a:r>
-              <a:rPr lang="en-US" smtClean="0"/>
+              <a:rPr lang="en-US"/>
               <a:t>Fifth level</a:t>
             </a:r>
-            <a:endParaRPr lang="en-US"/>
           </a:p>
         </p:txBody>
       </p:sp>
@@ -3442,7 +3496,7 @@
           <a:p>
             <a:pPr lvl="0"/>
             <a:r>
-              <a:rPr lang="en-US" smtClean="0"/>
+              <a:rPr lang="en-US"/>
               <a:t>Click to edit Master text styles</a:t>
             </a:r>
           </a:p>
@@ -3475,7 +3529,7 @@
               <a:pPr>
                 <a:defRPr/>
               </a:pPr>
-              <a:t>2/7/2017</a:t>
+              <a:t>2/27/2020</a:t>
             </a:fld>
             <a:endParaRPr lang="en-US"/>
           </a:p>
@@ -3589,10 +3643,9 @@
           <a:lstStyle/>
           <a:p>
             <a:r>
-              <a:rPr lang="en-US" smtClean="0"/>
+              <a:rPr lang="en-US"/>
               <a:t>Click to edit Master title style</a:t>
             </a:r>
-            <a:endParaRPr lang="en-US"/>
           </a:p>
         </p:txBody>
       </p:sp>
@@ -3708,10 +3761,9 @@
           </a:lstStyle>
           <a:p>
             <a:r>
-              <a:rPr lang="en-US" smtClean="0"/>
+              <a:rPr lang="en-US"/>
               <a:t>Click to edit Master subtitle style</a:t>
             </a:r>
-            <a:endParaRPr lang="en-US"/>
           </a:p>
         </p:txBody>
       </p:sp>
@@ -3742,7 +3794,7 @@
               <a:pPr>
                 <a:defRPr/>
               </a:pPr>
-              <a:t>2/7/2017</a:t>
+              <a:t>2/27/2020</a:t>
             </a:fld>
             <a:endParaRPr lang="en-US"/>
           </a:p>
@@ -3819,13 +3871,6 @@
   <p:clrMapOvr>
     <a:masterClrMapping/>
   </p:clrMapOvr>
-  <p:timing>
-    <p:tnLst>
-      <p:par>
-        <p:cTn id="1" dur="indefinite" restart="never" nodeType="tmRoot"/>
-      </p:par>
-    </p:tnLst>
-  </p:timing>
 </p:sldLayout>
 </file>
 
@@ -3871,10 +3916,9 @@
           </a:lstStyle>
           <a:p>
             <a:r>
-              <a:rPr lang="en-US" smtClean="0"/>
+              <a:rPr lang="en-US"/>
               <a:t>Click to edit Master title style</a:t>
             </a:r>
-            <a:endParaRPr lang="en-US"/>
           </a:p>
         </p:txBody>
       </p:sp>
@@ -4001,7 +4045,7 @@
           <a:p>
             <a:pPr lvl="0"/>
             <a:r>
-              <a:rPr lang="en-US" smtClean="0"/>
+              <a:rPr lang="en-US"/>
               <a:t>Click to edit Master text styles</a:t>
             </a:r>
           </a:p>
@@ -4034,7 +4078,7 @@
               <a:pPr>
                 <a:defRPr/>
               </a:pPr>
-              <a:t>2/7/2017</a:t>
+              <a:t>2/27/2020</a:t>
             </a:fld>
             <a:endParaRPr lang="en-US"/>
           </a:p>
@@ -4143,10 +4187,9 @@
           <a:lstStyle/>
           <a:p>
             <a:r>
-              <a:rPr lang="en-US" smtClean="0"/>
+              <a:rPr lang="en-US"/>
               <a:t>Click to edit Master title style</a:t>
             </a:r>
-            <a:endParaRPr lang="en-US"/>
           </a:p>
         </p:txBody>
       </p:sp>
@@ -4167,38 +4210,37 @@
           <a:p>
             <a:pPr lvl="0"/>
             <a:r>
-              <a:rPr lang="en-US" smtClean="0"/>
+              <a:rPr lang="en-US"/>
               <a:t>Click to edit Master text styles</a:t>
             </a:r>
           </a:p>
           <a:p>
             <a:pPr lvl="1"/>
             <a:r>
-              <a:rPr lang="en-US" smtClean="0"/>
+              <a:rPr lang="en-US"/>
               <a:t>Second level</a:t>
             </a:r>
           </a:p>
           <a:p>
             <a:pPr lvl="2"/>
             <a:r>
-              <a:rPr lang="en-US" smtClean="0"/>
+              <a:rPr lang="en-US"/>
               <a:t>Third level</a:t>
             </a:r>
           </a:p>
           <a:p>
             <a:pPr lvl="3"/>
             <a:r>
-              <a:rPr lang="en-US" smtClean="0"/>
+              <a:rPr lang="en-US"/>
               <a:t>Fourth level</a:t>
             </a:r>
           </a:p>
           <a:p>
             <a:pPr lvl="4"/>
             <a:r>
-              <a:rPr lang="en-US" smtClean="0"/>
+              <a:rPr lang="en-US"/>
               <a:t>Fifth level</a:t>
             </a:r>
-            <a:endParaRPr lang="en-US"/>
           </a:p>
         </p:txBody>
       </p:sp>
@@ -4229,7 +4271,7 @@
               <a:pPr>
                 <a:defRPr/>
               </a:pPr>
-              <a:t>2/7/2017</a:t>
+              <a:t>2/27/2020</a:t>
             </a:fld>
             <a:endParaRPr lang="en-US"/>
           </a:p>
@@ -4343,10 +4385,9 @@
           <a:lstStyle/>
           <a:p>
             <a:r>
-              <a:rPr lang="en-US" smtClean="0"/>
+              <a:rPr lang="en-US"/>
               <a:t>Click to edit Master title style</a:t>
             </a:r>
-            <a:endParaRPr lang="en-US"/>
           </a:p>
         </p:txBody>
       </p:sp>
@@ -4372,38 +4413,37 @@
           <a:p>
             <a:pPr lvl="0"/>
             <a:r>
-              <a:rPr lang="en-US" smtClean="0"/>
+              <a:rPr lang="en-US"/>
               <a:t>Click to edit Master text styles</a:t>
             </a:r>
           </a:p>
           <a:p>
             <a:pPr lvl="1"/>
             <a:r>
-              <a:rPr lang="en-US" smtClean="0"/>
+              <a:rPr lang="en-US"/>
               <a:t>Second level</a:t>
             </a:r>
           </a:p>
           <a:p>
             <a:pPr lvl="2"/>
             <a:r>
-              <a:rPr lang="en-US" smtClean="0"/>
+              <a:rPr lang="en-US"/>
               <a:t>Third level</a:t>
             </a:r>
           </a:p>
           <a:p>
             <a:pPr lvl="3"/>
             <a:r>
-              <a:rPr lang="en-US" smtClean="0"/>
+              <a:rPr lang="en-US"/>
               <a:t>Fourth level</a:t>
             </a:r>
           </a:p>
           <a:p>
             <a:pPr lvl="4"/>
             <a:r>
-              <a:rPr lang="en-US" smtClean="0"/>
+              <a:rPr lang="en-US"/>
               <a:t>Fifth level</a:t>
             </a:r>
-            <a:endParaRPr lang="en-US"/>
           </a:p>
         </p:txBody>
       </p:sp>
@@ -4434,7 +4474,7 @@
               <a:pPr>
                 <a:defRPr/>
               </a:pPr>
-              <a:t>2/7/2017</a:t>
+              <a:t>2/27/2020</a:t>
             </a:fld>
             <a:endParaRPr lang="en-US"/>
           </a:p>
@@ -4548,10 +4588,9 @@
           <a:lstStyle/>
           <a:p>
             <a:r>
-              <a:rPr lang="en-US" smtClean="0"/>
+              <a:rPr lang="en-US"/>
               <a:t>Click to edit Master title style</a:t>
             </a:r>
-            <a:endParaRPr lang="en-US"/>
           </a:p>
         </p:txBody>
       </p:sp>
@@ -4667,10 +4706,9 @@
           </a:lstStyle>
           <a:p>
             <a:r>
-              <a:rPr lang="en-US" smtClean="0"/>
+              <a:rPr lang="en-US"/>
               <a:t>Click to edit Master subtitle style</a:t>
             </a:r>
-            <a:endParaRPr lang="en-US"/>
           </a:p>
         </p:txBody>
       </p:sp>
@@ -4701,7 +4739,7 @@
               <a:pPr>
                 <a:defRPr/>
               </a:pPr>
-              <a:t>2/7/2017</a:t>
+              <a:t>2/27/2020</a:t>
             </a:fld>
             <a:endParaRPr lang="en-US"/>
           </a:p>
@@ -4810,10 +4848,9 @@
           <a:lstStyle/>
           <a:p>
             <a:r>
-              <a:rPr lang="en-US" smtClean="0"/>
+              <a:rPr lang="en-US"/>
               <a:t>Click to edit Master title style</a:t>
             </a:r>
-            <a:endParaRPr lang="en-US"/>
           </a:p>
         </p:txBody>
       </p:sp>
@@ -4834,38 +4871,37 @@
           <a:p>
             <a:pPr lvl="0"/>
             <a:r>
-              <a:rPr lang="en-US" smtClean="0"/>
+              <a:rPr lang="en-US"/>
               <a:t>Click to edit Master text styles</a:t>
             </a:r>
           </a:p>
           <a:p>
             <a:pPr lvl="1"/>
             <a:r>
-              <a:rPr lang="en-US" smtClean="0"/>
+              <a:rPr lang="en-US"/>
               <a:t>Second level</a:t>
             </a:r>
           </a:p>
           <a:p>
             <a:pPr lvl="2"/>
             <a:r>
-              <a:rPr lang="en-US" smtClean="0"/>
+              <a:rPr lang="en-US"/>
               <a:t>Third level</a:t>
             </a:r>
           </a:p>
           <a:p>
             <a:pPr lvl="3"/>
             <a:r>
-              <a:rPr lang="en-US" smtClean="0"/>
+              <a:rPr lang="en-US"/>
               <a:t>Fourth level</a:t>
             </a:r>
           </a:p>
           <a:p>
             <a:pPr lvl="4"/>
             <a:r>
-              <a:rPr lang="en-US" smtClean="0"/>
+              <a:rPr lang="en-US"/>
               <a:t>Fifth level</a:t>
             </a:r>
-            <a:endParaRPr lang="en-US"/>
           </a:p>
         </p:txBody>
       </p:sp>
@@ -4896,7 +4932,7 @@
               <a:pPr>
                 <a:defRPr/>
               </a:pPr>
-              <a:t>2/7/2017</a:t>
+              <a:t>2/27/2020</a:t>
             </a:fld>
             <a:endParaRPr lang="en-US"/>
           </a:p>
@@ -5014,10 +5050,9 @@
           </a:lstStyle>
           <a:p>
             <a:r>
-              <a:rPr lang="en-US" smtClean="0"/>
+              <a:rPr lang="en-US"/>
               <a:t>Click to edit Master title style</a:t>
             </a:r>
-            <a:endParaRPr lang="en-US"/>
           </a:p>
         </p:txBody>
       </p:sp>
@@ -5134,7 +5169,7 @@
           <a:p>
             <a:pPr lvl="0"/>
             <a:r>
-              <a:rPr lang="en-US" smtClean="0"/>
+              <a:rPr lang="en-US"/>
               <a:t>Click to edit Master text styles</a:t>
             </a:r>
           </a:p>
@@ -5167,7 +5202,7 @@
               <a:pPr>
                 <a:defRPr/>
               </a:pPr>
-              <a:t>2/7/2017</a:t>
+              <a:t>2/27/2020</a:t>
             </a:fld>
             <a:endParaRPr lang="en-US"/>
           </a:p>
@@ -5276,10 +5311,9 @@
           <a:lstStyle/>
           <a:p>
             <a:r>
-              <a:rPr lang="en-US" smtClean="0"/>
+              <a:rPr lang="en-US"/>
               <a:t>Click to edit Master title style</a:t>
             </a:r>
-            <a:endParaRPr lang="en-US"/>
           </a:p>
         </p:txBody>
       </p:sp>
@@ -5333,38 +5367,37 @@
           <a:p>
             <a:pPr lvl="0"/>
             <a:r>
-              <a:rPr lang="en-US" smtClean="0"/>
+              <a:rPr lang="en-US"/>
               <a:t>Click to edit Master text styles</a:t>
             </a:r>
           </a:p>
           <a:p>
             <a:pPr lvl="1"/>
             <a:r>
-              <a:rPr lang="en-US" smtClean="0"/>
+              <a:rPr lang="en-US"/>
               <a:t>Second level</a:t>
             </a:r>
           </a:p>
           <a:p>
             <a:pPr lvl="2"/>
             <a:r>
-              <a:rPr lang="en-US" smtClean="0"/>
+              <a:rPr lang="en-US"/>
               <a:t>Third level</a:t>
             </a:r>
           </a:p>
           <a:p>
             <a:pPr lvl="3"/>
             <a:r>
-              <a:rPr lang="en-US" smtClean="0"/>
+              <a:rPr lang="en-US"/>
               <a:t>Fourth level</a:t>
             </a:r>
           </a:p>
           <a:p>
             <a:pPr lvl="4"/>
             <a:r>
-              <a:rPr lang="en-US" smtClean="0"/>
+              <a:rPr lang="en-US"/>
               <a:t>Fifth level</a:t>
             </a:r>
-            <a:endParaRPr lang="en-US"/>
           </a:p>
         </p:txBody>
       </p:sp>
@@ -5418,38 +5451,37 @@
           <a:p>
             <a:pPr lvl="0"/>
             <a:r>
-              <a:rPr lang="en-US" smtClean="0"/>
+              <a:rPr lang="en-US"/>
               <a:t>Click to edit Master text styles</a:t>
             </a:r>
           </a:p>
           <a:p>
             <a:pPr lvl="1"/>
             <a:r>
-              <a:rPr lang="en-US" smtClean="0"/>
+              <a:rPr lang="en-US"/>
               <a:t>Second level</a:t>
             </a:r>
           </a:p>
           <a:p>
             <a:pPr lvl="2"/>
             <a:r>
-              <a:rPr lang="en-US" smtClean="0"/>
+              <a:rPr lang="en-US"/>
               <a:t>Third level</a:t>
             </a:r>
           </a:p>
           <a:p>
             <a:pPr lvl="3"/>
             <a:r>
-              <a:rPr lang="en-US" smtClean="0"/>
+              <a:rPr lang="en-US"/>
               <a:t>Fourth level</a:t>
             </a:r>
           </a:p>
           <a:p>
             <a:pPr lvl="4"/>
             <a:r>
-              <a:rPr lang="en-US" smtClean="0"/>
+              <a:rPr lang="en-US"/>
               <a:t>Fifth level</a:t>
             </a:r>
-            <a:endParaRPr lang="en-US"/>
           </a:p>
         </p:txBody>
       </p:sp>
@@ -5480,7 +5512,7 @@
               <a:pPr>
                 <a:defRPr/>
               </a:pPr>
-              <a:t>2/7/2017</a:t>
+              <a:t>2/27/2020</a:t>
             </a:fld>
             <a:endParaRPr lang="en-US"/>
           </a:p>
@@ -5593,10 +5625,9 @@
           </a:lstStyle>
           <a:p>
             <a:r>
-              <a:rPr lang="en-US" smtClean="0"/>
+              <a:rPr lang="en-US"/>
               <a:t>Click to edit Master title style</a:t>
             </a:r>
-            <a:endParaRPr lang="en-US"/>
           </a:p>
         </p:txBody>
       </p:sp>
@@ -5659,7 +5690,7 @@
           <a:p>
             <a:pPr lvl="0"/>
             <a:r>
-              <a:rPr lang="en-US" smtClean="0"/>
+              <a:rPr lang="en-US"/>
               <a:t>Click to edit Master text styles</a:t>
             </a:r>
           </a:p>
@@ -5715,38 +5746,37 @@
           <a:p>
             <a:pPr lvl="0"/>
             <a:r>
-              <a:rPr lang="en-US" smtClean="0"/>
+              <a:rPr lang="en-US"/>
               <a:t>Click to edit Master text styles</a:t>
             </a:r>
           </a:p>
           <a:p>
             <a:pPr lvl="1"/>
             <a:r>
-              <a:rPr lang="en-US" smtClean="0"/>
+              <a:rPr lang="en-US"/>
               <a:t>Second level</a:t>
             </a:r>
           </a:p>
           <a:p>
             <a:pPr lvl="2"/>
             <a:r>
-              <a:rPr lang="en-US" smtClean="0"/>
+              <a:rPr lang="en-US"/>
               <a:t>Third level</a:t>
             </a:r>
           </a:p>
           <a:p>
             <a:pPr lvl="3"/>
             <a:r>
-              <a:rPr lang="en-US" smtClean="0"/>
+              <a:rPr lang="en-US"/>
               <a:t>Fourth level</a:t>
             </a:r>
           </a:p>
           <a:p>
             <a:pPr lvl="4"/>
             <a:r>
-              <a:rPr lang="en-US" smtClean="0"/>
+              <a:rPr lang="en-US"/>
               <a:t>Fifth level</a:t>
             </a:r>
-            <a:endParaRPr lang="en-US"/>
           </a:p>
         </p:txBody>
       </p:sp>
@@ -5809,7 +5839,7 @@
           <a:p>
             <a:pPr lvl="0"/>
             <a:r>
-              <a:rPr lang="en-US" smtClean="0"/>
+              <a:rPr lang="en-US"/>
               <a:t>Click to edit Master text styles</a:t>
             </a:r>
           </a:p>
@@ -5865,38 +5895,37 @@
           <a:p>
             <a:pPr lvl="0"/>
             <a:r>
-              <a:rPr lang="en-US" smtClean="0"/>
+              <a:rPr lang="en-US"/>
               <a:t>Click to edit Master text styles</a:t>
             </a:r>
           </a:p>
           <a:p>
             <a:pPr lvl="1"/>
             <a:r>
-              <a:rPr lang="en-US" smtClean="0"/>
+              <a:rPr lang="en-US"/>
               <a:t>Second level</a:t>
             </a:r>
           </a:p>
           <a:p>
             <a:pPr lvl="2"/>
             <a:r>
-              <a:rPr lang="en-US" smtClean="0"/>
+              <a:rPr lang="en-US"/>
               <a:t>Third level</a:t>
             </a:r>
           </a:p>
           <a:p>
             <a:pPr lvl="3"/>
             <a:r>
-              <a:rPr lang="en-US" smtClean="0"/>
+              <a:rPr lang="en-US"/>
               <a:t>Fourth level</a:t>
             </a:r>
           </a:p>
           <a:p>
             <a:pPr lvl="4"/>
             <a:r>
-              <a:rPr lang="en-US" smtClean="0"/>
+              <a:rPr lang="en-US"/>
               <a:t>Fifth level</a:t>
             </a:r>
-            <a:endParaRPr lang="en-US"/>
           </a:p>
         </p:txBody>
       </p:sp>
@@ -5927,7 +5956,7 @@
               <a:pPr>
                 <a:defRPr/>
               </a:pPr>
-              <a:t>2/7/2017</a:t>
+              <a:t>2/27/2020</a:t>
             </a:fld>
             <a:endParaRPr lang="en-US"/>
           </a:p>
@@ -6036,10 +6065,9 @@
           <a:lstStyle/>
           <a:p>
             <a:r>
-              <a:rPr lang="en-US" smtClean="0"/>
+              <a:rPr lang="en-US"/>
               <a:t>Click to edit Master title style</a:t>
             </a:r>
-            <a:endParaRPr lang="en-US"/>
           </a:p>
         </p:txBody>
       </p:sp>
@@ -6070,7 +6098,7 @@
               <a:pPr>
                 <a:defRPr/>
               </a:pPr>
-              <a:t>2/7/2017</a:t>
+              <a:t>2/27/2020</a:t>
             </a:fld>
             <a:endParaRPr lang="en-US"/>
           </a:p>
@@ -6190,7 +6218,7 @@
               <a:pPr>
                 <a:defRPr/>
               </a:pPr>
-              <a:t>2/7/2017</a:t>
+              <a:t>2/27/2020</a:t>
             </a:fld>
             <a:endParaRPr lang="en-US"/>
           </a:p>
@@ -6308,10 +6336,9 @@
           </a:lstStyle>
           <a:p>
             <a:r>
-              <a:rPr lang="en-US" smtClean="0"/>
+              <a:rPr lang="en-US"/>
               <a:t>Click to edit Master title style</a:t>
             </a:r>
-            <a:endParaRPr lang="en-US"/>
           </a:p>
         </p:txBody>
       </p:sp>
@@ -6428,7 +6455,7 @@
           <a:p>
             <a:pPr lvl="0"/>
             <a:r>
-              <a:rPr lang="en-US" smtClean="0"/>
+              <a:rPr lang="en-US"/>
               <a:t>Click to edit Master text styles</a:t>
             </a:r>
           </a:p>
@@ -6461,7 +6488,7 @@
               <a:pPr>
                 <a:defRPr/>
               </a:pPr>
-              <a:t>2/7/2017</a:t>
+              <a:t>2/27/2020</a:t>
             </a:fld>
             <a:endParaRPr lang="en-US"/>
           </a:p>
@@ -6534,13 +6561,6 @@
   <p:clrMapOvr>
     <a:masterClrMapping/>
   </p:clrMapOvr>
-  <p:timing>
-    <p:tnLst>
-      <p:par>
-        <p:cTn id="1" dur="indefinite" restart="never" nodeType="tmRoot"/>
-      </p:par>
-    </p:tnLst>
-  </p:timing>
 </p:sldLayout>
 </file>
 
@@ -6586,10 +6606,9 @@
           </a:lstStyle>
           <a:p>
             <a:r>
-              <a:rPr lang="en-US" smtClean="0"/>
+              <a:rPr lang="en-US"/>
               <a:t>Click to edit Master title style</a:t>
             </a:r>
-            <a:endParaRPr lang="en-US"/>
           </a:p>
         </p:txBody>
       </p:sp>
@@ -6643,38 +6662,37 @@
           <a:p>
             <a:pPr lvl="0"/>
             <a:r>
-              <a:rPr lang="en-US" smtClean="0"/>
+              <a:rPr lang="en-US"/>
               <a:t>Click to edit Master text styles</a:t>
             </a:r>
           </a:p>
           <a:p>
             <a:pPr lvl="1"/>
             <a:r>
-              <a:rPr lang="en-US" smtClean="0"/>
+              <a:rPr lang="en-US"/>
               <a:t>Second level</a:t>
             </a:r>
           </a:p>
           <a:p>
             <a:pPr lvl="2"/>
             <a:r>
-              <a:rPr lang="en-US" smtClean="0"/>
+              <a:rPr lang="en-US"/>
               <a:t>Third level</a:t>
             </a:r>
           </a:p>
           <a:p>
             <a:pPr lvl="3"/>
             <a:r>
-              <a:rPr lang="en-US" smtClean="0"/>
+              <a:rPr lang="en-US"/>
               <a:t>Fourth level</a:t>
             </a:r>
           </a:p>
           <a:p>
             <a:pPr lvl="4"/>
             <a:r>
-              <a:rPr lang="en-US" smtClean="0"/>
+              <a:rPr lang="en-US"/>
               <a:t>Fifth level</a:t>
             </a:r>
-            <a:endParaRPr lang="en-US"/>
           </a:p>
         </p:txBody>
       </p:sp>
@@ -6737,7 +6755,7 @@
           <a:p>
             <a:pPr lvl="0"/>
             <a:r>
-              <a:rPr lang="en-US" smtClean="0"/>
+              <a:rPr lang="en-US"/>
               <a:t>Click to edit Master text styles</a:t>
             </a:r>
           </a:p>
@@ -6770,7 +6788,7 @@
               <a:pPr>
                 <a:defRPr/>
               </a:pPr>
-              <a:t>2/7/2017</a:t>
+              <a:t>2/27/2020</a:t>
             </a:fld>
             <a:endParaRPr lang="en-US"/>
           </a:p>
@@ -6888,10 +6906,9 @@
           </a:lstStyle>
           <a:p>
             <a:r>
-              <a:rPr lang="en-US" smtClean="0"/>
+              <a:rPr lang="en-US"/>
               <a:t>Click to edit Master title style</a:t>
             </a:r>
-            <a:endParaRPr lang="en-US"/>
           </a:p>
         </p:txBody>
       </p:sp>
@@ -7018,7 +7035,7 @@
           <a:p>
             <a:pPr lvl="0"/>
             <a:r>
-              <a:rPr lang="en-US" smtClean="0"/>
+              <a:rPr lang="en-US"/>
               <a:t>Click to edit Master text styles</a:t>
             </a:r>
           </a:p>
@@ -7051,7 +7068,7 @@
               <a:pPr>
                 <a:defRPr/>
               </a:pPr>
-              <a:t>2/7/2017</a:t>
+              <a:t>2/27/2020</a:t>
             </a:fld>
             <a:endParaRPr lang="en-US"/>
           </a:p>
@@ -7160,10 +7177,9 @@
           <a:lstStyle/>
           <a:p>
             <a:r>
-              <a:rPr lang="en-US" smtClean="0"/>
+              <a:rPr lang="en-US"/>
               <a:t>Click to edit Master title style</a:t>
             </a:r>
-            <a:endParaRPr lang="en-US"/>
           </a:p>
         </p:txBody>
       </p:sp>
@@ -7184,38 +7200,37 @@
           <a:p>
             <a:pPr lvl="0"/>
             <a:r>
-              <a:rPr lang="en-US" smtClean="0"/>
+              <a:rPr lang="en-US"/>
               <a:t>Click to edit Master text styles</a:t>
             </a:r>
           </a:p>
           <a:p>
             <a:pPr lvl="1"/>
             <a:r>
-              <a:rPr lang="en-US" smtClean="0"/>
+              <a:rPr lang="en-US"/>
               <a:t>Second level</a:t>
             </a:r>
           </a:p>
           <a:p>
             <a:pPr lvl="2"/>
             <a:r>
-              <a:rPr lang="en-US" smtClean="0"/>
+              <a:rPr lang="en-US"/>
               <a:t>Third level</a:t>
             </a:r>
           </a:p>
           <a:p>
             <a:pPr lvl="3"/>
             <a:r>
-              <a:rPr lang="en-US" smtClean="0"/>
+              <a:rPr lang="en-US"/>
               <a:t>Fourth level</a:t>
             </a:r>
           </a:p>
           <a:p>
             <a:pPr lvl="4"/>
             <a:r>
-              <a:rPr lang="en-US" smtClean="0"/>
+              <a:rPr lang="en-US"/>
               <a:t>Fifth level</a:t>
             </a:r>
-            <a:endParaRPr lang="en-US"/>
           </a:p>
         </p:txBody>
       </p:sp>
@@ -7246,7 +7261,7 @@
               <a:pPr>
                 <a:defRPr/>
               </a:pPr>
-              <a:t>2/7/2017</a:t>
+              <a:t>2/27/2020</a:t>
             </a:fld>
             <a:endParaRPr lang="en-US"/>
           </a:p>
@@ -7360,10 +7375,9 @@
           <a:lstStyle/>
           <a:p>
             <a:r>
-              <a:rPr lang="en-US" smtClean="0"/>
+              <a:rPr lang="en-US"/>
               <a:t>Click to edit Master title style</a:t>
             </a:r>
-            <a:endParaRPr lang="en-US"/>
           </a:p>
         </p:txBody>
       </p:sp>
@@ -7389,38 +7403,37 @@
           <a:p>
             <a:pPr lvl="0"/>
             <a:r>
-              <a:rPr lang="en-US" smtClean="0"/>
+              <a:rPr lang="en-US"/>
               <a:t>Click to edit Master text styles</a:t>
             </a:r>
           </a:p>
           <a:p>
             <a:pPr lvl="1"/>
             <a:r>
-              <a:rPr lang="en-US" smtClean="0"/>
+              <a:rPr lang="en-US"/>
               <a:t>Second level</a:t>
             </a:r>
           </a:p>
           <a:p>
             <a:pPr lvl="2"/>
             <a:r>
-              <a:rPr lang="en-US" smtClean="0"/>
+              <a:rPr lang="en-US"/>
               <a:t>Third level</a:t>
             </a:r>
           </a:p>
           <a:p>
             <a:pPr lvl="3"/>
             <a:r>
-              <a:rPr lang="en-US" smtClean="0"/>
+              <a:rPr lang="en-US"/>
               <a:t>Fourth level</a:t>
             </a:r>
           </a:p>
           <a:p>
             <a:pPr lvl="4"/>
             <a:r>
-              <a:rPr lang="en-US" smtClean="0"/>
+              <a:rPr lang="en-US"/>
               <a:t>Fifth level</a:t>
             </a:r>
-            <a:endParaRPr lang="en-US"/>
           </a:p>
         </p:txBody>
       </p:sp>
@@ -7451,7 +7464,7 @@
               <a:pPr>
                 <a:defRPr/>
               </a:pPr>
-              <a:t>2/7/2017</a:t>
+              <a:t>2/27/2020</a:t>
             </a:fld>
             <a:endParaRPr lang="en-US"/>
           </a:p>
@@ -7565,10 +7578,9 @@
           <a:lstStyle/>
           <a:p>
             <a:r>
-              <a:rPr lang="en-US" smtClean="0"/>
+              <a:rPr lang="en-US"/>
               <a:t>Click to edit Master title style</a:t>
             </a:r>
-            <a:endParaRPr lang="en-US"/>
           </a:p>
         </p:txBody>
       </p:sp>
@@ -7684,10 +7696,9 @@
           </a:lstStyle>
           <a:p>
             <a:r>
-              <a:rPr lang="en-US" smtClean="0"/>
+              <a:rPr lang="en-US"/>
               <a:t>Click to edit Master subtitle style</a:t>
             </a:r>
-            <a:endParaRPr lang="en-US"/>
           </a:p>
         </p:txBody>
       </p:sp>
@@ -7718,7 +7729,7 @@
               <a:pPr>
                 <a:defRPr/>
               </a:pPr>
-              <a:t>2/7/2017</a:t>
+              <a:t>2/27/2020</a:t>
             </a:fld>
             <a:endParaRPr lang="en-US"/>
           </a:p>
@@ -7827,10 +7838,9 @@
           <a:lstStyle/>
           <a:p>
             <a:r>
-              <a:rPr lang="en-US" smtClean="0"/>
+              <a:rPr lang="en-US"/>
               <a:t>Click to edit Master title style</a:t>
             </a:r>
-            <a:endParaRPr lang="en-US"/>
           </a:p>
         </p:txBody>
       </p:sp>
@@ -7851,38 +7861,37 @@
           <a:p>
             <a:pPr lvl="0"/>
             <a:r>
-              <a:rPr lang="en-US" smtClean="0"/>
+              <a:rPr lang="en-US"/>
               <a:t>Click to edit Master text styles</a:t>
             </a:r>
           </a:p>
           <a:p>
             <a:pPr lvl="1"/>
             <a:r>
-              <a:rPr lang="en-US" smtClean="0"/>
+              <a:rPr lang="en-US"/>
               <a:t>Second level</a:t>
             </a:r>
           </a:p>
           <a:p>
             <a:pPr lvl="2"/>
             <a:r>
-              <a:rPr lang="en-US" smtClean="0"/>
+              <a:rPr lang="en-US"/>
               <a:t>Third level</a:t>
             </a:r>
           </a:p>
           <a:p>
             <a:pPr lvl="3"/>
             <a:r>
-              <a:rPr lang="en-US" smtClean="0"/>
+              <a:rPr lang="en-US"/>
               <a:t>Fourth level</a:t>
             </a:r>
           </a:p>
           <a:p>
             <a:pPr lvl="4"/>
             <a:r>
-              <a:rPr lang="en-US" smtClean="0"/>
+              <a:rPr lang="en-US"/>
               <a:t>Fifth level</a:t>
             </a:r>
-            <a:endParaRPr lang="en-US"/>
           </a:p>
         </p:txBody>
       </p:sp>
@@ -7913,7 +7922,7 @@
               <a:pPr>
                 <a:defRPr/>
               </a:pPr>
-              <a:t>2/7/2017</a:t>
+              <a:t>2/27/2020</a:t>
             </a:fld>
             <a:endParaRPr lang="en-US"/>
           </a:p>
@@ -8031,10 +8040,9 @@
           </a:lstStyle>
           <a:p>
             <a:r>
-              <a:rPr lang="en-US" smtClean="0"/>
+              <a:rPr lang="en-US"/>
               <a:t>Click to edit Master title style</a:t>
             </a:r>
-            <a:endParaRPr lang="en-US"/>
           </a:p>
         </p:txBody>
       </p:sp>
@@ -8151,7 +8159,7 @@
           <a:p>
             <a:pPr lvl="0"/>
             <a:r>
-              <a:rPr lang="en-US" smtClean="0"/>
+              <a:rPr lang="en-US"/>
               <a:t>Click to edit Master text styles</a:t>
             </a:r>
           </a:p>
@@ -8184,7 +8192,7 @@
               <a:pPr>
                 <a:defRPr/>
               </a:pPr>
-              <a:t>2/7/2017</a:t>
+              <a:t>2/27/2020</a:t>
             </a:fld>
             <a:endParaRPr lang="en-US"/>
           </a:p>
@@ -8293,10 +8301,9 @@
           <a:lstStyle/>
           <a:p>
             <a:r>
-              <a:rPr lang="en-US" smtClean="0"/>
+              <a:rPr lang="en-US"/>
               <a:t>Click to edit Master title style</a:t>
             </a:r>
-            <a:endParaRPr lang="en-US"/>
           </a:p>
         </p:txBody>
       </p:sp>
@@ -8350,38 +8357,37 @@
           <a:p>
             <a:pPr lvl="0"/>
             <a:r>
-              <a:rPr lang="en-US" smtClean="0"/>
+              <a:rPr lang="en-US"/>
               <a:t>Click to edit Master text styles</a:t>
             </a:r>
           </a:p>
           <a:p>
             <a:pPr lvl="1"/>
             <a:r>
-              <a:rPr lang="en-US" smtClean="0"/>
+              <a:rPr lang="en-US"/>
               <a:t>Second level</a:t>
             </a:r>
           </a:p>
           <a:p>
             <a:pPr lvl="2"/>
             <a:r>
-              <a:rPr lang="en-US" smtClean="0"/>
+              <a:rPr lang="en-US"/>
               <a:t>Third level</a:t>
             </a:r>
           </a:p>
           <a:p>
             <a:pPr lvl="3"/>
             <a:r>
-              <a:rPr lang="en-US" smtClean="0"/>
+              <a:rPr lang="en-US"/>
               <a:t>Fourth level</a:t>
             </a:r>
           </a:p>
           <a:p>
             <a:pPr lvl="4"/>
             <a:r>
-              <a:rPr lang="en-US" smtClean="0"/>
+              <a:rPr lang="en-US"/>
               <a:t>Fifth level</a:t>
             </a:r>
-            <a:endParaRPr lang="en-US"/>
           </a:p>
         </p:txBody>
       </p:sp>
@@ -8435,38 +8441,37 @@
           <a:p>
             <a:pPr lvl="0"/>
             <a:r>
-              <a:rPr lang="en-US" smtClean="0"/>
+              <a:rPr lang="en-US"/>
               <a:t>Click to edit Master text styles</a:t>
             </a:r>
           </a:p>
           <a:p>
             <a:pPr lvl="1"/>
             <a:r>
-              <a:rPr lang="en-US" smtClean="0"/>
+              <a:rPr lang="en-US"/>
               <a:t>Second level</a:t>
             </a:r>
           </a:p>
           <a:p>
             <a:pPr lvl="2"/>
             <a:r>
-              <a:rPr lang="en-US" smtClean="0"/>
+              <a:rPr lang="en-US"/>
               <a:t>Third level</a:t>
             </a:r>
           </a:p>
           <a:p>
             <a:pPr lvl="3"/>
             <a:r>
-              <a:rPr lang="en-US" smtClean="0"/>
+              <a:rPr lang="en-US"/>
               <a:t>Fourth level</a:t>
             </a:r>
           </a:p>
           <a:p>
             <a:pPr lvl="4"/>
             <a:r>
-              <a:rPr lang="en-US" smtClean="0"/>
+              <a:rPr lang="en-US"/>
               <a:t>Fifth level</a:t>
             </a:r>
-            <a:endParaRPr lang="en-US"/>
           </a:p>
         </p:txBody>
       </p:sp>
@@ -8497,7 +8502,7 @@
               <a:pPr>
                 <a:defRPr/>
               </a:pPr>
-              <a:t>2/7/2017</a:t>
+              <a:t>2/27/2020</a:t>
             </a:fld>
             <a:endParaRPr lang="en-US"/>
           </a:p>
@@ -8610,10 +8615,9 @@
           </a:lstStyle>
           <a:p>
             <a:r>
-              <a:rPr lang="en-US" smtClean="0"/>
+              <a:rPr lang="en-US"/>
               <a:t>Click to edit Master title style</a:t>
             </a:r>
-            <a:endParaRPr lang="en-US"/>
           </a:p>
         </p:txBody>
       </p:sp>
@@ -8676,7 +8680,7 @@
           <a:p>
             <a:pPr lvl="0"/>
             <a:r>
-              <a:rPr lang="en-US" smtClean="0"/>
+              <a:rPr lang="en-US"/>
               <a:t>Click to edit Master text styles</a:t>
             </a:r>
           </a:p>
@@ -8732,38 +8736,37 @@
           <a:p>
             <a:pPr lvl="0"/>
             <a:r>
-              <a:rPr lang="en-US" smtClean="0"/>
+              <a:rPr lang="en-US"/>
               <a:t>Click to edit Master text styles</a:t>
             </a:r>
           </a:p>
           <a:p>
             <a:pPr lvl="1"/>
             <a:r>
-              <a:rPr lang="en-US" smtClean="0"/>
+              <a:rPr lang="en-US"/>
               <a:t>Second level</a:t>
             </a:r>
           </a:p>
           <a:p>
             <a:pPr lvl="2"/>
             <a:r>
-              <a:rPr lang="en-US" smtClean="0"/>
+              <a:rPr lang="en-US"/>
               <a:t>Third level</a:t>
             </a:r>
           </a:p>
           <a:p>
             <a:pPr lvl="3"/>
             <a:r>
-              <a:rPr lang="en-US" smtClean="0"/>
+              <a:rPr lang="en-US"/>
               <a:t>Fourth level</a:t>
             </a:r>
           </a:p>
           <a:p>
             <a:pPr lvl="4"/>
             <a:r>
-              <a:rPr lang="en-US" smtClean="0"/>
+              <a:rPr lang="en-US"/>
               <a:t>Fifth level</a:t>
             </a:r>
-            <a:endParaRPr lang="en-US"/>
           </a:p>
         </p:txBody>
       </p:sp>
@@ -8826,7 +8829,7 @@
           <a:p>
             <a:pPr lvl="0"/>
             <a:r>
-              <a:rPr lang="en-US" smtClean="0"/>
+              <a:rPr lang="en-US"/>
               <a:t>Click to edit Master text styles</a:t>
             </a:r>
           </a:p>
@@ -8882,38 +8885,37 @@
           <a:p>
             <a:pPr lvl="0"/>
             <a:r>
-              <a:rPr lang="en-US" smtClean="0"/>
+              <a:rPr lang="en-US"/>
               <a:t>Click to edit Master text styles</a:t>
             </a:r>
           </a:p>
           <a:p>
             <a:pPr lvl="1"/>
             <a:r>
-              <a:rPr lang="en-US" smtClean="0"/>
+              <a:rPr lang="en-US"/>
               <a:t>Second level</a:t>
             </a:r>
           </a:p>
           <a:p>
             <a:pPr lvl="2"/>
             <a:r>
-              <a:rPr lang="en-US" smtClean="0"/>
+              <a:rPr lang="en-US"/>
               <a:t>Third level</a:t>
             </a:r>
           </a:p>
           <a:p>
             <a:pPr lvl="3"/>
             <a:r>
-              <a:rPr lang="en-US" smtClean="0"/>
+              <a:rPr lang="en-US"/>
               <a:t>Fourth level</a:t>
             </a:r>
           </a:p>
           <a:p>
             <a:pPr lvl="4"/>
             <a:r>
-              <a:rPr lang="en-US" smtClean="0"/>
+              <a:rPr lang="en-US"/>
               <a:t>Fifth level</a:t>
             </a:r>
-            <a:endParaRPr lang="en-US"/>
           </a:p>
         </p:txBody>
       </p:sp>
@@ -8944,7 +8946,7 @@
               <a:pPr>
                 <a:defRPr/>
               </a:pPr>
-              <a:t>2/7/2017</a:t>
+              <a:t>2/27/2020</a:t>
             </a:fld>
             <a:endParaRPr lang="en-US"/>
           </a:p>
@@ -9053,10 +9055,9 @@
           <a:lstStyle/>
           <a:p>
             <a:r>
-              <a:rPr lang="en-US" smtClean="0"/>
+              <a:rPr lang="en-US"/>
               <a:t>Click to edit Master title style</a:t>
             </a:r>
-            <a:endParaRPr lang="en-US"/>
           </a:p>
         </p:txBody>
       </p:sp>
@@ -9087,7 +9088,7 @@
               <a:pPr>
                 <a:defRPr/>
               </a:pPr>
-              <a:t>2/7/2017</a:t>
+              <a:t>2/27/2020</a:t>
             </a:fld>
             <a:endParaRPr lang="en-US"/>
           </a:p>
@@ -9196,10 +9197,9 @@
           <a:lstStyle/>
           <a:p>
             <a:r>
-              <a:rPr lang="en-US" smtClean="0"/>
+              <a:rPr lang="en-US"/>
               <a:t>Click to edit Master title style</a:t>
             </a:r>
-            <a:endParaRPr lang="en-US"/>
           </a:p>
         </p:txBody>
       </p:sp>
@@ -9253,38 +9253,37 @@
           <a:p>
             <a:pPr lvl="0"/>
             <a:r>
-              <a:rPr lang="en-US" smtClean="0"/>
+              <a:rPr lang="en-US"/>
               <a:t>Click to edit Master text styles</a:t>
             </a:r>
           </a:p>
           <a:p>
             <a:pPr lvl="1"/>
             <a:r>
-              <a:rPr lang="en-US" smtClean="0"/>
+              <a:rPr lang="en-US"/>
               <a:t>Second level</a:t>
             </a:r>
           </a:p>
           <a:p>
             <a:pPr lvl="2"/>
             <a:r>
-              <a:rPr lang="en-US" smtClean="0"/>
+              <a:rPr lang="en-US"/>
               <a:t>Third level</a:t>
             </a:r>
           </a:p>
           <a:p>
             <a:pPr lvl="3"/>
             <a:r>
-              <a:rPr lang="en-US" smtClean="0"/>
+              <a:rPr lang="en-US"/>
               <a:t>Fourth level</a:t>
             </a:r>
           </a:p>
           <a:p>
             <a:pPr lvl="4"/>
             <a:r>
-              <a:rPr lang="en-US" smtClean="0"/>
+              <a:rPr lang="en-US"/>
               <a:t>Fifth level</a:t>
             </a:r>
-            <a:endParaRPr lang="en-US"/>
           </a:p>
         </p:txBody>
       </p:sp>
@@ -9338,38 +9337,37 @@
           <a:p>
             <a:pPr lvl="0"/>
             <a:r>
-              <a:rPr lang="en-US" smtClean="0"/>
+              <a:rPr lang="en-US"/>
               <a:t>Click to edit Master text styles</a:t>
             </a:r>
           </a:p>
           <a:p>
             <a:pPr lvl="1"/>
             <a:r>
-              <a:rPr lang="en-US" smtClean="0"/>
+              <a:rPr lang="en-US"/>
               <a:t>Second level</a:t>
             </a:r>
           </a:p>
           <a:p>
             <a:pPr lvl="2"/>
             <a:r>
-              <a:rPr lang="en-US" smtClean="0"/>
+              <a:rPr lang="en-US"/>
               <a:t>Third level</a:t>
             </a:r>
           </a:p>
           <a:p>
             <a:pPr lvl="3"/>
             <a:r>
-              <a:rPr lang="en-US" smtClean="0"/>
+              <a:rPr lang="en-US"/>
               <a:t>Fourth level</a:t>
             </a:r>
           </a:p>
           <a:p>
             <a:pPr lvl="4"/>
             <a:r>
-              <a:rPr lang="en-US" smtClean="0"/>
+              <a:rPr lang="en-US"/>
               <a:t>Fifth level</a:t>
             </a:r>
-            <a:endParaRPr lang="en-US"/>
           </a:p>
         </p:txBody>
       </p:sp>
@@ -9400,7 +9398,7 @@
               <a:pPr>
                 <a:defRPr/>
               </a:pPr>
-              <a:t>2/7/2017</a:t>
+              <a:t>2/27/2020</a:t>
             </a:fld>
             <a:endParaRPr lang="en-US"/>
           </a:p>
@@ -9473,13 +9471,6 @@
   <p:clrMapOvr>
     <a:masterClrMapping/>
   </p:clrMapOvr>
-  <p:timing>
-    <p:tnLst>
-      <p:par>
-        <p:cTn id="1" dur="indefinite" restart="never" nodeType="tmRoot"/>
-      </p:par>
-    </p:tnLst>
-  </p:timing>
 </p:sldLayout>
 </file>
 
@@ -9527,7 +9518,7 @@
               <a:pPr>
                 <a:defRPr/>
               </a:pPr>
-              <a:t>2/7/2017</a:t>
+              <a:t>2/27/2020</a:t>
             </a:fld>
             <a:endParaRPr lang="en-US"/>
           </a:p>
@@ -9645,10 +9636,9 @@
           </a:lstStyle>
           <a:p>
             <a:r>
-              <a:rPr lang="en-US" smtClean="0"/>
+              <a:rPr lang="en-US"/>
               <a:t>Click to edit Master title style</a:t>
             </a:r>
-            <a:endParaRPr lang="en-US"/>
           </a:p>
         </p:txBody>
       </p:sp>
@@ -9702,38 +9692,37 @@
           <a:p>
             <a:pPr lvl="0"/>
             <a:r>
-              <a:rPr lang="en-US" smtClean="0"/>
+              <a:rPr lang="en-US"/>
               <a:t>Click to edit Master text styles</a:t>
             </a:r>
           </a:p>
           <a:p>
             <a:pPr lvl="1"/>
             <a:r>
-              <a:rPr lang="en-US" smtClean="0"/>
+              <a:rPr lang="en-US"/>
               <a:t>Second level</a:t>
             </a:r>
           </a:p>
           <a:p>
             <a:pPr lvl="2"/>
             <a:r>
-              <a:rPr lang="en-US" smtClean="0"/>
+              <a:rPr lang="en-US"/>
               <a:t>Third level</a:t>
             </a:r>
           </a:p>
           <a:p>
             <a:pPr lvl="3"/>
             <a:r>
-              <a:rPr lang="en-US" smtClean="0"/>
+              <a:rPr lang="en-US"/>
               <a:t>Fourth level</a:t>
             </a:r>
           </a:p>
           <a:p>
             <a:pPr lvl="4"/>
             <a:r>
-              <a:rPr lang="en-US" smtClean="0"/>
+              <a:rPr lang="en-US"/>
               <a:t>Fifth level</a:t>
             </a:r>
-            <a:endParaRPr lang="en-US"/>
           </a:p>
         </p:txBody>
       </p:sp>
@@ -9796,7 +9785,7 @@
           <a:p>
             <a:pPr lvl="0"/>
             <a:r>
-              <a:rPr lang="en-US" smtClean="0"/>
+              <a:rPr lang="en-US"/>
               <a:t>Click to edit Master text styles</a:t>
             </a:r>
           </a:p>
@@ -9829,7 +9818,7 @@
               <a:pPr>
                 <a:defRPr/>
               </a:pPr>
-              <a:t>2/7/2017</a:t>
+              <a:t>2/27/2020</a:t>
             </a:fld>
             <a:endParaRPr lang="en-US"/>
           </a:p>
@@ -9947,10 +9936,9 @@
           </a:lstStyle>
           <a:p>
             <a:r>
-              <a:rPr lang="en-US" smtClean="0"/>
+              <a:rPr lang="en-US"/>
               <a:t>Click to edit Master title style</a:t>
             </a:r>
-            <a:endParaRPr lang="en-US"/>
           </a:p>
         </p:txBody>
       </p:sp>
@@ -10077,7 +10065,7 @@
           <a:p>
             <a:pPr lvl="0"/>
             <a:r>
-              <a:rPr lang="en-US" smtClean="0"/>
+              <a:rPr lang="en-US"/>
               <a:t>Click to edit Master text styles</a:t>
             </a:r>
           </a:p>
@@ -10110,7 +10098,7 @@
               <a:pPr>
                 <a:defRPr/>
               </a:pPr>
-              <a:t>2/7/2017</a:t>
+              <a:t>2/27/2020</a:t>
             </a:fld>
             <a:endParaRPr lang="en-US"/>
           </a:p>
@@ -10219,10 +10207,9 @@
           <a:lstStyle/>
           <a:p>
             <a:r>
-              <a:rPr lang="en-US" smtClean="0"/>
+              <a:rPr lang="en-US"/>
               <a:t>Click to edit Master title style</a:t>
             </a:r>
-            <a:endParaRPr lang="en-US"/>
           </a:p>
         </p:txBody>
       </p:sp>
@@ -10243,38 +10230,37 @@
           <a:p>
             <a:pPr lvl="0"/>
             <a:r>
-              <a:rPr lang="en-US" smtClean="0"/>
+              <a:rPr lang="en-US"/>
               <a:t>Click to edit Master text styles</a:t>
             </a:r>
           </a:p>
           <a:p>
             <a:pPr lvl="1"/>
             <a:r>
-              <a:rPr lang="en-US" smtClean="0"/>
+              <a:rPr lang="en-US"/>
               <a:t>Second level</a:t>
             </a:r>
           </a:p>
           <a:p>
             <a:pPr lvl="2"/>
             <a:r>
-              <a:rPr lang="en-US" smtClean="0"/>
+              <a:rPr lang="en-US"/>
               <a:t>Third level</a:t>
             </a:r>
           </a:p>
           <a:p>
             <a:pPr lvl="3"/>
             <a:r>
-              <a:rPr lang="en-US" smtClean="0"/>
+              <a:rPr lang="en-US"/>
               <a:t>Fourth level</a:t>
             </a:r>
           </a:p>
           <a:p>
             <a:pPr lvl="4"/>
             <a:r>
-              <a:rPr lang="en-US" smtClean="0"/>
+              <a:rPr lang="en-US"/>
               <a:t>Fifth level</a:t>
             </a:r>
-            <a:endParaRPr lang="en-US"/>
           </a:p>
         </p:txBody>
       </p:sp>
@@ -10305,7 +10291,7 @@
               <a:pPr>
                 <a:defRPr/>
               </a:pPr>
-              <a:t>2/7/2017</a:t>
+              <a:t>2/27/2020</a:t>
             </a:fld>
             <a:endParaRPr lang="en-US"/>
           </a:p>
@@ -10419,10 +10405,9 @@
           <a:lstStyle/>
           <a:p>
             <a:r>
-              <a:rPr lang="en-US" smtClean="0"/>
+              <a:rPr lang="en-US"/>
               <a:t>Click to edit Master title style</a:t>
             </a:r>
-            <a:endParaRPr lang="en-US"/>
           </a:p>
         </p:txBody>
       </p:sp>
@@ -10448,38 +10433,37 @@
           <a:p>
             <a:pPr lvl="0"/>
             <a:r>
-              <a:rPr lang="en-US" smtClean="0"/>
+              <a:rPr lang="en-US"/>
               <a:t>Click to edit Master text styles</a:t>
             </a:r>
           </a:p>
           <a:p>
             <a:pPr lvl="1"/>
             <a:r>
-              <a:rPr lang="en-US" smtClean="0"/>
+              <a:rPr lang="en-US"/>
               <a:t>Second level</a:t>
             </a:r>
           </a:p>
           <a:p>
             <a:pPr lvl="2"/>
             <a:r>
-              <a:rPr lang="en-US" smtClean="0"/>
+              <a:rPr lang="en-US"/>
               <a:t>Third level</a:t>
             </a:r>
           </a:p>
           <a:p>
             <a:pPr lvl="3"/>
             <a:r>
-              <a:rPr lang="en-US" smtClean="0"/>
+              <a:rPr lang="en-US"/>
               <a:t>Fourth level</a:t>
             </a:r>
           </a:p>
           <a:p>
             <a:pPr lvl="4"/>
             <a:r>
-              <a:rPr lang="en-US" smtClean="0"/>
+              <a:rPr lang="en-US"/>
               <a:t>Fifth level</a:t>
             </a:r>
-            <a:endParaRPr lang="en-US"/>
           </a:p>
         </p:txBody>
       </p:sp>
@@ -10510,7 +10494,7 @@
               <a:pPr>
                 <a:defRPr/>
               </a:pPr>
-              <a:t>2/7/2017</a:t>
+              <a:t>2/27/2020</a:t>
             </a:fld>
             <a:endParaRPr lang="en-US"/>
           </a:p>
@@ -10623,10 +10607,9 @@
           </a:lstStyle>
           <a:p>
             <a:r>
-              <a:rPr lang="en-US" smtClean="0"/>
+              <a:rPr lang="en-US"/>
               <a:t>Click to edit Master title style</a:t>
             </a:r>
-            <a:endParaRPr lang="en-US"/>
           </a:p>
         </p:txBody>
       </p:sp>
@@ -10689,7 +10672,7 @@
           <a:p>
             <a:pPr lvl="0"/>
             <a:r>
-              <a:rPr lang="en-US" smtClean="0"/>
+              <a:rPr lang="en-US"/>
               <a:t>Click to edit Master text styles</a:t>
             </a:r>
           </a:p>
@@ -10745,38 +10728,37 @@
           <a:p>
             <a:pPr lvl="0"/>
             <a:r>
-              <a:rPr lang="en-US" smtClean="0"/>
+              <a:rPr lang="en-US"/>
               <a:t>Click to edit Master text styles</a:t>
             </a:r>
           </a:p>
           <a:p>
             <a:pPr lvl="1"/>
             <a:r>
-              <a:rPr lang="en-US" smtClean="0"/>
+              <a:rPr lang="en-US"/>
               <a:t>Second level</a:t>
             </a:r>
           </a:p>
           <a:p>
             <a:pPr lvl="2"/>
             <a:r>
-              <a:rPr lang="en-US" smtClean="0"/>
+              <a:rPr lang="en-US"/>
               <a:t>Third level</a:t>
             </a:r>
           </a:p>
           <a:p>
             <a:pPr lvl="3"/>
             <a:r>
-              <a:rPr lang="en-US" smtClean="0"/>
+              <a:rPr lang="en-US"/>
               <a:t>Fourth level</a:t>
             </a:r>
           </a:p>
           <a:p>
             <a:pPr lvl="4"/>
             <a:r>
-              <a:rPr lang="en-US" smtClean="0"/>
+              <a:rPr lang="en-US"/>
               <a:t>Fifth level</a:t>
             </a:r>
-            <a:endParaRPr lang="en-US"/>
           </a:p>
         </p:txBody>
       </p:sp>
@@ -10839,7 +10821,7 @@
           <a:p>
             <a:pPr lvl="0"/>
             <a:r>
-              <a:rPr lang="en-US" smtClean="0"/>
+              <a:rPr lang="en-US"/>
               <a:t>Click to edit Master text styles</a:t>
             </a:r>
           </a:p>
@@ -10895,38 +10877,37 @@
           <a:p>
             <a:pPr lvl="0"/>
             <a:r>
-              <a:rPr lang="en-US" smtClean="0"/>
+              <a:rPr lang="en-US"/>
               <a:t>Click to edit Master text styles</a:t>
             </a:r>
           </a:p>
           <a:p>
             <a:pPr lvl="1"/>
             <a:r>
-              <a:rPr lang="en-US" smtClean="0"/>
+              <a:rPr lang="en-US"/>
               <a:t>Second level</a:t>
             </a:r>
           </a:p>
           <a:p>
             <a:pPr lvl="2"/>
             <a:r>
-              <a:rPr lang="en-US" smtClean="0"/>
+              <a:rPr lang="en-US"/>
               <a:t>Third level</a:t>
             </a:r>
           </a:p>
           <a:p>
             <a:pPr lvl="3"/>
             <a:r>
-              <a:rPr lang="en-US" smtClean="0"/>
+              <a:rPr lang="en-US"/>
               <a:t>Fourth level</a:t>
             </a:r>
           </a:p>
           <a:p>
             <a:pPr lvl="4"/>
             <a:r>
-              <a:rPr lang="en-US" smtClean="0"/>
+              <a:rPr lang="en-US"/>
               <a:t>Fifth level</a:t>
             </a:r>
-            <a:endParaRPr lang="en-US"/>
           </a:p>
         </p:txBody>
       </p:sp>
@@ -10957,7 +10938,7 @@
               <a:pPr>
                 <a:defRPr/>
               </a:pPr>
-              <a:t>2/7/2017</a:t>
+              <a:t>2/27/2020</a:t>
             </a:fld>
             <a:endParaRPr lang="en-US"/>
           </a:p>
@@ -11030,13 +11011,6 @@
   <p:clrMapOvr>
     <a:masterClrMapping/>
   </p:clrMapOvr>
-  <p:timing>
-    <p:tnLst>
-      <p:par>
-        <p:cTn id="1" dur="indefinite" restart="never" nodeType="tmRoot"/>
-      </p:par>
-    </p:tnLst>
-  </p:timing>
 </p:sldLayout>
 </file>
 
@@ -11073,10 +11047,9 @@
           <a:lstStyle/>
           <a:p>
             <a:r>
-              <a:rPr lang="en-US" smtClean="0"/>
+              <a:rPr lang="en-US"/>
               <a:t>Click to edit Master title style</a:t>
             </a:r>
-            <a:endParaRPr lang="en-US"/>
           </a:p>
         </p:txBody>
       </p:sp>
@@ -11107,7 +11080,7 @@
               <a:pPr>
                 <a:defRPr/>
               </a:pPr>
-              <a:t>2/7/2017</a:t>
+              <a:t>2/27/2020</a:t>
             </a:fld>
             <a:endParaRPr lang="en-US"/>
           </a:p>
@@ -11180,13 +11153,6 @@
   <p:clrMapOvr>
     <a:masterClrMapping/>
   </p:clrMapOvr>
-  <p:timing>
-    <p:tnLst>
-      <p:par>
-        <p:cTn id="1" dur="indefinite" restart="never" nodeType="tmRoot"/>
-      </p:par>
-    </p:tnLst>
-  </p:timing>
 </p:sldLayout>
 </file>
 
@@ -11234,7 +11200,7 @@
               <a:pPr>
                 <a:defRPr/>
               </a:pPr>
-              <a:t>2/7/2017</a:t>
+              <a:t>2/27/2020</a:t>
             </a:fld>
             <a:endParaRPr lang="en-US"/>
           </a:p>
@@ -11307,13 +11273,6 @@
   <p:clrMapOvr>
     <a:masterClrMapping/>
   </p:clrMapOvr>
-  <p:timing>
-    <p:tnLst>
-      <p:par>
-        <p:cTn id="1" dur="indefinite" restart="never" nodeType="tmRoot"/>
-      </p:par>
-    </p:tnLst>
-  </p:timing>
 </p:sldLayout>
 </file>
 
@@ -11359,10 +11318,9 @@
           </a:lstStyle>
           <a:p>
             <a:r>
-              <a:rPr lang="en-US" smtClean="0"/>
+              <a:rPr lang="en-US"/>
               <a:t>Click to edit Master title style</a:t>
             </a:r>
-            <a:endParaRPr lang="en-US"/>
           </a:p>
         </p:txBody>
       </p:sp>
@@ -11416,38 +11374,37 @@
           <a:p>
             <a:pPr lvl="0"/>
             <a:r>
-              <a:rPr lang="en-US" smtClean="0"/>
+              <a:rPr lang="en-US"/>
               <a:t>Click to edit Master text styles</a:t>
             </a:r>
           </a:p>
           <a:p>
             <a:pPr lvl="1"/>
             <a:r>
-              <a:rPr lang="en-US" smtClean="0"/>
+              <a:rPr lang="en-US"/>
               <a:t>Second level</a:t>
             </a:r>
           </a:p>
           <a:p>
             <a:pPr lvl="2"/>
             <a:r>
-              <a:rPr lang="en-US" smtClean="0"/>
+              <a:rPr lang="en-US"/>
               <a:t>Third level</a:t>
             </a:r>
           </a:p>
           <a:p>
             <a:pPr lvl="3"/>
             <a:r>
-              <a:rPr lang="en-US" smtClean="0"/>
+              <a:rPr lang="en-US"/>
               <a:t>Fourth level</a:t>
             </a:r>
           </a:p>
           <a:p>
             <a:pPr lvl="4"/>
             <a:r>
-              <a:rPr lang="en-US" smtClean="0"/>
+              <a:rPr lang="en-US"/>
               <a:t>Fifth level</a:t>
             </a:r>
-            <a:endParaRPr lang="en-US"/>
           </a:p>
         </p:txBody>
       </p:sp>
@@ -11510,7 +11467,7 @@
           <a:p>
             <a:pPr lvl="0"/>
             <a:r>
-              <a:rPr lang="en-US" smtClean="0"/>
+              <a:rPr lang="en-US"/>
               <a:t>Click to edit Master text styles</a:t>
             </a:r>
           </a:p>
@@ -11543,7 +11500,7 @@
               <a:pPr>
                 <a:defRPr/>
               </a:pPr>
-              <a:t>2/7/2017</a:t>
+              <a:t>2/27/2020</a:t>
             </a:fld>
             <a:endParaRPr lang="en-US"/>
           </a:p>
@@ -11616,13 +11573,6 @@
   <p:clrMapOvr>
     <a:masterClrMapping/>
   </p:clrMapOvr>
-  <p:timing>
-    <p:tnLst>
-      <p:par>
-        <p:cTn id="1" dur="indefinite" restart="never" nodeType="tmRoot"/>
-      </p:par>
-    </p:tnLst>
-  </p:timing>
 </p:sldLayout>
 </file>
 
@@ -11668,10 +11618,9 @@
           </a:lstStyle>
           <a:p>
             <a:r>
-              <a:rPr lang="en-US" smtClean="0"/>
+              <a:rPr lang="en-US"/>
               <a:t>Click to edit Master title style</a:t>
             </a:r>
-            <a:endParaRPr lang="en-US"/>
           </a:p>
         </p:txBody>
       </p:sp>
@@ -11798,7 +11747,7 @@
           <a:p>
             <a:pPr lvl="0"/>
             <a:r>
-              <a:rPr lang="en-US" smtClean="0"/>
+              <a:rPr lang="en-US"/>
               <a:t>Click to edit Master text styles</a:t>
             </a:r>
           </a:p>
@@ -11831,7 +11780,7 @@
               <a:pPr>
                 <a:defRPr/>
               </a:pPr>
-              <a:t>2/7/2017</a:t>
+              <a:t>2/27/2020</a:t>
             </a:fld>
             <a:endParaRPr lang="en-US"/>
           </a:p>
@@ -11904,13 +11853,6 @@
   <p:clrMapOvr>
     <a:masterClrMapping/>
   </p:clrMapOvr>
-  <p:timing>
-    <p:tnLst>
-      <p:par>
-        <p:cTn id="1" dur="indefinite" restart="never" nodeType="tmRoot"/>
-      </p:par>
-    </p:tnLst>
-  </p:timing>
 </p:sldLayout>
 </file>
 
@@ -12014,7 +11956,7 @@
           <a:p>
             <a:pPr lvl="0"/>
             <a:r>
-              <a:rPr lang="en-US" smtClean="0"/>
+              <a:rPr lang="en-US"/>
               <a:t>Click to edit Master title style</a:t>
             </a:r>
           </a:p>
@@ -12056,35 +11998,35 @@
           <a:p>
             <a:pPr lvl="0"/>
             <a:r>
-              <a:rPr lang="en-US" smtClean="0"/>
+              <a:rPr lang="en-US"/>
               <a:t>Click to edit Master text styles</a:t>
             </a:r>
           </a:p>
           <a:p>
             <a:pPr lvl="1"/>
             <a:r>
-              <a:rPr lang="en-US" smtClean="0"/>
+              <a:rPr lang="en-US"/>
               <a:t>Second level</a:t>
             </a:r>
           </a:p>
           <a:p>
             <a:pPr lvl="2"/>
             <a:r>
-              <a:rPr lang="en-US" smtClean="0"/>
+              <a:rPr lang="en-US"/>
               <a:t>Third level</a:t>
             </a:r>
           </a:p>
           <a:p>
             <a:pPr lvl="3"/>
             <a:r>
-              <a:rPr lang="en-US" smtClean="0"/>
+              <a:rPr lang="en-US"/>
               <a:t>Fourth level</a:t>
             </a:r>
           </a:p>
           <a:p>
             <a:pPr lvl="4"/>
             <a:r>
-              <a:rPr lang="en-US" smtClean="0"/>
+              <a:rPr lang="en-US"/>
               <a:t>Fifth level</a:t>
             </a:r>
           </a:p>
@@ -12134,7 +12076,7 @@
               <a:pPr>
                 <a:defRPr/>
               </a:pPr>
-              <a:t>2/7/2017</a:t>
+              <a:t>2/27/2020</a:t>
             </a:fld>
             <a:endParaRPr lang="en-US"/>
           </a:p>
@@ -12261,13 +12203,6 @@
     <p:sldLayoutId id="2147483738" r:id="rId10"/>
     <p:sldLayoutId id="2147483739" r:id="rId11"/>
   </p:sldLayoutIdLst>
-  <p:timing>
-    <p:tnLst>
-      <p:par>
-        <p:cTn id="1" dur="indefinite" restart="never" nodeType="tmRoot"/>
-      </p:par>
-    </p:tnLst>
-  </p:timing>
   <p:hf hdr="0" dt="0"/>
   <p:txStyles>
     <p:titleStyle>
@@ -12709,7 +12644,7 @@
           <a:p>
             <a:pPr lvl="0"/>
             <a:r>
-              <a:rPr lang="en-US" smtClean="0"/>
+              <a:rPr lang="en-US"/>
               <a:t>Click to edit Master title style</a:t>
             </a:r>
           </a:p>
@@ -12751,35 +12686,35 @@
           <a:p>
             <a:pPr lvl="0"/>
             <a:r>
-              <a:rPr lang="en-US" smtClean="0"/>
+              <a:rPr lang="en-US"/>
               <a:t>Click to edit Master text styles</a:t>
             </a:r>
           </a:p>
           <a:p>
             <a:pPr lvl="1"/>
             <a:r>
-              <a:rPr lang="en-US" smtClean="0"/>
+              <a:rPr lang="en-US"/>
               <a:t>Second level</a:t>
             </a:r>
           </a:p>
           <a:p>
             <a:pPr lvl="2"/>
             <a:r>
-              <a:rPr lang="en-US" smtClean="0"/>
+              <a:rPr lang="en-US"/>
               <a:t>Third level</a:t>
             </a:r>
           </a:p>
           <a:p>
             <a:pPr lvl="3"/>
             <a:r>
-              <a:rPr lang="en-US" smtClean="0"/>
+              <a:rPr lang="en-US"/>
               <a:t>Fourth level</a:t>
             </a:r>
           </a:p>
           <a:p>
             <a:pPr lvl="4"/>
             <a:r>
-              <a:rPr lang="en-US" smtClean="0"/>
+              <a:rPr lang="en-US"/>
               <a:t>Fifth level</a:t>
             </a:r>
           </a:p>
@@ -12829,7 +12764,7 @@
               <a:pPr>
                 <a:defRPr/>
               </a:pPr>
-              <a:t>2/7/2017</a:t>
+              <a:t>2/27/2020</a:t>
             </a:fld>
             <a:endParaRPr lang="en-US"/>
           </a:p>
@@ -13393,7 +13328,7 @@
           <a:p>
             <a:pPr lvl="0"/>
             <a:r>
-              <a:rPr lang="en-US" smtClean="0"/>
+              <a:rPr lang="en-US"/>
               <a:t>Click to edit Master title style</a:t>
             </a:r>
           </a:p>
@@ -13435,35 +13370,35 @@
           <a:p>
             <a:pPr lvl="0"/>
             <a:r>
-              <a:rPr lang="en-US" smtClean="0"/>
+              <a:rPr lang="en-US"/>
               <a:t>Click to edit Master text styles</a:t>
             </a:r>
           </a:p>
           <a:p>
             <a:pPr lvl="1"/>
             <a:r>
-              <a:rPr lang="en-US" smtClean="0"/>
+              <a:rPr lang="en-US"/>
               <a:t>Second level</a:t>
             </a:r>
           </a:p>
           <a:p>
             <a:pPr lvl="2"/>
             <a:r>
-              <a:rPr lang="en-US" smtClean="0"/>
+              <a:rPr lang="en-US"/>
               <a:t>Third level</a:t>
             </a:r>
           </a:p>
           <a:p>
             <a:pPr lvl="3"/>
             <a:r>
-              <a:rPr lang="en-US" smtClean="0"/>
+              <a:rPr lang="en-US"/>
               <a:t>Fourth level</a:t>
             </a:r>
           </a:p>
           <a:p>
             <a:pPr lvl="4"/>
             <a:r>
-              <a:rPr lang="en-US" smtClean="0"/>
+              <a:rPr lang="en-US"/>
               <a:t>Fifth level</a:t>
             </a:r>
           </a:p>
@@ -13513,7 +13448,7 @@
               <a:pPr>
                 <a:defRPr/>
               </a:pPr>
-              <a:t>2/7/2017</a:t>
+              <a:t>2/27/2020</a:t>
             </a:fld>
             <a:endParaRPr lang="en-US"/>
           </a:p>
@@ -13636,13 +13571,6 @@
     <p:sldLayoutId id="2147483708" r:id="rId10"/>
     <p:sldLayoutId id="2147483707" r:id="rId11"/>
   </p:sldLayoutIdLst>
-  <p:timing>
-    <p:tnLst>
-      <p:par>
-        <p:cTn id="1" dur="indefinite" restart="never" nodeType="tmRoot"/>
-      </p:par>
-    </p:tnLst>
-  </p:timing>
   <p:hf hdr="0" dt="0"/>
   <p:txStyles>
     <p:titleStyle>
@@ -14084,7 +14012,7 @@
           <a:p>
             <a:pPr lvl="0"/>
             <a:r>
-              <a:rPr lang="en-US" smtClean="0"/>
+              <a:rPr lang="en-US"/>
               <a:t>Click to edit Master title style</a:t>
             </a:r>
           </a:p>
@@ -14126,35 +14054,35 @@
           <a:p>
             <a:pPr lvl="0"/>
             <a:r>
-              <a:rPr lang="en-US" smtClean="0"/>
+              <a:rPr lang="en-US"/>
               <a:t>Click to edit Master text styles</a:t>
             </a:r>
           </a:p>
           <a:p>
             <a:pPr lvl="1"/>
             <a:r>
-              <a:rPr lang="en-US" smtClean="0"/>
+              <a:rPr lang="en-US"/>
               <a:t>Second level</a:t>
             </a:r>
           </a:p>
           <a:p>
             <a:pPr lvl="2"/>
             <a:r>
-              <a:rPr lang="en-US" smtClean="0"/>
+              <a:rPr lang="en-US"/>
               <a:t>Third level</a:t>
             </a:r>
           </a:p>
           <a:p>
             <a:pPr lvl="3"/>
             <a:r>
-              <a:rPr lang="en-US" smtClean="0"/>
+              <a:rPr lang="en-US"/>
               <a:t>Fourth level</a:t>
             </a:r>
           </a:p>
           <a:p>
             <a:pPr lvl="4"/>
             <a:r>
-              <a:rPr lang="en-US" smtClean="0"/>
+              <a:rPr lang="en-US"/>
               <a:t>Fifth level</a:t>
             </a:r>
           </a:p>
@@ -14204,7 +14132,7 @@
               <a:pPr>
                 <a:defRPr/>
               </a:pPr>
-              <a:t>2/7/2017</a:t>
+              <a:t>2/27/2020</a:t>
             </a:fld>
             <a:endParaRPr lang="en-US"/>
           </a:p>
@@ -14327,13 +14255,6 @@
     <p:sldLayoutId id="2147483719" r:id="rId10"/>
     <p:sldLayoutId id="2147483718" r:id="rId11"/>
   </p:sldLayoutIdLst>
-  <p:timing>
-    <p:tnLst>
-      <p:par>
-        <p:cTn id="1" dur="indefinite" restart="never" nodeType="tmRoot"/>
-      </p:par>
-    </p:tnLst>
-  </p:timing>
   <p:hf hdr="0" dt="0"/>
   <p:txStyles>
     <p:titleStyle>
@@ -14757,7 +14678,7 @@
           <a:lstStyle/>
           <a:p>
             <a:r>
-              <a:rPr lang="en-US" smtClean="0"/>
+              <a:rPr lang="en-US"/>
               <a:t>Copyright © 2013 Pearson Education, Inc. Publishing as Prentice Hall</a:t>
             </a:r>
           </a:p>
@@ -15018,13 +14939,6 @@
   <p:clrMapOvr>
     <a:masterClrMapping/>
   </p:clrMapOvr>
-  <p:timing>
-    <p:tnLst>
-      <p:par>
-        <p:cTn id="1" dur="indefinite" restart="never" nodeType="tmRoot"/>
-      </p:par>
-    </p:tnLst>
-  </p:timing>
 </p:sld>
 </file>
 
@@ -15068,7 +14982,7 @@
           <a:lstStyle/>
           <a:p>
             <a:r>
-              <a:rPr lang="en-US" smtClean="0"/>
+              <a:rPr lang="en-US"/>
               <a:t>Copyright © 2013 Pearson Education, Inc. Publishing as Prentice Hall</a:t>
             </a:r>
           </a:p>
@@ -15096,7 +15010,7 @@
           <a:p>
             <a:pPr eaLnBrk="1" hangingPunct="1"/>
             <a:r>
-              <a:rPr lang="en-US" smtClean="0"/>
+              <a:rPr lang="en-US"/>
               <a:t>Project plans and documents </a:t>
             </a:r>
           </a:p>
@@ -15154,9 +15068,27 @@
                 <a:tableStyleId>{5C22544A-7EE6-4342-B048-85BDC9FD1C3A}</a:tableStyleId>
               </a:tblPr>
               <a:tblGrid>
-                <a:gridCol w="2512586"/>
-                <a:gridCol w="2897804"/>
-                <a:gridCol w="3139482"/>
+                <a:gridCol w="2512586">
+                  <a:extLst>
+                    <a:ext uri="{9D8B030D-6E8A-4147-A177-3AD203B41FA5}">
+                      <a16:colId xmlns:a16="http://schemas.microsoft.com/office/drawing/2014/main" val="20000"/>
+                    </a:ext>
+                  </a:extLst>
+                </a:gridCol>
+                <a:gridCol w="2897804">
+                  <a:extLst>
+                    <a:ext uri="{9D8B030D-6E8A-4147-A177-3AD203B41FA5}">
+                      <a16:colId xmlns:a16="http://schemas.microsoft.com/office/drawing/2014/main" val="20001"/>
+                    </a:ext>
+                  </a:extLst>
+                </a:gridCol>
+                <a:gridCol w="3139482">
+                  <a:extLst>
+                    <a:ext uri="{9D8B030D-6E8A-4147-A177-3AD203B41FA5}">
+                      <a16:colId xmlns:a16="http://schemas.microsoft.com/office/drawing/2014/main" val="20002"/>
+                    </a:ext>
+                  </a:extLst>
+                </a:gridCol>
               </a:tblGrid>
               <a:tr h="411991">
                 <a:tc>
@@ -15173,7 +15105,7 @@
                         </a:spcAft>
                       </a:pPr>
                       <a:r>
-                        <a:rPr lang="en-US" sz="2000" dirty="0" smtClean="0">
+                        <a:rPr lang="en-US" sz="2000" dirty="0">
                           <a:effectLst/>
                         </a:rPr>
                         <a:t>Knowledge Areas</a:t>
@@ -15234,13 +15166,7 @@
                         <a:rPr lang="en-US" sz="2000" dirty="0">
                           <a:effectLst/>
                         </a:rPr>
-                        <a:t>Project </a:t>
-                      </a:r>
-                      <a:r>
-                        <a:rPr lang="en-US" sz="2000" dirty="0" smtClean="0">
-                          <a:effectLst/>
-                        </a:rPr>
-                        <a:t>Documents</a:t>
+                        <a:t>Project Documents</a:t>
                       </a:r>
                       <a:endParaRPr lang="en-US" sz="2000" dirty="0">
                         <a:effectLst/>
@@ -15252,6 +15178,11 @@
                   </a:txBody>
                   <a:tcPr marL="33945" marR="33945" marT="0" marB="0"/>
                 </a:tc>
+                <a:extLst>
+                  <a:ext uri="{0D108BD9-81ED-4DB2-BD59-A6C34878D82A}">
+                    <a16:rowId xmlns:a16="http://schemas.microsoft.com/office/drawing/2014/main" val="10000"/>
+                  </a:ext>
+                </a:extLst>
               </a:tr>
               <a:tr h="2076333">
                 <a:tc>
@@ -15440,6 +15371,11 @@
                   </a:txBody>
                   <a:tcPr marL="33945" marR="33945" marT="0" marB="0"/>
                 </a:tc>
+                <a:extLst>
+                  <a:ext uri="{0D108BD9-81ED-4DB2-BD59-A6C34878D82A}">
+                    <a16:rowId xmlns:a16="http://schemas.microsoft.com/office/drawing/2014/main" val="10001"/>
+                  </a:ext>
+                </a:extLst>
               </a:tr>
               <a:tr h="748057">
                 <a:tc>
@@ -15580,6 +15516,11 @@
                   </a:txBody>
                   <a:tcPr marL="33945" marR="33945" marT="0" marB="0"/>
                 </a:tc>
+                <a:extLst>
+                  <a:ext uri="{0D108BD9-81ED-4DB2-BD59-A6C34878D82A}">
+                    <a16:rowId xmlns:a16="http://schemas.microsoft.com/office/drawing/2014/main" val="10002"/>
+                  </a:ext>
+                </a:extLst>
               </a:tr>
             </a:tbl>
           </a:graphicData>
@@ -15590,13 +15531,6 @@
   <p:clrMapOvr>
     <a:masterClrMapping/>
   </p:clrMapOvr>
-  <p:timing>
-    <p:tnLst>
-      <p:par>
-        <p:cTn id="1" dur="indefinite" restart="never" nodeType="tmRoot"/>
-      </p:par>
-    </p:tnLst>
-  </p:timing>
 </p:sld>
 </file>
 
@@ -15640,7 +15574,7 @@
           <a:lstStyle/>
           <a:p>
             <a:r>
-              <a:rPr lang="en-US" smtClean="0"/>
+              <a:rPr lang="en-US"/>
               <a:t>Copyright © 2013 Pearson Education, Inc. Publishing as Prentice Hall</a:t>
             </a:r>
           </a:p>
@@ -15668,7 +15602,7 @@
           <a:p>
             <a:pPr eaLnBrk="1" hangingPunct="1"/>
             <a:r>
-              <a:rPr lang="en-US" smtClean="0"/>
+              <a:rPr lang="en-US"/>
               <a:t>Project plans and documents </a:t>
             </a:r>
           </a:p>
@@ -15726,9 +15660,27 @@
                 <a:tableStyleId>{5C22544A-7EE6-4342-B048-85BDC9FD1C3A}</a:tableStyleId>
               </a:tblPr>
               <a:tblGrid>
-                <a:gridCol w="2512586"/>
-                <a:gridCol w="3213281"/>
-                <a:gridCol w="2824005"/>
+                <a:gridCol w="2512586">
+                  <a:extLst>
+                    <a:ext uri="{9D8B030D-6E8A-4147-A177-3AD203B41FA5}">
+                      <a16:colId xmlns:a16="http://schemas.microsoft.com/office/drawing/2014/main" val="20000"/>
+                    </a:ext>
+                  </a:extLst>
+                </a:gridCol>
+                <a:gridCol w="3213281">
+                  <a:extLst>
+                    <a:ext uri="{9D8B030D-6E8A-4147-A177-3AD203B41FA5}">
+                      <a16:colId xmlns:a16="http://schemas.microsoft.com/office/drawing/2014/main" val="20001"/>
+                    </a:ext>
+                  </a:extLst>
+                </a:gridCol>
+                <a:gridCol w="2824005">
+                  <a:extLst>
+                    <a:ext uri="{9D8B030D-6E8A-4147-A177-3AD203B41FA5}">
+                      <a16:colId xmlns:a16="http://schemas.microsoft.com/office/drawing/2014/main" val="20002"/>
+                    </a:ext>
+                  </a:extLst>
+                </a:gridCol>
               </a:tblGrid>
               <a:tr h="644003">
                 <a:tc>
@@ -15853,6 +15805,11 @@
                   </a:txBody>
                   <a:tcPr marL="33945" marR="33945" marT="0" marB="0"/>
                 </a:tc>
+                <a:extLst>
+                  <a:ext uri="{0D108BD9-81ED-4DB2-BD59-A6C34878D82A}">
+                    <a16:rowId xmlns:a16="http://schemas.microsoft.com/office/drawing/2014/main" val="10000"/>
+                  </a:ext>
+                </a:extLst>
               </a:tr>
               <a:tr h="1245800">
                 <a:tc>
@@ -16025,6 +15982,11 @@
                   </a:txBody>
                   <a:tcPr marL="33945" marR="33945" marT="0" marB="0"/>
                 </a:tc>
+                <a:extLst>
+                  <a:ext uri="{0D108BD9-81ED-4DB2-BD59-A6C34878D82A}">
+                    <a16:rowId xmlns:a16="http://schemas.microsoft.com/office/drawing/2014/main" val="10001"/>
+                  </a:ext>
+                </a:extLst>
               </a:tr>
             </a:tbl>
           </a:graphicData>
@@ -16035,13 +15997,6 @@
   <p:clrMapOvr>
     <a:masterClrMapping/>
   </p:clrMapOvr>
-  <p:timing>
-    <p:tnLst>
-      <p:par>
-        <p:cTn id="1" dur="indefinite" restart="never" nodeType="tmRoot"/>
-      </p:par>
-    </p:tnLst>
-  </p:timing>
 </p:sld>
 </file>
 
@@ -16085,7 +16040,7 @@
           <a:lstStyle/>
           <a:p>
             <a:r>
-              <a:rPr lang="en-US" smtClean="0"/>
+              <a:rPr lang="en-US"/>
               <a:t>Copyright © 2013 Pearson Education, Inc. Publishing as Prentice Hall</a:t>
             </a:r>
           </a:p>
@@ -16113,7 +16068,7 @@
           <a:p>
             <a:pPr eaLnBrk="1" hangingPunct="1"/>
             <a:r>
-              <a:rPr lang="en-US" smtClean="0"/>
+              <a:rPr lang="en-US"/>
               <a:t>WBS</a:t>
             </a:r>
           </a:p>
@@ -16189,13 +16144,6 @@
   <p:clrMapOvr>
     <a:masterClrMapping/>
   </p:clrMapOvr>
-  <p:timing>
-    <p:tnLst>
-      <p:par>
-        <p:cTn id="1" dur="indefinite" restart="never" nodeType="tmRoot"/>
-      </p:par>
-    </p:tnLst>
-  </p:timing>
 </p:sld>
 </file>
 
@@ -16239,7 +16187,7 @@
           <a:lstStyle/>
           <a:p>
             <a:r>
-              <a:rPr lang="en-US" smtClean="0"/>
+              <a:rPr lang="en-US"/>
               <a:t>Copyright © 2013 Pearson Education, Inc. Publishing as Prentice Hall</a:t>
             </a:r>
           </a:p>
@@ -16267,7 +16215,7 @@
           <a:p>
             <a:pPr eaLnBrk="1" hangingPunct="1"/>
             <a:r>
-              <a:rPr lang="en-US" smtClean="0"/>
+              <a:rPr lang="en-US"/>
               <a:t>WBS</a:t>
             </a:r>
           </a:p>
@@ -16467,13 +16415,6 @@
   <p:clrMapOvr>
     <a:masterClrMapping/>
   </p:clrMapOvr>
-  <p:timing>
-    <p:tnLst>
-      <p:par>
-        <p:cTn id="1" dur="indefinite" restart="never" nodeType="tmRoot"/>
-      </p:par>
-    </p:tnLst>
-  </p:timing>
 </p:sld>
 </file>
 
@@ -16517,7 +16458,7 @@
           <a:lstStyle/>
           <a:p>
             <a:r>
-              <a:rPr lang="en-US" smtClean="0"/>
+              <a:rPr lang="en-US"/>
               <a:t>Copyright © 2013 Pearson Education, Inc. Publishing as Prentice Hall</a:t>
             </a:r>
           </a:p>
@@ -16545,14 +16486,14 @@
           <a:p>
             <a:pPr eaLnBrk="1" hangingPunct="1"/>
             <a:r>
-              <a:rPr lang="en-US" sz="2400" smtClean="0"/>
+              <a:rPr lang="en-US" sz="2400"/>
               <a:t>A good scope document and requirements documentations with good input from all stakeholders; and</a:t>
             </a:r>
           </a:p>
           <a:p>
             <a:pPr eaLnBrk="1" hangingPunct="1"/>
             <a:r>
-              <a:rPr lang="en-US" sz="2400" smtClean="0"/>
+              <a:rPr lang="en-US" sz="2400"/>
               <a:t>Availability of organizational process assets including project policies, procedures, and historical information.</a:t>
             </a:r>
           </a:p>
@@ -16562,11 +16503,11 @@
               <a:buNone/>
             </a:pPr>
             <a:r>
-              <a:rPr lang="en-US" sz="2400" smtClean="0"/>
+              <a:rPr lang="en-US" sz="2400"/>
               <a:t>    </a:t>
             </a:r>
             <a:r>
-              <a:rPr lang="en-US" sz="2400" b="1" smtClean="0"/>
+              <a:rPr lang="en-US" sz="2400" b="1"/>
               <a:t>Consider:</a:t>
             </a:r>
           </a:p>
@@ -16576,7 +16517,7 @@
               <a:buChar char="•"/>
             </a:pPr>
             <a:r>
-              <a:rPr lang="en-US" sz="2400" smtClean="0"/>
+              <a:rPr lang="en-US" sz="2400"/>
               <a:t>Cost and scheduling constraints</a:t>
             </a:r>
           </a:p>
@@ -16586,7 +16527,7 @@
               <a:buChar char="•"/>
             </a:pPr>
             <a:r>
-              <a:rPr lang="en-US" sz="2400" smtClean="0"/>
+              <a:rPr lang="en-US" sz="2400"/>
               <a:t>Project scope Lead time of equipment</a:t>
             </a:r>
           </a:p>
@@ -16596,7 +16537,7 @@
               <a:buChar char="•"/>
             </a:pPr>
             <a:r>
-              <a:rPr lang="en-US" sz="2400" smtClean="0"/>
+              <a:rPr lang="en-US" sz="2400"/>
               <a:t>Technology, Quality, and other performance criteria</a:t>
             </a:r>
           </a:p>
@@ -16606,7 +16547,7 @@
               <a:buChar char="•"/>
             </a:pPr>
             <a:r>
-              <a:rPr lang="en-US" sz="2400" smtClean="0"/>
+              <a:rPr lang="en-US" sz="2400"/>
               <a:t>Outsourced and contracted activities</a:t>
             </a:r>
           </a:p>
@@ -16616,7 +16557,7 @@
               <a:buChar char="•"/>
             </a:pPr>
             <a:r>
-              <a:rPr lang="en-US" sz="2400" smtClean="0"/>
+              <a:rPr lang="en-US" sz="2400"/>
               <a:t>Milestones and other objectives of the project</a:t>
             </a:r>
           </a:p>
@@ -16626,7 +16567,7 @@
               <a:buChar char="•"/>
             </a:pPr>
             <a:r>
-              <a:rPr lang="en-US" sz="2400" smtClean="0"/>
+              <a:rPr lang="en-US" sz="2400"/>
               <a:t>Reporting and other communication methods</a:t>
             </a:r>
           </a:p>
@@ -16636,7 +16577,7 @@
               <a:buChar char="•"/>
             </a:pPr>
             <a:r>
-              <a:rPr lang="en-US" sz="2400" smtClean="0"/>
+              <a:rPr lang="en-US" sz="2400"/>
               <a:t>Responsibilities and accountabilities of the project team</a:t>
             </a:r>
           </a:p>
@@ -16645,7 +16586,7 @@
               <a:buFont typeface="Wingdings" pitchFamily="2" charset="2"/>
               <a:buNone/>
             </a:pPr>
-            <a:endParaRPr lang="en-US" sz="2400" smtClean="0"/>
+            <a:endParaRPr lang="en-US" sz="2400"/>
           </a:p>
         </p:txBody>
       </p:sp>
@@ -16671,7 +16612,7 @@
           <a:p>
             <a:pPr eaLnBrk="1" hangingPunct="1"/>
             <a:r>
-              <a:rPr lang="en-US" smtClean="0"/>
+              <a:rPr lang="en-US"/>
               <a:t>Creating WBS </a:t>
             </a:r>
           </a:p>
@@ -16715,13 +16656,6 @@
   <p:clrMapOvr>
     <a:masterClrMapping/>
   </p:clrMapOvr>
-  <p:timing>
-    <p:tnLst>
-      <p:par>
-        <p:cTn id="1" dur="indefinite" restart="never" nodeType="tmRoot"/>
-      </p:par>
-    </p:tnLst>
-  </p:timing>
 </p:sld>
 </file>
 
@@ -16765,7 +16699,7 @@
           <a:lstStyle/>
           <a:p>
             <a:r>
-              <a:rPr lang="en-US" smtClean="0"/>
+              <a:rPr lang="en-US"/>
               <a:t>Copyright © 2013 Pearson Education, Inc. Publishing as Prentice Hall</a:t>
             </a:r>
           </a:p>
@@ -16793,7 +16727,7 @@
           <a:p>
             <a:pPr eaLnBrk="1" hangingPunct="1"/>
             <a:r>
-              <a:rPr lang="en-US" smtClean="0"/>
+              <a:rPr lang="en-US"/>
               <a:t>Delivery-based WBS</a:t>
             </a:r>
           </a:p>
@@ -16825,7 +16759,7 @@
               </a:spcBef>
             </a:pPr>
             <a:r>
-              <a:rPr lang="en-US" sz="2400" smtClean="0"/>
+              <a:rPr lang="en-US" sz="2400"/>
               <a:t>List the committed deliverables</a:t>
             </a:r>
           </a:p>
@@ -16836,7 +16770,7 @@
               </a:spcBef>
             </a:pPr>
             <a:r>
-              <a:rPr lang="en-US" sz="2400" smtClean="0"/>
+              <a:rPr lang="en-US" sz="2400"/>
               <a:t>Decompose the committed deliverables into groups of activities</a:t>
             </a:r>
           </a:p>
@@ -16847,7 +16781,7 @@
               </a:spcBef>
             </a:pPr>
             <a:r>
-              <a:rPr lang="en-US" sz="2400" smtClean="0"/>
+              <a:rPr lang="en-US" sz="2400"/>
               <a:t>Decompose each of those groups of activities into activities</a:t>
             </a:r>
           </a:p>
@@ -16858,7 +16792,7 @@
               </a:spcBef>
             </a:pPr>
             <a:r>
-              <a:rPr lang="en-US" sz="2400" smtClean="0"/>
+              <a:rPr lang="en-US" sz="2400"/>
               <a:t>Identify the supplementary deliverables</a:t>
             </a:r>
           </a:p>
@@ -16869,7 +16803,7 @@
               </a:spcBef>
             </a:pPr>
             <a:r>
-              <a:rPr lang="en-US" sz="2400" smtClean="0"/>
+              <a:rPr lang="en-US" sz="2400"/>
               <a:t>Add the supplementary deliverables as activities to the WBS</a:t>
             </a:r>
           </a:p>
@@ -16880,7 +16814,7 @@
               </a:spcBef>
             </a:pPr>
             <a:r>
-              <a:rPr lang="en-US" sz="2400" smtClean="0"/>
+              <a:rPr lang="en-US" sz="2400"/>
               <a:t>Evaluate all activities for optimum hierarchical planning</a:t>
             </a:r>
           </a:p>
@@ -16891,7 +16825,7 @@
               </a:spcBef>
             </a:pPr>
             <a:r>
-              <a:rPr lang="en-US" sz="2400" smtClean="0"/>
+              <a:rPr lang="en-US" sz="2400"/>
               <a:t>Validate WBS</a:t>
             </a:r>
           </a:p>
@@ -16901,7 +16835,7 @@
                 <a:spcPct val="0"/>
               </a:spcBef>
             </a:pPr>
-            <a:endParaRPr lang="en-US" sz="2400" smtClean="0"/>
+            <a:endParaRPr lang="en-US" sz="2400"/>
           </a:p>
           <a:p>
             <a:pPr eaLnBrk="1" hangingPunct="1">
@@ -16911,7 +16845,7 @@
               <a:buFont typeface="Wingdings" pitchFamily="2" charset="2"/>
               <a:buNone/>
             </a:pPr>
-            <a:endParaRPr lang="en-US" sz="2400" smtClean="0"/>
+            <a:endParaRPr lang="en-US" sz="2400"/>
           </a:p>
         </p:txBody>
       </p:sp>
@@ -16996,7 +16930,7 @@
           <a:lstStyle/>
           <a:p>
             <a:r>
-              <a:rPr lang="en-US" smtClean="0"/>
+              <a:rPr lang="en-US"/>
               <a:t>Copyright © 2013 Pearson Education, Inc. Publishing as Prentice Hall</a:t>
             </a:r>
           </a:p>
@@ -17024,7 +16958,7 @@
           <a:p>
             <a:pPr eaLnBrk="1" hangingPunct="1"/>
             <a:r>
-              <a:rPr lang="en-US" smtClean="0"/>
+              <a:rPr lang="en-US"/>
               <a:t>Delivery-based WBS</a:t>
             </a:r>
           </a:p>
@@ -17047,9 +16981,27 @@
             <a:tbl>
               <a:tblPr/>
               <a:tblGrid>
-                <a:gridCol w="1295400"/>
-                <a:gridCol w="1028700"/>
-                <a:gridCol w="6286501"/>
+                <a:gridCol w="1295400">
+                  <a:extLst>
+                    <a:ext uri="{9D8B030D-6E8A-4147-A177-3AD203B41FA5}">
+                      <a16:colId xmlns:a16="http://schemas.microsoft.com/office/drawing/2014/main" val="20000"/>
+                    </a:ext>
+                  </a:extLst>
+                </a:gridCol>
+                <a:gridCol w="1028700">
+                  <a:extLst>
+                    <a:ext uri="{9D8B030D-6E8A-4147-A177-3AD203B41FA5}">
+                      <a16:colId xmlns:a16="http://schemas.microsoft.com/office/drawing/2014/main" val="20001"/>
+                    </a:ext>
+                  </a:extLst>
+                </a:gridCol>
+                <a:gridCol w="6286501">
+                  <a:extLst>
+                    <a:ext uri="{9D8B030D-6E8A-4147-A177-3AD203B41FA5}">
+                      <a16:colId xmlns:a16="http://schemas.microsoft.com/office/drawing/2014/main" val="20002"/>
+                    </a:ext>
+                  </a:extLst>
+                </a:gridCol>
               </a:tblGrid>
               <a:tr h="118292">
                 <a:tc>
@@ -17229,6 +17181,11 @@
                     </a:solidFill>
                   </a:tcPr>
                 </a:tc>
+                <a:extLst>
+                  <a:ext uri="{0D108BD9-81ED-4DB2-BD59-A6C34878D82A}">
+                    <a16:rowId xmlns:a16="http://schemas.microsoft.com/office/drawing/2014/main" val="10000"/>
+                  </a:ext>
+                </a:extLst>
               </a:tr>
               <a:tr h="118292">
                 <a:tc>
@@ -17380,6 +17337,11 @@
                     </a:lnB>
                   </a:tcPr>
                 </a:tc>
+                <a:extLst>
+                  <a:ext uri="{0D108BD9-81ED-4DB2-BD59-A6C34878D82A}">
+                    <a16:rowId xmlns:a16="http://schemas.microsoft.com/office/drawing/2014/main" val="10001"/>
+                  </a:ext>
+                </a:extLst>
               </a:tr>
               <a:tr h="118292">
                 <a:tc>
@@ -17519,6 +17481,11 @@
                     </a:solidFill>
                   </a:tcPr>
                 </a:tc>
+                <a:extLst>
+                  <a:ext uri="{0D108BD9-81ED-4DB2-BD59-A6C34878D82A}">
+                    <a16:rowId xmlns:a16="http://schemas.microsoft.com/office/drawing/2014/main" val="10002"/>
+                  </a:ext>
+                </a:extLst>
               </a:tr>
               <a:tr h="118292">
                 <a:tc>
@@ -17652,6 +17619,11 @@
                     </a:lnB>
                   </a:tcPr>
                 </a:tc>
+                <a:extLst>
+                  <a:ext uri="{0D108BD9-81ED-4DB2-BD59-A6C34878D82A}">
+                    <a16:rowId xmlns:a16="http://schemas.microsoft.com/office/drawing/2014/main" val="10003"/>
+                  </a:ext>
+                </a:extLst>
               </a:tr>
               <a:tr h="118292">
                 <a:tc>
@@ -17791,6 +17763,11 @@
                     </a:solidFill>
                   </a:tcPr>
                 </a:tc>
+                <a:extLst>
+                  <a:ext uri="{0D108BD9-81ED-4DB2-BD59-A6C34878D82A}">
+                    <a16:rowId xmlns:a16="http://schemas.microsoft.com/office/drawing/2014/main" val="10004"/>
+                  </a:ext>
+                </a:extLst>
               </a:tr>
               <a:tr h="118292">
                 <a:tc>
@@ -17924,6 +17901,11 @@
                     </a:lnB>
                   </a:tcPr>
                 </a:tc>
+                <a:extLst>
+                  <a:ext uri="{0D108BD9-81ED-4DB2-BD59-A6C34878D82A}">
+                    <a16:rowId xmlns:a16="http://schemas.microsoft.com/office/drawing/2014/main" val="10005"/>
+                  </a:ext>
+                </a:extLst>
               </a:tr>
               <a:tr h="118292">
                 <a:tc>
@@ -18063,6 +18045,11 @@
                     </a:solidFill>
                   </a:tcPr>
                 </a:tc>
+                <a:extLst>
+                  <a:ext uri="{0D108BD9-81ED-4DB2-BD59-A6C34878D82A}">
+                    <a16:rowId xmlns:a16="http://schemas.microsoft.com/office/drawing/2014/main" val="10006"/>
+                  </a:ext>
+                </a:extLst>
               </a:tr>
               <a:tr h="118292">
                 <a:tc>
@@ -18196,6 +18183,11 @@
                     </a:lnB>
                   </a:tcPr>
                 </a:tc>
+                <a:extLst>
+                  <a:ext uri="{0D108BD9-81ED-4DB2-BD59-A6C34878D82A}">
+                    <a16:rowId xmlns:a16="http://schemas.microsoft.com/office/drawing/2014/main" val="10007"/>
+                  </a:ext>
+                </a:extLst>
               </a:tr>
               <a:tr h="118292">
                 <a:tc>
@@ -18335,6 +18327,11 @@
                     </a:solidFill>
                   </a:tcPr>
                 </a:tc>
+                <a:extLst>
+                  <a:ext uri="{0D108BD9-81ED-4DB2-BD59-A6C34878D82A}">
+                    <a16:rowId xmlns:a16="http://schemas.microsoft.com/office/drawing/2014/main" val="10008"/>
+                  </a:ext>
+                </a:extLst>
               </a:tr>
               <a:tr h="118292">
                 <a:tc>
@@ -18468,6 +18465,11 @@
                     </a:lnB>
                   </a:tcPr>
                 </a:tc>
+                <a:extLst>
+                  <a:ext uri="{0D108BD9-81ED-4DB2-BD59-A6C34878D82A}">
+                    <a16:rowId xmlns:a16="http://schemas.microsoft.com/office/drawing/2014/main" val="10009"/>
+                  </a:ext>
+                </a:extLst>
               </a:tr>
               <a:tr h="118292">
                 <a:tc>
@@ -18607,6 +18609,11 @@
                     </a:solidFill>
                   </a:tcPr>
                 </a:tc>
+                <a:extLst>
+                  <a:ext uri="{0D108BD9-81ED-4DB2-BD59-A6C34878D82A}">
+                    <a16:rowId xmlns:a16="http://schemas.microsoft.com/office/drawing/2014/main" val="10010"/>
+                  </a:ext>
+                </a:extLst>
               </a:tr>
               <a:tr h="118292">
                 <a:tc>
@@ -18740,6 +18747,11 @@
                     </a:lnB>
                   </a:tcPr>
                 </a:tc>
+                <a:extLst>
+                  <a:ext uri="{0D108BD9-81ED-4DB2-BD59-A6C34878D82A}">
+                    <a16:rowId xmlns:a16="http://schemas.microsoft.com/office/drawing/2014/main" val="10011"/>
+                  </a:ext>
+                </a:extLst>
               </a:tr>
               <a:tr h="118292">
                 <a:tc>
@@ -18879,6 +18891,11 @@
                     </a:solidFill>
                   </a:tcPr>
                 </a:tc>
+                <a:extLst>
+                  <a:ext uri="{0D108BD9-81ED-4DB2-BD59-A6C34878D82A}">
+                    <a16:rowId xmlns:a16="http://schemas.microsoft.com/office/drawing/2014/main" val="10012"/>
+                  </a:ext>
+                </a:extLst>
               </a:tr>
               <a:tr h="118292">
                 <a:tc>
@@ -19012,6 +19029,11 @@
                     </a:lnB>
                   </a:tcPr>
                 </a:tc>
+                <a:extLst>
+                  <a:ext uri="{0D108BD9-81ED-4DB2-BD59-A6C34878D82A}">
+                    <a16:rowId xmlns:a16="http://schemas.microsoft.com/office/drawing/2014/main" val="10013"/>
+                  </a:ext>
+                </a:extLst>
               </a:tr>
               <a:tr h="118292">
                 <a:tc>
@@ -19151,6 +19173,11 @@
                     </a:solidFill>
                   </a:tcPr>
                 </a:tc>
+                <a:extLst>
+                  <a:ext uri="{0D108BD9-81ED-4DB2-BD59-A6C34878D82A}">
+                    <a16:rowId xmlns:a16="http://schemas.microsoft.com/office/drawing/2014/main" val="10014"/>
+                  </a:ext>
+                </a:extLst>
               </a:tr>
             </a:tbl>
           </a:graphicData>
@@ -19237,7 +19264,7 @@
           <a:lstStyle/>
           <a:p>
             <a:r>
-              <a:rPr lang="en-US" smtClean="0"/>
+              <a:rPr lang="en-US"/>
               <a:t>Copyright © 2013 Pearson Education, Inc. Publishing as Prentice Hall</a:t>
             </a:r>
           </a:p>
@@ -19265,7 +19292,7 @@
           <a:p>
             <a:pPr eaLnBrk="1" hangingPunct="1"/>
             <a:r>
-              <a:rPr lang="en-US" sz="2400" smtClean="0"/>
+              <a:rPr lang="en-US" sz="2400"/>
               <a:t>Lifespan-based</a:t>
             </a:r>
           </a:p>
@@ -19275,7 +19302,7 @@
               <a:buChar char="•"/>
             </a:pPr>
             <a:r>
-              <a:rPr lang="en-US" sz="2400" smtClean="0"/>
+              <a:rPr lang="en-US" sz="2400"/>
               <a:t>Take into account the project process for a particular type of project.</a:t>
             </a:r>
           </a:p>
@@ -19285,7 +19312,7 @@
               <a:buChar char="•"/>
             </a:pPr>
             <a:r>
-              <a:rPr lang="en-US" sz="2400" smtClean="0"/>
+              <a:rPr lang="en-US" sz="2400"/>
               <a:t>The major phases of either the traditional or iterative SDLC can be used as Level 2 with the title of the project as Level 1. </a:t>
             </a:r>
           </a:p>
@@ -19295,7 +19322,7 @@
               <a:buChar char="•"/>
             </a:pPr>
             <a:r>
-              <a:rPr lang="en-US" sz="2400" smtClean="0"/>
+              <a:rPr lang="en-US" sz="2400"/>
               <a:t>Follow the previously described delivery-based structure method.</a:t>
             </a:r>
           </a:p>
@@ -19304,7 +19331,7 @@
               <a:buFont typeface="Wingdings" pitchFamily="2" charset="2"/>
               <a:buNone/>
             </a:pPr>
-            <a:endParaRPr lang="en-US" sz="2400" smtClean="0"/>
+            <a:endParaRPr lang="en-US" sz="2400"/>
           </a:p>
         </p:txBody>
       </p:sp>
@@ -19330,7 +19357,7 @@
           <a:p>
             <a:pPr eaLnBrk="1" hangingPunct="1"/>
             <a:r>
-              <a:rPr lang="en-US" smtClean="0"/>
+              <a:rPr lang="en-US"/>
               <a:t>Creating WBS </a:t>
             </a:r>
           </a:p>
@@ -19417,7 +19444,7 @@
           <a:lstStyle/>
           <a:p>
             <a:r>
-              <a:rPr lang="en-US" smtClean="0"/>
+              <a:rPr lang="en-US"/>
               <a:t>Copyright © 2013 Pearson Education, Inc. Publishing as Prentice Hall</a:t>
             </a:r>
           </a:p>
@@ -19445,7 +19472,7 @@
           <a:p>
             <a:pPr eaLnBrk="1" hangingPunct="1"/>
             <a:r>
-              <a:rPr lang="en-US" smtClean="0"/>
+              <a:rPr lang="en-US"/>
               <a:t>Creating WBS </a:t>
             </a:r>
           </a:p>
@@ -19564,7 +19591,7 @@
           <a:lstStyle/>
           <a:p>
             <a:r>
-              <a:rPr lang="en-US" smtClean="0"/>
+              <a:rPr lang="en-US"/>
               <a:t>Copyright © 2013 Pearson Education, Inc. Publishing as Prentice Hall</a:t>
             </a:r>
           </a:p>
@@ -19592,7 +19619,7 @@
           <a:p>
             <a:pPr eaLnBrk="1" hangingPunct="1"/>
             <a:r>
-              <a:rPr lang="en-US" smtClean="0"/>
+              <a:rPr lang="en-US"/>
               <a:t>WBS Dictionary</a:t>
             </a:r>
           </a:p>
@@ -19758,7 +19785,7 @@
           <a:lstStyle/>
           <a:p>
             <a:r>
-              <a:rPr lang="en-US" smtClean="0"/>
+              <a:rPr lang="en-US"/>
               <a:t>Copyright © 2013 Pearson Education, Inc. Publishing as Prentice Hall</a:t>
             </a:r>
           </a:p>
@@ -19794,21 +19821,8 @@
             </a:pPr>
             <a:r>
               <a:rPr lang="en-US" sz="2400" dirty="0"/>
-              <a:t>Manage the planning process </a:t>
-            </a:r>
-            <a:r>
-              <a:rPr lang="en-US" sz="2400" dirty="0" smtClean="0"/>
-              <a:t>of </a:t>
-            </a:r>
-            <a:r>
-              <a:rPr lang="en-US" sz="2400" dirty="0"/>
-              <a:t>a </a:t>
-            </a:r>
-            <a:r>
-              <a:rPr lang="en-US" sz="2400" dirty="0" smtClean="0"/>
-              <a:t>project</a:t>
-            </a:r>
-            <a:endParaRPr lang="en-US" sz="2400" dirty="0"/>
+              <a:t>Manage the planning process of a project</a:t>
+            </a:r>
           </a:p>
           <a:p>
             <a:pPr eaLnBrk="1" fontAlgn="auto" hangingPunct="1">
@@ -19818,18 +19832,17 @@
               <a:defRPr/>
             </a:pPr>
             <a:r>
-              <a:rPr lang="en-US" sz="2400" dirty="0" smtClean="0"/>
-              <a:t>Understand </a:t>
-            </a:r>
-            <a:r>
               <a:rPr lang="en-US" sz="2400" dirty="0"/>
-              <a:t>the work breakdown structure of a </a:t>
-            </a:r>
-            <a:r>
-              <a:rPr lang="en-US" sz="2400" dirty="0" smtClean="0"/>
-              <a:t>project</a:t>
-            </a:r>
-            <a:endParaRPr lang="en-US" sz="2400" dirty="0"/>
+              <a:t>Understand the work </a:t>
+            </a:r>
+            <a:r>
+              <a:rPr lang="en-US" sz="2400"/>
+              <a:t>breakdown structure WBS </a:t>
+            </a:r>
+            <a:r>
+              <a:rPr lang="en-US" sz="2400" dirty="0"/>
+              <a:t>of a project</a:t>
+            </a:r>
           </a:p>
           <a:p>
             <a:pPr eaLnBrk="1" fontAlgn="auto" hangingPunct="1">
@@ -19839,18 +19852,9 @@
               <a:defRPr/>
             </a:pPr>
             <a:r>
-              <a:rPr lang="en-US" sz="2400" dirty="0" smtClean="0"/>
-              <a:t>Understand </a:t>
-            </a:r>
-            <a:r>
               <a:rPr lang="en-US" sz="2400" dirty="0"/>
-              <a:t>different types of contracts in a </a:t>
-            </a:r>
-            <a:r>
-              <a:rPr lang="en-US" sz="2400" dirty="0" smtClean="0"/>
-              <a:t>project</a:t>
-            </a:r>
-            <a:endParaRPr lang="en-US" sz="2400" dirty="0"/>
+              <a:t>Understand different types of contracts in a project</a:t>
+            </a:r>
           </a:p>
           <a:p>
             <a:pPr eaLnBrk="1" fontAlgn="auto" hangingPunct="1">
@@ -19860,18 +19864,9 @@
               <a:defRPr/>
             </a:pPr>
             <a:r>
-              <a:rPr lang="en-US" sz="2400" dirty="0" smtClean="0"/>
-              <a:t>Understand </a:t>
-            </a:r>
-            <a:r>
               <a:rPr lang="en-US" sz="2400" dirty="0"/>
-              <a:t>procurement </a:t>
-            </a:r>
-            <a:r>
-              <a:rPr lang="en-US" sz="2400" dirty="0" smtClean="0"/>
-              <a:t>management</a:t>
-            </a:r>
-            <a:endParaRPr lang="en-US" sz="2400" dirty="0"/>
+              <a:t>Understand procurement management</a:t>
+            </a:r>
           </a:p>
           <a:p>
             <a:pPr eaLnBrk="1" fontAlgn="auto" hangingPunct="1">
@@ -19881,20 +19876,8 @@
               <a:defRPr/>
             </a:pPr>
             <a:r>
-              <a:rPr lang="en-US" sz="2400" dirty="0" smtClean="0"/>
-              <a:t>Decide </a:t>
-            </a:r>
-            <a:r>
               <a:rPr lang="en-US" sz="2400" dirty="0"/>
-              <a:t>on make versus buy and </a:t>
-            </a:r>
-            <a:r>
-              <a:rPr lang="en-US" sz="2400" dirty="0" smtClean="0"/>
-              <a:t>rent versus </a:t>
-            </a:r>
-            <a:r>
-              <a:rPr lang="en-US" sz="2400" dirty="0"/>
-              <a:t>lease</a:t>
+              <a:t>Decide on make versus buy and rent versus lease</a:t>
             </a:r>
           </a:p>
           <a:p>
@@ -19906,7 +19889,7 @@
               <a:buNone/>
               <a:defRPr/>
             </a:pPr>
-            <a:endParaRPr lang="en-US" sz="2400" dirty="0" smtClean="0"/>
+            <a:endParaRPr lang="en-US" sz="2400" dirty="0"/>
           </a:p>
           <a:p>
             <a:pPr eaLnBrk="1" fontAlgn="auto" hangingPunct="1">
@@ -19915,7 +19898,7 @@
               </a:spcAft>
               <a:defRPr/>
             </a:pPr>
-            <a:endParaRPr lang="en-US" sz="2400" dirty="0" smtClean="0"/>
+            <a:endParaRPr lang="en-US" sz="2400" dirty="0"/>
           </a:p>
           <a:p>
             <a:pPr eaLnBrk="1" fontAlgn="auto" hangingPunct="1">
@@ -19924,7 +19907,7 @@
               </a:spcAft>
               <a:defRPr/>
             </a:pPr>
-            <a:endParaRPr lang="en-US" sz="2400" dirty="0" smtClean="0"/>
+            <a:endParaRPr lang="en-US" sz="2400" dirty="0"/>
           </a:p>
           <a:p>
             <a:pPr eaLnBrk="1" fontAlgn="auto" hangingPunct="1">
@@ -19933,7 +19916,7 @@
               </a:spcAft>
               <a:defRPr/>
             </a:pPr>
-            <a:endParaRPr lang="en-US" sz="2400" dirty="0" smtClean="0"/>
+            <a:endParaRPr lang="en-US" sz="2400" dirty="0"/>
           </a:p>
           <a:p>
             <a:pPr eaLnBrk="1" fontAlgn="auto" hangingPunct="1">
@@ -19942,7 +19925,7 @@
               </a:spcAft>
               <a:defRPr/>
             </a:pPr>
-            <a:endParaRPr lang="en-US" sz="2400" dirty="0" smtClean="0"/>
+            <a:endParaRPr lang="en-US" sz="2400" dirty="0"/>
           </a:p>
           <a:p>
             <a:pPr eaLnBrk="1" fontAlgn="auto" hangingPunct="1">
@@ -19977,7 +19960,7 @@
           <a:p>
             <a:pPr eaLnBrk="1" hangingPunct="1"/>
             <a:r>
-              <a:rPr lang="en-US" smtClean="0"/>
+              <a:rPr lang="en-US"/>
               <a:t>Learning objectives</a:t>
             </a:r>
           </a:p>
@@ -20021,13 +20004,6 @@
   <p:clrMapOvr>
     <a:masterClrMapping/>
   </p:clrMapOvr>
-  <p:timing>
-    <p:tnLst>
-      <p:par>
-        <p:cTn id="1" dur="indefinite" restart="never" nodeType="tmRoot"/>
-      </p:par>
-    </p:tnLst>
-  </p:timing>
 </p:sld>
 </file>
 
@@ -20071,7 +20047,7 @@
           <a:lstStyle/>
           <a:p>
             <a:r>
-              <a:rPr lang="en-US" smtClean="0"/>
+              <a:rPr lang="en-US"/>
               <a:t>Copyright © 2013 Pearson Education, Inc. Publishing as Prentice Hall</a:t>
             </a:r>
           </a:p>
@@ -20099,7 +20075,7 @@
           <a:p>
             <a:pPr eaLnBrk="1" hangingPunct="1"/>
             <a:r>
-              <a:rPr lang="en-US" smtClean="0"/>
+              <a:rPr lang="en-US"/>
               <a:t>WBS Dictionary</a:t>
             </a:r>
           </a:p>
@@ -20122,8 +20098,20 @@
             <a:tbl>
               <a:tblPr/>
               <a:tblGrid>
-                <a:gridCol w="4260852"/>
-                <a:gridCol w="4260852"/>
+                <a:gridCol w="4260852">
+                  <a:extLst>
+                    <a:ext uri="{9D8B030D-6E8A-4147-A177-3AD203B41FA5}">
+                      <a16:colId xmlns:a16="http://schemas.microsoft.com/office/drawing/2014/main" val="20000"/>
+                    </a:ext>
+                  </a:extLst>
+                </a:gridCol>
+                <a:gridCol w="4260852">
+                  <a:extLst>
+                    <a:ext uri="{9D8B030D-6E8A-4147-A177-3AD203B41FA5}">
+                      <a16:colId xmlns:a16="http://schemas.microsoft.com/office/drawing/2014/main" val="20001"/>
+                    </a:ext>
+                  </a:extLst>
+                </a:gridCol>
               </a:tblGrid>
               <a:tr h="194954">
                 <a:tc gridSpan="2">
@@ -20208,6 +20196,11 @@
                   </a:txBody>
                   <a:tcPr/>
                 </a:tc>
+                <a:extLst>
+                  <a:ext uri="{0D108BD9-81ED-4DB2-BD59-A6C34878D82A}">
+                    <a16:rowId xmlns:a16="http://schemas.microsoft.com/office/drawing/2014/main" val="10000"/>
+                  </a:ext>
+                </a:extLst>
               </a:tr>
               <a:tr h="194954">
                 <a:tc gridSpan="2">
@@ -20292,6 +20285,11 @@
                   </a:txBody>
                   <a:tcPr/>
                 </a:tc>
+                <a:extLst>
+                  <a:ext uri="{0D108BD9-81ED-4DB2-BD59-A6C34878D82A}">
+                    <a16:rowId xmlns:a16="http://schemas.microsoft.com/office/drawing/2014/main" val="10001"/>
+                  </a:ext>
+                </a:extLst>
               </a:tr>
               <a:tr h="194954">
                 <a:tc gridSpan="2">
@@ -20376,6 +20374,11 @@
                   </a:txBody>
                   <a:tcPr/>
                 </a:tc>
+                <a:extLst>
+                  <a:ext uri="{0D108BD9-81ED-4DB2-BD59-A6C34878D82A}">
+                    <a16:rowId xmlns:a16="http://schemas.microsoft.com/office/drawing/2014/main" val="10002"/>
+                  </a:ext>
+                </a:extLst>
               </a:tr>
               <a:tr h="194954">
                 <a:tc gridSpan="2">
@@ -20460,6 +20463,11 @@
                   </a:txBody>
                   <a:tcPr/>
                 </a:tc>
+                <a:extLst>
+                  <a:ext uri="{0D108BD9-81ED-4DB2-BD59-A6C34878D82A}">
+                    <a16:rowId xmlns:a16="http://schemas.microsoft.com/office/drawing/2014/main" val="10003"/>
+                  </a:ext>
+                </a:extLst>
               </a:tr>
               <a:tr h="194954">
                 <a:tc gridSpan="2">
@@ -20544,6 +20552,11 @@
                   </a:txBody>
                   <a:tcPr/>
                 </a:tc>
+                <a:extLst>
+                  <a:ext uri="{0D108BD9-81ED-4DB2-BD59-A6C34878D82A}">
+                    <a16:rowId xmlns:a16="http://schemas.microsoft.com/office/drawing/2014/main" val="10004"/>
+                  </a:ext>
+                </a:extLst>
               </a:tr>
               <a:tr h="194954">
                 <a:tc>
@@ -20697,6 +20710,11 @@
                     </a:lnB>
                   </a:tcPr>
                 </a:tc>
+                <a:extLst>
+                  <a:ext uri="{0D108BD9-81ED-4DB2-BD59-A6C34878D82A}">
+                    <a16:rowId xmlns:a16="http://schemas.microsoft.com/office/drawing/2014/main" val="10005"/>
+                  </a:ext>
+                </a:extLst>
               </a:tr>
               <a:tr h="3119253">
                 <a:tc gridSpan="2">
@@ -20738,21 +20756,7 @@
                           <a:latin typeface="Calibri"/>
                           <a:ea typeface="Times New Roman"/>
                         </a:rPr>
-                        <a:t>At least three (3) 3PL partners will be selected as potential partners in WBS element 1.1.1.8. Out of the three potential partners, one will be selected to be the 3PL business partner. </a:t>
-                      </a:r>
-                      <a:r>
-                        <a:rPr lang="en-US" sz="1600" dirty="0" smtClean="0">
-                          <a:latin typeface="Calibri"/>
-                          <a:ea typeface="Times New Roman"/>
-                        </a:rPr>
-                        <a:t>The </a:t>
-                      </a:r>
-                      <a:r>
-                        <a:rPr lang="en-US" sz="1600" dirty="0">
-                          <a:latin typeface="Calibri"/>
-                          <a:ea typeface="Times New Roman"/>
-                        </a:rPr>
-                        <a:t>following categories will be used to assess the potential capabilities of the 3PL partners during the presentation and interviews:</a:t>
+                        <a:t>At least three (3) 3PL partners will be selected as potential partners in WBS element 1.1.1.8. Out of the three potential partners, one will be selected to be the 3PL business partner. The following categories will be used to assess the potential capabilities of the 3PL partners during the presentation and interviews:</a:t>
                       </a:r>
                       <a:endParaRPr lang="en-US" sz="1600" dirty="0">
                         <a:latin typeface="Times New Roman"/>
@@ -20771,7 +20775,7 @@
                         <a:buChar char=""/>
                       </a:pPr>
                       <a:r>
-                        <a:rPr lang="en-US" sz="1600" dirty="0" smtClean="0">
+                        <a:rPr lang="en-US" sz="1600" dirty="0">
                           <a:latin typeface="Calibri"/>
                           <a:ea typeface="Times New Roman"/>
                         </a:rPr>
@@ -20798,14 +20802,7 @@
                           <a:latin typeface="Calibri"/>
                           <a:ea typeface="Times New Roman"/>
                         </a:rPr>
-                        <a:t>Services including remote depots, security, scalability, availability, delivery metrics; reverse logistics, </a:t>
-                      </a:r>
-                      <a:r>
-                        <a:rPr lang="en-US" sz="1600" dirty="0" smtClean="0">
-                          <a:latin typeface="Calibri"/>
-                          <a:ea typeface="Times New Roman"/>
-                        </a:rPr>
-                        <a:t>etc</a:t>
+                        <a:t>Services including remote depots, security, scalability, availability, delivery metrics; reverse logistics, etc</a:t>
                       </a:r>
                       <a:endParaRPr lang="en-US" sz="1600" dirty="0">
                         <a:latin typeface="Times New Roman"/>
@@ -20824,7 +20821,7 @@
                         <a:buChar char=""/>
                       </a:pPr>
                       <a:r>
-                        <a:rPr lang="en-US" sz="1600" dirty="0" smtClean="0">
+                        <a:rPr lang="en-US" sz="1600" dirty="0">
                           <a:latin typeface="Calibri"/>
                           <a:ea typeface="Times New Roman"/>
                         </a:rPr>
@@ -20851,14 +20848,7 @@
                           <a:latin typeface="Calibri"/>
                           <a:ea typeface="Times New Roman"/>
                         </a:rPr>
-                        <a:t>Performance  including on-time delivery, inventory carrying rate, delivery </a:t>
-                      </a:r>
-                      <a:r>
-                        <a:rPr lang="en-US" sz="1600" dirty="0" smtClean="0">
-                          <a:latin typeface="Calibri"/>
-                          <a:ea typeface="Times New Roman"/>
-                        </a:rPr>
-                        <a:t>quality</a:t>
+                        <a:t>Performance  including on-time delivery, inventory carrying rate, delivery quality</a:t>
                       </a:r>
                       <a:endParaRPr lang="en-US" sz="1600" dirty="0">
                         <a:latin typeface="Times New Roman"/>
@@ -20881,14 +20871,7 @@
                           <a:latin typeface="Calibri"/>
                           <a:ea typeface="Times New Roman"/>
                         </a:rPr>
-                        <a:t>Quality including ISO certification, storing inventory, packaging, </a:t>
-                      </a:r>
-                      <a:r>
-                        <a:rPr lang="en-US" sz="1600" dirty="0" smtClean="0">
-                          <a:latin typeface="Calibri"/>
-                          <a:ea typeface="Times New Roman"/>
-                        </a:rPr>
-                        <a:t>etc</a:t>
+                        <a:t>Quality including ISO certification, storing inventory, packaging, etc</a:t>
                       </a:r>
                       <a:endParaRPr lang="en-US" sz="1600" dirty="0">
                         <a:latin typeface="Times New Roman"/>
@@ -20911,14 +20894,7 @@
                           <a:latin typeface="Calibri"/>
                           <a:ea typeface="Times New Roman"/>
                         </a:rPr>
-                        <a:t>Logistics software and </a:t>
-                      </a:r>
-                      <a:r>
-                        <a:rPr lang="en-US" sz="1600" dirty="0" smtClean="0">
-                          <a:latin typeface="Calibri"/>
-                          <a:ea typeface="Times New Roman"/>
-                        </a:rPr>
-                        <a:t>intelligence</a:t>
+                        <a:t>Logistics software and intelligence</a:t>
                       </a:r>
                       <a:endParaRPr lang="en-US" sz="1600" dirty="0">
                         <a:latin typeface="Times New Roman"/>
@@ -20941,14 +20917,7 @@
                           <a:latin typeface="Calibri"/>
                           <a:ea typeface="Times New Roman"/>
                         </a:rPr>
-                        <a:t>General information and </a:t>
-                      </a:r>
-                      <a:r>
-                        <a:rPr lang="en-US" sz="1600" dirty="0" smtClean="0">
-                          <a:latin typeface="Calibri"/>
-                          <a:ea typeface="Times New Roman"/>
-                        </a:rPr>
-                        <a:t>references</a:t>
+                        <a:t>General information and references</a:t>
                       </a:r>
                       <a:endParaRPr lang="en-US" sz="1600" dirty="0">
                         <a:latin typeface="Times New Roman"/>
@@ -21005,6 +20974,11 @@
                   </a:txBody>
                   <a:tcPr/>
                 </a:tc>
+                <a:extLst>
+                  <a:ext uri="{0D108BD9-81ED-4DB2-BD59-A6C34878D82A}">
+                    <a16:rowId xmlns:a16="http://schemas.microsoft.com/office/drawing/2014/main" val="10006"/>
+                  </a:ext>
+                </a:extLst>
               </a:tr>
             </a:tbl>
           </a:graphicData>
@@ -21091,7 +21065,7 @@
           <a:lstStyle/>
           <a:p>
             <a:r>
-              <a:rPr lang="en-US" smtClean="0"/>
+              <a:rPr lang="en-US"/>
               <a:t>Copyright © 2013 Pearson Education, Inc. Publishing as Prentice Hall</a:t>
             </a:r>
           </a:p>
@@ -21119,7 +21093,7 @@
           <a:p>
             <a:pPr eaLnBrk="1" hangingPunct="1"/>
             <a:r>
-              <a:rPr lang="en-US" smtClean="0"/>
+              <a:rPr lang="en-US"/>
               <a:t>Responsibility Matrix</a:t>
             </a:r>
           </a:p>
@@ -21142,14 +21116,62 @@
             <a:tbl>
               <a:tblPr/>
               <a:tblGrid>
-                <a:gridCol w="3209536"/>
-                <a:gridCol w="731518"/>
-                <a:gridCol w="731518"/>
-                <a:gridCol w="731518"/>
-                <a:gridCol w="824596"/>
-                <a:gridCol w="777922"/>
-                <a:gridCol w="559558"/>
-                <a:gridCol w="873723"/>
+                <a:gridCol w="3209536">
+                  <a:extLst>
+                    <a:ext uri="{9D8B030D-6E8A-4147-A177-3AD203B41FA5}">
+                      <a16:colId xmlns:a16="http://schemas.microsoft.com/office/drawing/2014/main" val="20000"/>
+                    </a:ext>
+                  </a:extLst>
+                </a:gridCol>
+                <a:gridCol w="731518">
+                  <a:extLst>
+                    <a:ext uri="{9D8B030D-6E8A-4147-A177-3AD203B41FA5}">
+                      <a16:colId xmlns:a16="http://schemas.microsoft.com/office/drawing/2014/main" val="20001"/>
+                    </a:ext>
+                  </a:extLst>
+                </a:gridCol>
+                <a:gridCol w="731518">
+                  <a:extLst>
+                    <a:ext uri="{9D8B030D-6E8A-4147-A177-3AD203B41FA5}">
+                      <a16:colId xmlns:a16="http://schemas.microsoft.com/office/drawing/2014/main" val="20002"/>
+                    </a:ext>
+                  </a:extLst>
+                </a:gridCol>
+                <a:gridCol w="731518">
+                  <a:extLst>
+                    <a:ext uri="{9D8B030D-6E8A-4147-A177-3AD203B41FA5}">
+                      <a16:colId xmlns:a16="http://schemas.microsoft.com/office/drawing/2014/main" val="20003"/>
+                    </a:ext>
+                  </a:extLst>
+                </a:gridCol>
+                <a:gridCol w="824596">
+                  <a:extLst>
+                    <a:ext uri="{9D8B030D-6E8A-4147-A177-3AD203B41FA5}">
+                      <a16:colId xmlns:a16="http://schemas.microsoft.com/office/drawing/2014/main" val="20004"/>
+                    </a:ext>
+                  </a:extLst>
+                </a:gridCol>
+                <a:gridCol w="777922">
+                  <a:extLst>
+                    <a:ext uri="{9D8B030D-6E8A-4147-A177-3AD203B41FA5}">
+                      <a16:colId xmlns:a16="http://schemas.microsoft.com/office/drawing/2014/main" val="20005"/>
+                    </a:ext>
+                  </a:extLst>
+                </a:gridCol>
+                <a:gridCol w="559558">
+                  <a:extLst>
+                    <a:ext uri="{9D8B030D-6E8A-4147-A177-3AD203B41FA5}">
+                      <a16:colId xmlns:a16="http://schemas.microsoft.com/office/drawing/2014/main" val="20006"/>
+                    </a:ext>
+                  </a:extLst>
+                </a:gridCol>
+                <a:gridCol w="873723">
+                  <a:extLst>
+                    <a:ext uri="{9D8B030D-6E8A-4147-A177-3AD203B41FA5}">
+                      <a16:colId xmlns:a16="http://schemas.microsoft.com/office/drawing/2014/main" val="20007"/>
+                    </a:ext>
+                  </a:extLst>
+                </a:gridCol>
               </a:tblGrid>
               <a:tr h="398585">
                 <a:tc>
@@ -21632,6 +21654,11 @@
                     </a:solidFill>
                   </a:tcPr>
                 </a:tc>
+                <a:extLst>
+                  <a:ext uri="{0D108BD9-81ED-4DB2-BD59-A6C34878D82A}">
+                    <a16:rowId xmlns:a16="http://schemas.microsoft.com/office/drawing/2014/main" val="10000"/>
+                  </a:ext>
+                </a:extLst>
               </a:tr>
               <a:tr h="199292">
                 <a:tc>
@@ -21982,6 +22009,11 @@
                     </a:lnB>
                   </a:tcPr>
                 </a:tc>
+                <a:extLst>
+                  <a:ext uri="{0D108BD9-81ED-4DB2-BD59-A6C34878D82A}">
+                    <a16:rowId xmlns:a16="http://schemas.microsoft.com/office/drawing/2014/main" val="10001"/>
+                  </a:ext>
+                </a:extLst>
               </a:tr>
               <a:tr h="199292">
                 <a:tc>
@@ -22312,6 +22344,11 @@
                     </a:solidFill>
                   </a:tcPr>
                 </a:tc>
+                <a:extLst>
+                  <a:ext uri="{0D108BD9-81ED-4DB2-BD59-A6C34878D82A}">
+                    <a16:rowId xmlns:a16="http://schemas.microsoft.com/office/drawing/2014/main" val="10002"/>
+                  </a:ext>
+                </a:extLst>
               </a:tr>
               <a:tr h="199292">
                 <a:tc>
@@ -22621,6 +22658,11 @@
                     </a:lnB>
                   </a:tcPr>
                 </a:tc>
+                <a:extLst>
+                  <a:ext uri="{0D108BD9-81ED-4DB2-BD59-A6C34878D82A}">
+                    <a16:rowId xmlns:a16="http://schemas.microsoft.com/office/drawing/2014/main" val="10003"/>
+                  </a:ext>
+                </a:extLst>
               </a:tr>
               <a:tr h="199292">
                 <a:tc>
@@ -22958,6 +23000,11 @@
                     </a:solidFill>
                   </a:tcPr>
                 </a:tc>
+                <a:extLst>
+                  <a:ext uri="{0D108BD9-81ED-4DB2-BD59-A6C34878D82A}">
+                    <a16:rowId xmlns:a16="http://schemas.microsoft.com/office/drawing/2014/main" val="10004"/>
+                  </a:ext>
+                </a:extLst>
               </a:tr>
               <a:tr h="0">
                 <a:tc>
@@ -23260,6 +23307,11 @@
                     </a:lnB>
                   </a:tcPr>
                 </a:tc>
+                <a:extLst>
+                  <a:ext uri="{0D108BD9-81ED-4DB2-BD59-A6C34878D82A}">
+                    <a16:rowId xmlns:a16="http://schemas.microsoft.com/office/drawing/2014/main" val="10005"/>
+                  </a:ext>
+                </a:extLst>
               </a:tr>
               <a:tr h="199292">
                 <a:tc>
@@ -23590,6 +23642,11 @@
                     </a:solidFill>
                   </a:tcPr>
                 </a:tc>
+                <a:extLst>
+                  <a:ext uri="{0D108BD9-81ED-4DB2-BD59-A6C34878D82A}">
+                    <a16:rowId xmlns:a16="http://schemas.microsoft.com/office/drawing/2014/main" val="10006"/>
+                  </a:ext>
+                </a:extLst>
               </a:tr>
               <a:tr h="199292">
                 <a:tc>
@@ -23899,6 +23956,11 @@
                     </a:lnB>
                   </a:tcPr>
                 </a:tc>
+                <a:extLst>
+                  <a:ext uri="{0D108BD9-81ED-4DB2-BD59-A6C34878D82A}">
+                    <a16:rowId xmlns:a16="http://schemas.microsoft.com/office/drawing/2014/main" val="10007"/>
+                  </a:ext>
+                </a:extLst>
               </a:tr>
               <a:tr h="199292">
                 <a:tc>
@@ -24222,6 +24284,11 @@
                     </a:solidFill>
                   </a:tcPr>
                 </a:tc>
+                <a:extLst>
+                  <a:ext uri="{0D108BD9-81ED-4DB2-BD59-A6C34878D82A}">
+                    <a16:rowId xmlns:a16="http://schemas.microsoft.com/office/drawing/2014/main" val="10008"/>
+                  </a:ext>
+                </a:extLst>
               </a:tr>
               <a:tr h="199292">
                 <a:tc>
@@ -24531,6 +24598,11 @@
                     </a:lnB>
                   </a:tcPr>
                 </a:tc>
+                <a:extLst>
+                  <a:ext uri="{0D108BD9-81ED-4DB2-BD59-A6C34878D82A}">
+                    <a16:rowId xmlns:a16="http://schemas.microsoft.com/office/drawing/2014/main" val="10009"/>
+                  </a:ext>
+                </a:extLst>
               </a:tr>
               <a:tr h="199292">
                 <a:tc gridSpan="8">
@@ -24657,6 +24729,11 @@
                   </a:txBody>
                   <a:tcPr/>
                 </a:tc>
+                <a:extLst>
+                  <a:ext uri="{0D108BD9-81ED-4DB2-BD59-A6C34878D82A}">
+                    <a16:rowId xmlns:a16="http://schemas.microsoft.com/office/drawing/2014/main" val="10010"/>
+                  </a:ext>
+                </a:extLst>
               </a:tr>
             </a:tbl>
           </a:graphicData>
@@ -24743,7 +24820,7 @@
           <a:lstStyle/>
           <a:p>
             <a:r>
-              <a:rPr lang="en-US" smtClean="0"/>
+              <a:rPr lang="en-US"/>
               <a:t>Copyright © 2013 Pearson Education, Inc. Publishing as Prentice Hall</a:t>
             </a:r>
           </a:p>
@@ -24771,7 +24848,7 @@
           <a:p>
             <a:pPr eaLnBrk="1" hangingPunct="1"/>
             <a:r>
-              <a:rPr lang="en-US" smtClean="0"/>
+              <a:rPr lang="en-US"/>
               <a:t>RACI</a:t>
             </a:r>
           </a:p>
@@ -24794,14 +24871,62 @@
             <a:tbl>
               <a:tblPr/>
               <a:tblGrid>
-                <a:gridCol w="3216642"/>
-                <a:gridCol w="733138"/>
-                <a:gridCol w="733138"/>
-                <a:gridCol w="733138"/>
-                <a:gridCol w="800917"/>
-                <a:gridCol w="665359"/>
-                <a:gridCol w="868565"/>
-                <a:gridCol w="721937"/>
+                <a:gridCol w="3216642">
+                  <a:extLst>
+                    <a:ext uri="{9D8B030D-6E8A-4147-A177-3AD203B41FA5}">
+                      <a16:colId xmlns:a16="http://schemas.microsoft.com/office/drawing/2014/main" val="20000"/>
+                    </a:ext>
+                  </a:extLst>
+                </a:gridCol>
+                <a:gridCol w="733138">
+                  <a:extLst>
+                    <a:ext uri="{9D8B030D-6E8A-4147-A177-3AD203B41FA5}">
+                      <a16:colId xmlns:a16="http://schemas.microsoft.com/office/drawing/2014/main" val="20001"/>
+                    </a:ext>
+                  </a:extLst>
+                </a:gridCol>
+                <a:gridCol w="733138">
+                  <a:extLst>
+                    <a:ext uri="{9D8B030D-6E8A-4147-A177-3AD203B41FA5}">
+                      <a16:colId xmlns:a16="http://schemas.microsoft.com/office/drawing/2014/main" val="20002"/>
+                    </a:ext>
+                  </a:extLst>
+                </a:gridCol>
+                <a:gridCol w="733138">
+                  <a:extLst>
+                    <a:ext uri="{9D8B030D-6E8A-4147-A177-3AD203B41FA5}">
+                      <a16:colId xmlns:a16="http://schemas.microsoft.com/office/drawing/2014/main" val="20003"/>
+                    </a:ext>
+                  </a:extLst>
+                </a:gridCol>
+                <a:gridCol w="800917">
+                  <a:extLst>
+                    <a:ext uri="{9D8B030D-6E8A-4147-A177-3AD203B41FA5}">
+                      <a16:colId xmlns:a16="http://schemas.microsoft.com/office/drawing/2014/main" val="20004"/>
+                    </a:ext>
+                  </a:extLst>
+                </a:gridCol>
+                <a:gridCol w="665359">
+                  <a:extLst>
+                    <a:ext uri="{9D8B030D-6E8A-4147-A177-3AD203B41FA5}">
+                      <a16:colId xmlns:a16="http://schemas.microsoft.com/office/drawing/2014/main" val="20005"/>
+                    </a:ext>
+                  </a:extLst>
+                </a:gridCol>
+                <a:gridCol w="868565">
+                  <a:extLst>
+                    <a:ext uri="{9D8B030D-6E8A-4147-A177-3AD203B41FA5}">
+                      <a16:colId xmlns:a16="http://schemas.microsoft.com/office/drawing/2014/main" val="20006"/>
+                    </a:ext>
+                  </a:extLst>
+                </a:gridCol>
+                <a:gridCol w="721937">
+                  <a:extLst>
+                    <a:ext uri="{9D8B030D-6E8A-4147-A177-3AD203B41FA5}">
+                      <a16:colId xmlns:a16="http://schemas.microsoft.com/office/drawing/2014/main" val="20007"/>
+                    </a:ext>
+                  </a:extLst>
+                </a:gridCol>
               </a:tblGrid>
               <a:tr h="237595">
                 <a:tc>
@@ -25276,6 +25401,11 @@
                     </a:solidFill>
                   </a:tcPr>
                 </a:tc>
+                <a:extLst>
+                  <a:ext uri="{0D108BD9-81ED-4DB2-BD59-A6C34878D82A}">
+                    <a16:rowId xmlns:a16="http://schemas.microsoft.com/office/drawing/2014/main" val="10000"/>
+                  </a:ext>
+                </a:extLst>
               </a:tr>
               <a:tr h="237595">
                 <a:tc>
@@ -25639,6 +25769,11 @@
                     </a:lnB>
                   </a:tcPr>
                 </a:tc>
+                <a:extLst>
+                  <a:ext uri="{0D108BD9-81ED-4DB2-BD59-A6C34878D82A}">
+                    <a16:rowId xmlns:a16="http://schemas.microsoft.com/office/drawing/2014/main" val="10001"/>
+                  </a:ext>
+                </a:extLst>
               </a:tr>
               <a:tr h="237595">
                 <a:tc>
@@ -25968,6 +26103,11 @@
                     </a:solidFill>
                   </a:tcPr>
                 </a:tc>
+                <a:extLst>
+                  <a:ext uri="{0D108BD9-81ED-4DB2-BD59-A6C34878D82A}">
+                    <a16:rowId xmlns:a16="http://schemas.microsoft.com/office/drawing/2014/main" val="10002"/>
+                  </a:ext>
+                </a:extLst>
               </a:tr>
               <a:tr h="237595">
                 <a:tc>
@@ -26276,6 +26416,11 @@
                     </a:lnB>
                   </a:tcPr>
                 </a:tc>
+                <a:extLst>
+                  <a:ext uri="{0D108BD9-81ED-4DB2-BD59-A6C34878D82A}">
+                    <a16:rowId xmlns:a16="http://schemas.microsoft.com/office/drawing/2014/main" val="10003"/>
+                  </a:ext>
+                </a:extLst>
               </a:tr>
               <a:tr h="237595">
                 <a:tc>
@@ -26612,6 +26757,11 @@
                     </a:solidFill>
                   </a:tcPr>
                 </a:tc>
+                <a:extLst>
+                  <a:ext uri="{0D108BD9-81ED-4DB2-BD59-A6C34878D82A}">
+                    <a16:rowId xmlns:a16="http://schemas.microsoft.com/office/drawing/2014/main" val="10004"/>
+                  </a:ext>
+                </a:extLst>
               </a:tr>
               <a:tr h="237595">
                 <a:tc>
@@ -26920,6 +27070,11 @@
                     </a:lnB>
                   </a:tcPr>
                 </a:tc>
+                <a:extLst>
+                  <a:ext uri="{0D108BD9-81ED-4DB2-BD59-A6C34878D82A}">
+                    <a16:rowId xmlns:a16="http://schemas.microsoft.com/office/drawing/2014/main" val="10005"/>
+                  </a:ext>
+                </a:extLst>
               </a:tr>
               <a:tr h="237595">
                 <a:tc>
@@ -27256,6 +27411,11 @@
                     </a:solidFill>
                   </a:tcPr>
                 </a:tc>
+                <a:extLst>
+                  <a:ext uri="{0D108BD9-81ED-4DB2-BD59-A6C34878D82A}">
+                    <a16:rowId xmlns:a16="http://schemas.microsoft.com/office/drawing/2014/main" val="10006"/>
+                  </a:ext>
+                </a:extLst>
               </a:tr>
               <a:tr h="237595">
                 <a:tc>
@@ -27571,6 +27731,11 @@
                     </a:lnB>
                   </a:tcPr>
                 </a:tc>
+                <a:extLst>
+                  <a:ext uri="{0D108BD9-81ED-4DB2-BD59-A6C34878D82A}">
+                    <a16:rowId xmlns:a16="http://schemas.microsoft.com/office/drawing/2014/main" val="10007"/>
+                  </a:ext>
+                </a:extLst>
               </a:tr>
               <a:tr h="237595">
                 <a:tc>
@@ -27893,6 +28058,11 @@
                     </a:solidFill>
                   </a:tcPr>
                 </a:tc>
+                <a:extLst>
+                  <a:ext uri="{0D108BD9-81ED-4DB2-BD59-A6C34878D82A}">
+                    <a16:rowId xmlns:a16="http://schemas.microsoft.com/office/drawing/2014/main" val="10008"/>
+                  </a:ext>
+                </a:extLst>
               </a:tr>
               <a:tr h="237595">
                 <a:tc>
@@ -28242,6 +28412,11 @@
                     </a:lnB>
                   </a:tcPr>
                 </a:tc>
+                <a:extLst>
+                  <a:ext uri="{0D108BD9-81ED-4DB2-BD59-A6C34878D82A}">
+                    <a16:rowId xmlns:a16="http://schemas.microsoft.com/office/drawing/2014/main" val="10009"/>
+                  </a:ext>
+                </a:extLst>
               </a:tr>
             </a:tbl>
           </a:graphicData>
@@ -28328,7 +28503,7 @@
           <a:lstStyle/>
           <a:p>
             <a:r>
-              <a:rPr lang="en-US" smtClean="0"/>
+              <a:rPr lang="en-US"/>
               <a:t>Copyright © 2013 Pearson Education, Inc. Publishing as Prentice Hall</a:t>
             </a:r>
           </a:p>
@@ -28356,7 +28531,7 @@
           <a:p>
             <a:pPr eaLnBrk="1" hangingPunct="1"/>
             <a:r>
-              <a:rPr lang="en-US" smtClean="0"/>
+              <a:rPr lang="en-US"/>
               <a:t>Procurement process</a:t>
             </a:r>
           </a:p>
@@ -28475,7 +28650,7 @@
           <a:lstStyle/>
           <a:p>
             <a:r>
-              <a:rPr lang="en-US" smtClean="0"/>
+              <a:rPr lang="en-US"/>
               <a:t>Copyright © 2013 Pearson Education, Inc. Publishing as Prentice Hall</a:t>
             </a:r>
           </a:p>
@@ -28503,7 +28678,7 @@
           <a:p>
             <a:pPr eaLnBrk="1" hangingPunct="1"/>
             <a:r>
-              <a:rPr lang="en-US" smtClean="0"/>
+              <a:rPr lang="en-US"/>
               <a:t>Scorecard</a:t>
             </a:r>
           </a:p>
@@ -28526,11 +28701,41 @@
             <a:tbl>
               <a:tblPr/>
               <a:tblGrid>
-                <a:gridCol w="1721443"/>
-                <a:gridCol w="622622"/>
-                <a:gridCol w="815693"/>
-                <a:gridCol w="756088"/>
-                <a:gridCol w="935554"/>
+                <a:gridCol w="1721443">
+                  <a:extLst>
+                    <a:ext uri="{9D8B030D-6E8A-4147-A177-3AD203B41FA5}">
+                      <a16:colId xmlns:a16="http://schemas.microsoft.com/office/drawing/2014/main" val="20000"/>
+                    </a:ext>
+                  </a:extLst>
+                </a:gridCol>
+                <a:gridCol w="622622">
+                  <a:extLst>
+                    <a:ext uri="{9D8B030D-6E8A-4147-A177-3AD203B41FA5}">
+                      <a16:colId xmlns:a16="http://schemas.microsoft.com/office/drawing/2014/main" val="20001"/>
+                    </a:ext>
+                  </a:extLst>
+                </a:gridCol>
+                <a:gridCol w="815693">
+                  <a:extLst>
+                    <a:ext uri="{9D8B030D-6E8A-4147-A177-3AD203B41FA5}">
+                      <a16:colId xmlns:a16="http://schemas.microsoft.com/office/drawing/2014/main" val="20002"/>
+                    </a:ext>
+                  </a:extLst>
+                </a:gridCol>
+                <a:gridCol w="756088">
+                  <a:extLst>
+                    <a:ext uri="{9D8B030D-6E8A-4147-A177-3AD203B41FA5}">
+                      <a16:colId xmlns:a16="http://schemas.microsoft.com/office/drawing/2014/main" val="20003"/>
+                    </a:ext>
+                  </a:extLst>
+                </a:gridCol>
+                <a:gridCol w="935554">
+                  <a:extLst>
+                    <a:ext uri="{9D8B030D-6E8A-4147-A177-3AD203B41FA5}">
+                      <a16:colId xmlns:a16="http://schemas.microsoft.com/office/drawing/2014/main" val="20004"/>
+                    </a:ext>
+                  </a:extLst>
+                </a:gridCol>
               </a:tblGrid>
               <a:tr h="262194">
                 <a:tc>
@@ -28869,6 +29074,11 @@
                     </a:lnB>
                   </a:tcPr>
                 </a:tc>
+                <a:extLst>
+                  <a:ext uri="{0D108BD9-81ED-4DB2-BD59-A6C34878D82A}">
+                    <a16:rowId xmlns:a16="http://schemas.microsoft.com/office/drawing/2014/main" val="10000"/>
+                  </a:ext>
+                </a:extLst>
               </a:tr>
               <a:tr h="524387">
                 <a:tc>
@@ -29462,6 +29672,11 @@
                     </a:lnB>
                   </a:tcPr>
                 </a:tc>
+                <a:extLst>
+                  <a:ext uri="{0D108BD9-81ED-4DB2-BD59-A6C34878D82A}">
+                    <a16:rowId xmlns:a16="http://schemas.microsoft.com/office/drawing/2014/main" val="10001"/>
+                  </a:ext>
+                </a:extLst>
               </a:tr>
               <a:tr h="393290">
                 <a:tc>
@@ -29964,6 +30179,11 @@
                     </a:lnB>
                   </a:tcPr>
                 </a:tc>
+                <a:extLst>
+                  <a:ext uri="{0D108BD9-81ED-4DB2-BD59-A6C34878D82A}">
+                    <a16:rowId xmlns:a16="http://schemas.microsoft.com/office/drawing/2014/main" val="10002"/>
+                  </a:ext>
+                </a:extLst>
               </a:tr>
               <a:tr h="524387">
                 <a:tc>
@@ -30557,6 +30777,11 @@
                     </a:lnB>
                   </a:tcPr>
                 </a:tc>
+                <a:extLst>
+                  <a:ext uri="{0D108BD9-81ED-4DB2-BD59-A6C34878D82A}">
+                    <a16:rowId xmlns:a16="http://schemas.microsoft.com/office/drawing/2014/main" val="10003"/>
+                  </a:ext>
+                </a:extLst>
               </a:tr>
               <a:tr h="655484">
                 <a:tc>
@@ -31241,6 +31466,11 @@
                     </a:lnB>
                   </a:tcPr>
                 </a:tc>
+                <a:extLst>
+                  <a:ext uri="{0D108BD9-81ED-4DB2-BD59-A6C34878D82A}">
+                    <a16:rowId xmlns:a16="http://schemas.microsoft.com/office/drawing/2014/main" val="10004"/>
+                  </a:ext>
+                </a:extLst>
               </a:tr>
               <a:tr h="393290">
                 <a:tc>
@@ -31743,6 +31973,11 @@
                     </a:lnB>
                   </a:tcPr>
                 </a:tc>
+                <a:extLst>
+                  <a:ext uri="{0D108BD9-81ED-4DB2-BD59-A6C34878D82A}">
+                    <a16:rowId xmlns:a16="http://schemas.microsoft.com/office/drawing/2014/main" val="10005"/>
+                  </a:ext>
+                </a:extLst>
               </a:tr>
               <a:tr h="655484">
                 <a:tc>
@@ -32336,6 +32571,11 @@
                     </a:lnB>
                   </a:tcPr>
                 </a:tc>
+                <a:extLst>
+                  <a:ext uri="{0D108BD9-81ED-4DB2-BD59-A6C34878D82A}">
+                    <a16:rowId xmlns:a16="http://schemas.microsoft.com/office/drawing/2014/main" val="10006"/>
+                  </a:ext>
+                </a:extLst>
               </a:tr>
               <a:tr h="524387">
                 <a:tc>
@@ -32929,6 +33169,11 @@
                     </a:lnB>
                   </a:tcPr>
                 </a:tc>
+                <a:extLst>
+                  <a:ext uri="{0D108BD9-81ED-4DB2-BD59-A6C34878D82A}">
+                    <a16:rowId xmlns:a16="http://schemas.microsoft.com/office/drawing/2014/main" val="10007"/>
+                  </a:ext>
+                </a:extLst>
               </a:tr>
               <a:tr h="131097">
                 <a:tc>
@@ -33263,6 +33508,11 @@
                     </a:solidFill>
                   </a:tcPr>
                 </a:tc>
+                <a:extLst>
+                  <a:ext uri="{0D108BD9-81ED-4DB2-BD59-A6C34878D82A}">
+                    <a16:rowId xmlns:a16="http://schemas.microsoft.com/office/drawing/2014/main" val="10008"/>
+                  </a:ext>
+                </a:extLst>
               </a:tr>
             </a:tbl>
           </a:graphicData>
@@ -33425,7 +33675,7 @@
           <a:lstStyle/>
           <a:p>
             <a:r>
-              <a:rPr lang="en-US" smtClean="0"/>
+              <a:rPr lang="en-US"/>
               <a:t>Copyright © 2013 Pearson Education, Inc. Publishing as Prentice Hall</a:t>
             </a:r>
           </a:p>
@@ -33453,7 +33703,7 @@
           <a:p>
             <a:pPr eaLnBrk="1" hangingPunct="1"/>
             <a:r>
-              <a:rPr lang="en-US" smtClean="0"/>
+              <a:rPr lang="en-US"/>
               <a:t>Make or Buy</a:t>
             </a:r>
           </a:p>
@@ -33476,10 +33726,34 @@
             <a:tbl>
               <a:tblPr/>
               <a:tblGrid>
-                <a:gridCol w="887518"/>
-                <a:gridCol w="2716170"/>
-                <a:gridCol w="2318042"/>
-                <a:gridCol w="1958700"/>
+                <a:gridCol w="887518">
+                  <a:extLst>
+                    <a:ext uri="{9D8B030D-6E8A-4147-A177-3AD203B41FA5}">
+                      <a16:colId xmlns:a16="http://schemas.microsoft.com/office/drawing/2014/main" val="20000"/>
+                    </a:ext>
+                  </a:extLst>
+                </a:gridCol>
+                <a:gridCol w="2716170">
+                  <a:extLst>
+                    <a:ext uri="{9D8B030D-6E8A-4147-A177-3AD203B41FA5}">
+                      <a16:colId xmlns:a16="http://schemas.microsoft.com/office/drawing/2014/main" val="20001"/>
+                    </a:ext>
+                  </a:extLst>
+                </a:gridCol>
+                <a:gridCol w="2318042">
+                  <a:extLst>
+                    <a:ext uri="{9D8B030D-6E8A-4147-A177-3AD203B41FA5}">
+                      <a16:colId xmlns:a16="http://schemas.microsoft.com/office/drawing/2014/main" val="20002"/>
+                    </a:ext>
+                  </a:extLst>
+                </a:gridCol>
+                <a:gridCol w="1958700">
+                  <a:extLst>
+                    <a:ext uri="{9D8B030D-6E8A-4147-A177-3AD203B41FA5}">
+                      <a16:colId xmlns:a16="http://schemas.microsoft.com/office/drawing/2014/main" val="20003"/>
+                    </a:ext>
+                  </a:extLst>
+                </a:gridCol>
               </a:tblGrid>
               <a:tr h="210591">
                 <a:tc>
@@ -33766,6 +34040,11 @@
                     </a:solidFill>
                   </a:tcPr>
                 </a:tc>
+                <a:extLst>
+                  <a:ext uri="{0D108BD9-81ED-4DB2-BD59-A6C34878D82A}">
+                    <a16:rowId xmlns:a16="http://schemas.microsoft.com/office/drawing/2014/main" val="10000"/>
+                  </a:ext>
+                </a:extLst>
               </a:tr>
               <a:tr h="210591">
                 <a:tc>
@@ -34049,6 +34328,11 @@
                     </a:solidFill>
                   </a:tcPr>
                 </a:tc>
+                <a:extLst>
+                  <a:ext uri="{0D108BD9-81ED-4DB2-BD59-A6C34878D82A}">
+                    <a16:rowId xmlns:a16="http://schemas.microsoft.com/office/drawing/2014/main" val="10001"/>
+                  </a:ext>
+                </a:extLst>
               </a:tr>
               <a:tr h="210591">
                 <a:tc>
@@ -34326,6 +34610,11 @@
                     </a:lnB>
                   </a:tcPr>
                 </a:tc>
+                <a:extLst>
+                  <a:ext uri="{0D108BD9-81ED-4DB2-BD59-A6C34878D82A}">
+                    <a16:rowId xmlns:a16="http://schemas.microsoft.com/office/drawing/2014/main" val="10002"/>
+                  </a:ext>
+                </a:extLst>
               </a:tr>
               <a:tr h="210591">
                 <a:tc>
@@ -34603,6 +34892,11 @@
                     </a:lnB>
                   </a:tcPr>
                 </a:tc>
+                <a:extLst>
+                  <a:ext uri="{0D108BD9-81ED-4DB2-BD59-A6C34878D82A}">
+                    <a16:rowId xmlns:a16="http://schemas.microsoft.com/office/drawing/2014/main" val="10003"/>
+                  </a:ext>
+                </a:extLst>
               </a:tr>
               <a:tr h="210591">
                 <a:tc>
@@ -34880,6 +35174,11 @@
                     </a:lnB>
                   </a:tcPr>
                 </a:tc>
+                <a:extLst>
+                  <a:ext uri="{0D108BD9-81ED-4DB2-BD59-A6C34878D82A}">
+                    <a16:rowId xmlns:a16="http://schemas.microsoft.com/office/drawing/2014/main" val="10004"/>
+                  </a:ext>
+                </a:extLst>
               </a:tr>
               <a:tr h="210591">
                 <a:tc>
@@ -35157,6 +35456,11 @@
                     </a:lnB>
                   </a:tcPr>
                 </a:tc>
+                <a:extLst>
+                  <a:ext uri="{0D108BD9-81ED-4DB2-BD59-A6C34878D82A}">
+                    <a16:rowId xmlns:a16="http://schemas.microsoft.com/office/drawing/2014/main" val="10005"/>
+                  </a:ext>
+                </a:extLst>
               </a:tr>
               <a:tr h="210591">
                 <a:tc>
@@ -35434,6 +35738,11 @@
                     </a:lnB>
                   </a:tcPr>
                 </a:tc>
+                <a:extLst>
+                  <a:ext uri="{0D108BD9-81ED-4DB2-BD59-A6C34878D82A}">
+                    <a16:rowId xmlns:a16="http://schemas.microsoft.com/office/drawing/2014/main" val="10006"/>
+                  </a:ext>
+                </a:extLst>
               </a:tr>
               <a:tr h="210591">
                 <a:tc>
@@ -35711,6 +36020,11 @@
                     </a:lnB>
                   </a:tcPr>
                 </a:tc>
+                <a:extLst>
+                  <a:ext uri="{0D108BD9-81ED-4DB2-BD59-A6C34878D82A}">
+                    <a16:rowId xmlns:a16="http://schemas.microsoft.com/office/drawing/2014/main" val="10007"/>
+                  </a:ext>
+                </a:extLst>
               </a:tr>
               <a:tr h="210591">
                 <a:tc>
@@ -35988,6 +36302,11 @@
                     </a:lnB>
                   </a:tcPr>
                 </a:tc>
+                <a:extLst>
+                  <a:ext uri="{0D108BD9-81ED-4DB2-BD59-A6C34878D82A}">
+                    <a16:rowId xmlns:a16="http://schemas.microsoft.com/office/drawing/2014/main" val="10008"/>
+                  </a:ext>
+                </a:extLst>
               </a:tr>
               <a:tr h="210591">
                 <a:tc>
@@ -36274,6 +36593,11 @@
                     </a:solidFill>
                   </a:tcPr>
                 </a:tc>
+                <a:extLst>
+                  <a:ext uri="{0D108BD9-81ED-4DB2-BD59-A6C34878D82A}">
+                    <a16:rowId xmlns:a16="http://schemas.microsoft.com/office/drawing/2014/main" val="10009"/>
+                  </a:ext>
+                </a:extLst>
               </a:tr>
             </a:tbl>
           </a:graphicData>
@@ -36360,7 +36684,7 @@
           <a:lstStyle/>
           <a:p>
             <a:r>
-              <a:rPr lang="en-US" smtClean="0"/>
+              <a:rPr lang="en-US"/>
               <a:t>Copyright © 2013 Pearson Education, Inc. Publishing as Prentice Hall</a:t>
             </a:r>
           </a:p>
@@ -36388,7 +36712,7 @@
           <a:p>
             <a:pPr eaLnBrk="1" hangingPunct="1"/>
             <a:r>
-              <a:rPr lang="en-US" smtClean="0"/>
+              <a:rPr lang="en-US"/>
               <a:t>Buy or Lease</a:t>
             </a:r>
           </a:p>
@@ -36507,7 +36831,7 @@
           <a:lstStyle/>
           <a:p>
             <a:r>
-              <a:rPr lang="en-US" smtClean="0"/>
+              <a:rPr lang="en-US"/>
               <a:t>Copyright © 2013 Pearson Education, Inc. Publishing as Prentice Hall</a:t>
             </a:r>
           </a:p>
@@ -36535,35 +36859,35 @@
           <a:p>
             <a:pPr eaLnBrk="1" hangingPunct="1"/>
             <a:r>
-              <a:rPr lang="en-US" sz="2400" smtClean="0"/>
+              <a:rPr lang="en-US" sz="2400"/>
               <a:t>Project planning helps project managers to clarify and focus on the development of a project and provides a benchmark against which actual performance can be measured and reviewed. </a:t>
             </a:r>
           </a:p>
           <a:p>
             <a:pPr eaLnBrk="1" hangingPunct="1"/>
             <a:r>
-              <a:rPr lang="en-US" sz="2400" smtClean="0"/>
+              <a:rPr lang="en-US" sz="2400"/>
               <a:t>Planning helps project teams channel their efforts toward achieving project objectives. </a:t>
             </a:r>
           </a:p>
           <a:p>
             <a:pPr eaLnBrk="1" hangingPunct="1"/>
             <a:r>
-              <a:rPr lang="en-US" sz="2400" smtClean="0"/>
+              <a:rPr lang="en-US" sz="2400"/>
               <a:t>Planning is to develop measures that will be used to determine how expectations are to be met. </a:t>
             </a:r>
           </a:p>
           <a:p>
             <a:pPr eaLnBrk="1" hangingPunct="1"/>
             <a:r>
-              <a:rPr lang="en-US" sz="2400" smtClean="0"/>
+              <a:rPr lang="en-US" sz="2400"/>
               <a:t>Planning is to establish policies, procedures, guidelines, and the necessary processes to adhere to them. </a:t>
             </a:r>
           </a:p>
           <a:p>
             <a:pPr eaLnBrk="1" hangingPunct="1"/>
             <a:r>
-              <a:rPr lang="en-US" sz="2400" smtClean="0"/>
+              <a:rPr lang="en-US" sz="2400"/>
               <a:t>Project planning must be flexible to handle unanticipated activities with the scope of a project. </a:t>
             </a:r>
           </a:p>
@@ -36591,7 +36915,7 @@
           <a:p>
             <a:pPr eaLnBrk="1" hangingPunct="1"/>
             <a:r>
-              <a:rPr lang="en-US" smtClean="0"/>
+              <a:rPr lang="en-US"/>
               <a:t>Summary</a:t>
             </a:r>
           </a:p>
@@ -36625,306 +36949,6 @@
                 <a:defRPr/>
               </a:pPr>
               <a:t>27</a:t>
-            </a:fld>
-            <a:endParaRPr lang="en-US"/>
-          </a:p>
-        </p:txBody>
-      </p:sp>
-    </p:spTree>
-  </p:cSld>
-  <p:clrMapOvr>
-    <a:masterClrMapping/>
-  </p:clrMapOvr>
-</p:sld>
-</file>
-
-<file path=ppt/slides/slide28.xml><?xml version="1.0" encoding="utf-8"?>
-<p:sld xmlns:a="http://schemas.openxmlformats.org/drawingml/2006/main" xmlns:r="http://schemas.openxmlformats.org/officeDocument/2006/relationships" xmlns:p="http://schemas.openxmlformats.org/presentationml/2006/main">
-  <p:cSld>
-    <p:spTree>
-      <p:nvGrpSpPr>
-        <p:cNvPr id="1" name=""/>
-        <p:cNvGrpSpPr/>
-        <p:nvPr/>
-      </p:nvGrpSpPr>
-      <p:grpSpPr>
-        <a:xfrm>
-          <a:off x="0" y="0"/>
-          <a:ext cx="0" cy="0"/>
-          <a:chOff x="0" y="0"/>
-          <a:chExt cx="0" cy="0"/>
-        </a:xfrm>
-      </p:grpSpPr>
-      <p:sp>
-        <p:nvSpPr>
-          <p:cNvPr id="83969" name="Footer Placeholder 4"/>
-          <p:cNvSpPr>
-            <a:spLocks noGrp="1"/>
-          </p:cNvSpPr>
-          <p:nvPr>
-            <p:ph type="ftr" sz="quarter" idx="15"/>
-          </p:nvPr>
-        </p:nvSpPr>
-        <p:spPr bwMode="auto">
-          <a:noFill/>
-          <a:ln>
-            <a:miter lim="800000"/>
-            <a:headEnd/>
-            <a:tailEnd/>
-          </a:ln>
-        </p:spPr>
-        <p:txBody>
-          <a:bodyPr/>
-          <a:lstStyle/>
-          <a:p>
-            <a:r>
-              <a:rPr lang="en-US" smtClean="0"/>
-              <a:t>Copyright © 2013 Pearson Education, Inc. Publishing as Prentice Hall</a:t>
-            </a:r>
-          </a:p>
-        </p:txBody>
-      </p:sp>
-      <p:sp>
-        <p:nvSpPr>
-          <p:cNvPr id="83970" name="Content Placeholder 1"/>
-          <p:cNvSpPr>
-            <a:spLocks noGrp="1"/>
-          </p:cNvSpPr>
-          <p:nvPr>
-            <p:ph idx="1"/>
-          </p:nvPr>
-        </p:nvSpPr>
-        <p:spPr>
-          <a:xfrm>
-            <a:off x="485775" y="1600200"/>
-            <a:ext cx="8201025" cy="4525963"/>
-          </a:xfrm>
-        </p:spPr>
-        <p:txBody>
-          <a:bodyPr/>
-          <a:lstStyle/>
-          <a:p>
-            <a:pPr eaLnBrk="1" hangingPunct="1"/>
-            <a:r>
-              <a:rPr lang="en-US" sz="2400" smtClean="0"/>
-              <a:t>A planning process involves the scope document that is used to create project tasks and milestones known as the Work Breakdown Structure (WBS). To create a WBS, a number of project factors have to be considered including the scope document and project assets.</a:t>
-            </a:r>
-          </a:p>
-          <a:p>
-            <a:pPr eaLnBrk="1" hangingPunct="1"/>
-            <a:r>
-              <a:rPr lang="en-US" sz="2400" smtClean="0"/>
-              <a:t>The WBS is a documented project plan that is developed from a project scope. This project plan defines all work activities and identifies each activity with the team member who is responsible for performing the activity. </a:t>
-            </a:r>
-          </a:p>
-        </p:txBody>
-      </p:sp>
-      <p:sp>
-        <p:nvSpPr>
-          <p:cNvPr id="83971" name="Text Placeholder 2"/>
-          <p:cNvSpPr>
-            <a:spLocks noGrp="1"/>
-          </p:cNvSpPr>
-          <p:nvPr>
-            <p:ph type="body" sz="quarter" idx="13"/>
-          </p:nvPr>
-        </p:nvSpPr>
-        <p:spPr>
-          <a:xfrm>
-            <a:off x="1316038" y="1071563"/>
-            <a:ext cx="3925887" cy="339725"/>
-          </a:xfrm>
-        </p:spPr>
-        <p:txBody>
-          <a:bodyPr/>
-          <a:lstStyle/>
-          <a:p>
-            <a:pPr eaLnBrk="1" hangingPunct="1"/>
-            <a:r>
-              <a:rPr lang="en-US" smtClean="0"/>
-              <a:t>Summary</a:t>
-            </a:r>
-          </a:p>
-        </p:txBody>
-      </p:sp>
-      <p:sp>
-        <p:nvSpPr>
-          <p:cNvPr id="5" name="Slide Number Placeholder 4"/>
-          <p:cNvSpPr>
-            <a:spLocks noGrp="1"/>
-          </p:cNvSpPr>
-          <p:nvPr>
-            <p:ph type="sldNum" sz="quarter" idx="16"/>
-          </p:nvPr>
-        </p:nvSpPr>
-        <p:spPr/>
-        <p:txBody>
-          <a:bodyPr/>
-          <a:lstStyle/>
-          <a:p>
-            <a:pPr>
-              <a:defRPr/>
-            </a:pPr>
-            <a:r>
-              <a:rPr lang="en-US"/>
-              <a:t>5-</a:t>
-            </a:r>
-            <a:fld id="{2472CAD2-183A-4989-B708-C2D8383A954E}" type="slidenum">
-              <a:rPr lang="en-US"/>
-              <a:pPr>
-                <a:defRPr/>
-              </a:pPr>
-              <a:t>28</a:t>
-            </a:fld>
-            <a:endParaRPr lang="en-US"/>
-          </a:p>
-        </p:txBody>
-      </p:sp>
-    </p:spTree>
-  </p:cSld>
-  <p:clrMapOvr>
-    <a:masterClrMapping/>
-  </p:clrMapOvr>
-</p:sld>
-</file>
-
-<file path=ppt/slides/slide29.xml><?xml version="1.0" encoding="utf-8"?>
-<p:sld xmlns:a="http://schemas.openxmlformats.org/drawingml/2006/main" xmlns:r="http://schemas.openxmlformats.org/officeDocument/2006/relationships" xmlns:p="http://schemas.openxmlformats.org/presentationml/2006/main">
-  <p:cSld>
-    <p:spTree>
-      <p:nvGrpSpPr>
-        <p:cNvPr id="1" name=""/>
-        <p:cNvGrpSpPr/>
-        <p:nvPr/>
-      </p:nvGrpSpPr>
-      <p:grpSpPr>
-        <a:xfrm>
-          <a:off x="0" y="0"/>
-          <a:ext cx="0" cy="0"/>
-          <a:chOff x="0" y="0"/>
-          <a:chExt cx="0" cy="0"/>
-        </a:xfrm>
-      </p:grpSpPr>
-      <p:sp>
-        <p:nvSpPr>
-          <p:cNvPr id="84993" name="Footer Placeholder 4"/>
-          <p:cNvSpPr>
-            <a:spLocks noGrp="1"/>
-          </p:cNvSpPr>
-          <p:nvPr>
-            <p:ph type="ftr" sz="quarter" idx="15"/>
-          </p:nvPr>
-        </p:nvSpPr>
-        <p:spPr bwMode="auto">
-          <a:noFill/>
-          <a:ln>
-            <a:miter lim="800000"/>
-            <a:headEnd/>
-            <a:tailEnd/>
-          </a:ln>
-        </p:spPr>
-        <p:txBody>
-          <a:bodyPr/>
-          <a:lstStyle/>
-          <a:p>
-            <a:r>
-              <a:rPr lang="en-US" smtClean="0"/>
-              <a:t>Copyright © 2013 Pearson Education, Inc. Publishing as Prentice Hall</a:t>
-            </a:r>
-          </a:p>
-        </p:txBody>
-      </p:sp>
-      <p:sp>
-        <p:nvSpPr>
-          <p:cNvPr id="84994" name="Content Placeholder 1"/>
-          <p:cNvSpPr>
-            <a:spLocks noGrp="1"/>
-          </p:cNvSpPr>
-          <p:nvPr>
-            <p:ph idx="1"/>
-          </p:nvPr>
-        </p:nvSpPr>
-        <p:spPr>
-          <a:xfrm>
-            <a:off x="485775" y="1600200"/>
-            <a:ext cx="8201025" cy="4525963"/>
-          </a:xfrm>
-        </p:spPr>
-        <p:txBody>
-          <a:bodyPr/>
-          <a:lstStyle/>
-          <a:p>
-            <a:pPr eaLnBrk="1" hangingPunct="1"/>
-            <a:r>
-              <a:rPr lang="en-US" sz="2400" smtClean="0"/>
-              <a:t>The WBS is a hierarchical process map of a project with multiple levels. Level 1 is the highest level of the project, which usually is the name of the project. Level 2 is the next level, which consists of main groupings of the project. Level 3 shows supporting sub-deliverables while Level 4 describes the work packages that define the various lowest level activities of the project. When a project is too small in size and scope, project managers use responsibility matrices instead of a WBS. </a:t>
-            </a:r>
-          </a:p>
-          <a:p>
-            <a:pPr eaLnBrk="1" hangingPunct="1"/>
-            <a:r>
-              <a:rPr lang="en-US" sz="2400" smtClean="0"/>
-              <a:t>A contract is a formal agreement between two parties, a contractor and a client, wherein the contractor promises to perform a service and the client is obligated to pay for the service. </a:t>
-            </a:r>
-          </a:p>
-        </p:txBody>
-      </p:sp>
-      <p:sp>
-        <p:nvSpPr>
-          <p:cNvPr id="84995" name="Text Placeholder 2"/>
-          <p:cNvSpPr>
-            <a:spLocks noGrp="1"/>
-          </p:cNvSpPr>
-          <p:nvPr>
-            <p:ph type="body" sz="quarter" idx="13"/>
-          </p:nvPr>
-        </p:nvSpPr>
-        <p:spPr>
-          <a:xfrm>
-            <a:off x="1316038" y="1071563"/>
-            <a:ext cx="3925887" cy="339725"/>
-          </a:xfrm>
-        </p:spPr>
-        <p:txBody>
-          <a:bodyPr/>
-          <a:lstStyle/>
-          <a:p>
-            <a:pPr eaLnBrk="1" hangingPunct="1"/>
-            <a:r>
-              <a:rPr lang="en-US" smtClean="0"/>
-              <a:t>Summary</a:t>
-            </a:r>
-          </a:p>
-        </p:txBody>
-      </p:sp>
-      <p:sp>
-        <p:nvSpPr>
-          <p:cNvPr id="5" name="Slide Number Placeholder 4"/>
-          <p:cNvSpPr>
-            <a:spLocks noGrp="1"/>
-          </p:cNvSpPr>
-          <p:nvPr>
-            <p:ph type="sldNum" sz="quarter" idx="16"/>
-          </p:nvPr>
-        </p:nvSpPr>
-        <p:spPr/>
-        <p:txBody>
-          <a:bodyPr/>
-          <a:lstStyle/>
-          <a:p>
-            <a:pPr>
-              <a:defRPr/>
-            </a:pPr>
-            <a:r>
-              <a:rPr lang="en-US"/>
-              <a:t>5-</a:t>
-            </a:r>
-            <a:fld id="{88CD33A9-63D9-4816-9907-F3C3978CC24E}" type="slidenum">
-              <a:rPr lang="en-US"/>
-              <a:pPr>
-                <a:defRPr/>
-              </a:pPr>
-              <a:t>29</a:t>
             </a:fld>
             <a:endParaRPr lang="en-US"/>
           </a:p>
@@ -36978,7 +37002,7 @@
           <a:lstStyle/>
           <a:p>
             <a:r>
-              <a:rPr lang="en-US" smtClean="0"/>
+              <a:rPr lang="en-US"/>
               <a:t>Copyright © 2013 Pearson Education, Inc. Publishing as Prentice Hall</a:t>
             </a:r>
           </a:p>
@@ -37049,614 +37073,6 @@
           </a:ln>
         </p:spPr>
       </p:pic>
-    </p:spTree>
-  </p:cSld>
-  <p:clrMapOvr>
-    <a:masterClrMapping/>
-  </p:clrMapOvr>
-</p:sld>
-</file>
-
-<file path=ppt/slides/slide30.xml><?xml version="1.0" encoding="utf-8"?>
-<p:sld xmlns:a="http://schemas.openxmlformats.org/drawingml/2006/main" xmlns:r="http://schemas.openxmlformats.org/officeDocument/2006/relationships" xmlns:p="http://schemas.openxmlformats.org/presentationml/2006/main">
-  <p:cSld>
-    <p:spTree>
-      <p:nvGrpSpPr>
-        <p:cNvPr id="1" name=""/>
-        <p:cNvGrpSpPr/>
-        <p:nvPr/>
-      </p:nvGrpSpPr>
-      <p:grpSpPr>
-        <a:xfrm>
-          <a:off x="0" y="0"/>
-          <a:ext cx="0" cy="0"/>
-          <a:chOff x="0" y="0"/>
-          <a:chExt cx="0" cy="0"/>
-        </a:xfrm>
-      </p:grpSpPr>
-      <p:sp>
-        <p:nvSpPr>
-          <p:cNvPr id="86017" name="Footer Placeholder 4"/>
-          <p:cNvSpPr>
-            <a:spLocks noGrp="1"/>
-          </p:cNvSpPr>
-          <p:nvPr>
-            <p:ph type="ftr" sz="quarter" idx="15"/>
-          </p:nvPr>
-        </p:nvSpPr>
-        <p:spPr bwMode="auto">
-          <a:noFill/>
-          <a:ln>
-            <a:miter lim="800000"/>
-            <a:headEnd/>
-            <a:tailEnd/>
-          </a:ln>
-        </p:spPr>
-        <p:txBody>
-          <a:bodyPr/>
-          <a:lstStyle/>
-          <a:p>
-            <a:r>
-              <a:rPr lang="en-US" smtClean="0"/>
-              <a:t>Copyright © 2013 Pearson Education, Inc. Publishing as Prentice Hall</a:t>
-            </a:r>
-          </a:p>
-        </p:txBody>
-      </p:sp>
-      <p:sp>
-        <p:nvSpPr>
-          <p:cNvPr id="86018" name="Content Placeholder 1"/>
-          <p:cNvSpPr>
-            <a:spLocks noGrp="1"/>
-          </p:cNvSpPr>
-          <p:nvPr>
-            <p:ph idx="1"/>
-          </p:nvPr>
-        </p:nvSpPr>
-        <p:spPr>
-          <a:xfrm>
-            <a:off x="485775" y="1600200"/>
-            <a:ext cx="8201025" cy="4525963"/>
-          </a:xfrm>
-        </p:spPr>
-        <p:txBody>
-          <a:bodyPr/>
-          <a:lstStyle/>
-          <a:p>
-            <a:pPr eaLnBrk="1" hangingPunct="1"/>
-            <a:r>
-              <a:rPr lang="en-US" sz="2400" smtClean="0"/>
-              <a:t>Contracts come in six types: fixed-price, fixed-price incentive fee, cost-plus fixed fee, cost-plus percentage fee, cost-plus incentive fee, and guaranteed maximum-shared savings.</a:t>
-            </a:r>
-          </a:p>
-          <a:p>
-            <a:pPr eaLnBrk="1" hangingPunct="1"/>
-            <a:r>
-              <a:rPr lang="en-US" sz="2400" smtClean="0"/>
-              <a:t>Contracts are used to procure either services from a contractor or products and services from a supplier. </a:t>
-            </a:r>
-          </a:p>
-          <a:p>
-            <a:pPr eaLnBrk="1" hangingPunct="1"/>
-            <a:r>
-              <a:rPr lang="en-US" sz="2400" smtClean="0"/>
-              <a:t>Procurement is to acquire goods and services from a vendor. </a:t>
-            </a:r>
-          </a:p>
-          <a:p>
-            <a:pPr eaLnBrk="1" hangingPunct="1"/>
-            <a:r>
-              <a:rPr lang="en-US" sz="2400" smtClean="0"/>
-              <a:t>A procurement management plan that includes a make-lease-or-buy decision, procurement documentation, selection criteria, and change requests is the output of procurement planning. </a:t>
-            </a:r>
-          </a:p>
-        </p:txBody>
-      </p:sp>
-      <p:sp>
-        <p:nvSpPr>
-          <p:cNvPr id="86019" name="Text Placeholder 2"/>
-          <p:cNvSpPr>
-            <a:spLocks noGrp="1"/>
-          </p:cNvSpPr>
-          <p:nvPr>
-            <p:ph type="body" sz="quarter" idx="13"/>
-          </p:nvPr>
-        </p:nvSpPr>
-        <p:spPr>
-          <a:xfrm>
-            <a:off x="1316038" y="1071563"/>
-            <a:ext cx="3925887" cy="339725"/>
-          </a:xfrm>
-        </p:spPr>
-        <p:txBody>
-          <a:bodyPr/>
-          <a:lstStyle/>
-          <a:p>
-            <a:pPr eaLnBrk="1" hangingPunct="1"/>
-            <a:r>
-              <a:rPr lang="en-US" smtClean="0"/>
-              <a:t>Summary</a:t>
-            </a:r>
-          </a:p>
-        </p:txBody>
-      </p:sp>
-      <p:sp>
-        <p:nvSpPr>
-          <p:cNvPr id="5" name="Slide Number Placeholder 4"/>
-          <p:cNvSpPr>
-            <a:spLocks noGrp="1"/>
-          </p:cNvSpPr>
-          <p:nvPr>
-            <p:ph type="sldNum" sz="quarter" idx="16"/>
-          </p:nvPr>
-        </p:nvSpPr>
-        <p:spPr/>
-        <p:txBody>
-          <a:bodyPr/>
-          <a:lstStyle/>
-          <a:p>
-            <a:pPr>
-              <a:defRPr/>
-            </a:pPr>
-            <a:r>
-              <a:rPr lang="en-US"/>
-              <a:t>5-</a:t>
-            </a:r>
-            <a:fld id="{BCE83FE6-787E-4474-8D75-0BDDF01FAB05}" type="slidenum">
-              <a:rPr lang="en-US"/>
-              <a:pPr>
-                <a:defRPr/>
-              </a:pPr>
-              <a:t>30</a:t>
-            </a:fld>
-            <a:endParaRPr lang="en-US"/>
-          </a:p>
-        </p:txBody>
-      </p:sp>
-    </p:spTree>
-  </p:cSld>
-  <p:clrMapOvr>
-    <a:masterClrMapping/>
-  </p:clrMapOvr>
-</p:sld>
-</file>
-
-<file path=ppt/slides/slide31.xml><?xml version="1.0" encoding="utf-8"?>
-<p:sld xmlns:a="http://schemas.openxmlformats.org/drawingml/2006/main" xmlns:r="http://schemas.openxmlformats.org/officeDocument/2006/relationships" xmlns:p="http://schemas.openxmlformats.org/presentationml/2006/main">
-  <p:cSld>
-    <p:spTree>
-      <p:nvGrpSpPr>
-        <p:cNvPr id="1" name=""/>
-        <p:cNvGrpSpPr/>
-        <p:nvPr/>
-      </p:nvGrpSpPr>
-      <p:grpSpPr>
-        <a:xfrm>
-          <a:off x="0" y="0"/>
-          <a:ext cx="0" cy="0"/>
-          <a:chOff x="0" y="0"/>
-          <a:chExt cx="0" cy="0"/>
-        </a:xfrm>
-      </p:grpSpPr>
-      <p:sp>
-        <p:nvSpPr>
-          <p:cNvPr id="87041" name="Footer Placeholder 4"/>
-          <p:cNvSpPr>
-            <a:spLocks noGrp="1"/>
-          </p:cNvSpPr>
-          <p:nvPr>
-            <p:ph type="ftr" sz="quarter" idx="15"/>
-          </p:nvPr>
-        </p:nvSpPr>
-        <p:spPr bwMode="auto">
-          <a:noFill/>
-          <a:ln>
-            <a:miter lim="800000"/>
-            <a:headEnd/>
-            <a:tailEnd/>
-          </a:ln>
-        </p:spPr>
-        <p:txBody>
-          <a:bodyPr/>
-          <a:lstStyle/>
-          <a:p>
-            <a:r>
-              <a:rPr lang="en-US" smtClean="0"/>
-              <a:t>Copyright © 2013 Pearson Education, Inc. Publishing as Prentice Hall</a:t>
-            </a:r>
-          </a:p>
-        </p:txBody>
-      </p:sp>
-      <p:sp>
-        <p:nvSpPr>
-          <p:cNvPr id="87042" name="Content Placeholder 1"/>
-          <p:cNvSpPr>
-            <a:spLocks noGrp="1"/>
-          </p:cNvSpPr>
-          <p:nvPr>
-            <p:ph idx="1"/>
-          </p:nvPr>
-        </p:nvSpPr>
-        <p:spPr>
-          <a:xfrm>
-            <a:off x="485775" y="1600200"/>
-            <a:ext cx="8201025" cy="4525963"/>
-          </a:xfrm>
-        </p:spPr>
-        <p:txBody>
-          <a:bodyPr/>
-          <a:lstStyle/>
-          <a:p>
-            <a:pPr eaLnBrk="1" hangingPunct="1"/>
-            <a:r>
-              <a:rPr lang="en-US" sz="2400" smtClean="0"/>
-              <a:t>The procurement cycle consists of five stages: identification, evaluation, selection, transaction, and improvement. A request for quote (RFQ), request for proposal (RFP), or request for information (RFI) from the contractor or supplier is often sought by a client. </a:t>
-            </a:r>
-          </a:p>
-        </p:txBody>
-      </p:sp>
-      <p:sp>
-        <p:nvSpPr>
-          <p:cNvPr id="87043" name="Text Placeholder 2"/>
-          <p:cNvSpPr>
-            <a:spLocks noGrp="1"/>
-          </p:cNvSpPr>
-          <p:nvPr>
-            <p:ph type="body" sz="quarter" idx="13"/>
-          </p:nvPr>
-        </p:nvSpPr>
-        <p:spPr>
-          <a:xfrm>
-            <a:off x="1316038" y="1071563"/>
-            <a:ext cx="3925887" cy="339725"/>
-          </a:xfrm>
-        </p:spPr>
-        <p:txBody>
-          <a:bodyPr/>
-          <a:lstStyle/>
-          <a:p>
-            <a:pPr eaLnBrk="1" hangingPunct="1"/>
-            <a:r>
-              <a:rPr lang="en-US" smtClean="0"/>
-              <a:t>Summary</a:t>
-            </a:r>
-          </a:p>
-        </p:txBody>
-      </p:sp>
-      <p:sp>
-        <p:nvSpPr>
-          <p:cNvPr id="5" name="Slide Number Placeholder 4"/>
-          <p:cNvSpPr>
-            <a:spLocks noGrp="1"/>
-          </p:cNvSpPr>
-          <p:nvPr>
-            <p:ph type="sldNum" sz="quarter" idx="16"/>
-          </p:nvPr>
-        </p:nvSpPr>
-        <p:spPr/>
-        <p:txBody>
-          <a:bodyPr/>
-          <a:lstStyle/>
-          <a:p>
-            <a:pPr>
-              <a:defRPr/>
-            </a:pPr>
-            <a:r>
-              <a:rPr lang="en-US"/>
-              <a:t>5-</a:t>
-            </a:r>
-            <a:fld id="{67AAEDFD-9381-4BCA-9279-31826AF93A1C}" type="slidenum">
-              <a:rPr lang="en-US"/>
-              <a:pPr>
-                <a:defRPr/>
-              </a:pPr>
-              <a:t>31</a:t>
-            </a:fld>
-            <a:endParaRPr lang="en-US"/>
-          </a:p>
-        </p:txBody>
-      </p:sp>
-    </p:spTree>
-  </p:cSld>
-  <p:clrMapOvr>
-    <a:masterClrMapping/>
-  </p:clrMapOvr>
-</p:sld>
-</file>
-
-<file path=ppt/slides/slide32.xml><?xml version="1.0" encoding="utf-8"?>
-<p:sld xmlns:a="http://schemas.openxmlformats.org/drawingml/2006/main" xmlns:r="http://schemas.openxmlformats.org/officeDocument/2006/relationships" xmlns:p="http://schemas.openxmlformats.org/presentationml/2006/main">
-  <p:cSld>
-    <p:spTree>
-      <p:nvGrpSpPr>
-        <p:cNvPr id="1" name=""/>
-        <p:cNvGrpSpPr/>
-        <p:nvPr/>
-      </p:nvGrpSpPr>
-      <p:grpSpPr>
-        <a:xfrm>
-          <a:off x="0" y="0"/>
-          <a:ext cx="0" cy="0"/>
-          <a:chOff x="0" y="0"/>
-          <a:chExt cx="0" cy="0"/>
-        </a:xfrm>
-      </p:grpSpPr>
-      <p:sp>
-        <p:nvSpPr>
-          <p:cNvPr id="88065" name="Footer Placeholder 4"/>
-          <p:cNvSpPr>
-            <a:spLocks noGrp="1"/>
-          </p:cNvSpPr>
-          <p:nvPr>
-            <p:ph type="ftr" sz="quarter" idx="15"/>
-          </p:nvPr>
-        </p:nvSpPr>
-        <p:spPr bwMode="auto">
-          <a:noFill/>
-          <a:ln>
-            <a:miter lim="800000"/>
-            <a:headEnd/>
-            <a:tailEnd/>
-          </a:ln>
-        </p:spPr>
-        <p:txBody>
-          <a:bodyPr/>
-          <a:lstStyle/>
-          <a:p>
-            <a:r>
-              <a:rPr lang="en-US" smtClean="0"/>
-              <a:t>Copyright © 2013 Pearson Education, Inc. Publishing as Prentice Hall</a:t>
-            </a:r>
-          </a:p>
-        </p:txBody>
-      </p:sp>
-      <p:sp>
-        <p:nvSpPr>
-          <p:cNvPr id="88066" name="Content Placeholder 1"/>
-          <p:cNvSpPr>
-            <a:spLocks noGrp="1"/>
-          </p:cNvSpPr>
-          <p:nvPr>
-            <p:ph idx="1"/>
-          </p:nvPr>
-        </p:nvSpPr>
-        <p:spPr>
-          <a:xfrm>
-            <a:off x="739775" y="1600200"/>
-            <a:ext cx="7947025" cy="4525963"/>
-          </a:xfrm>
-        </p:spPr>
-        <p:txBody>
-          <a:bodyPr/>
-          <a:lstStyle/>
-          <a:p>
-            <a:pPr eaLnBrk="1" hangingPunct="1"/>
-            <a:r>
-              <a:rPr lang="en-US" sz="2400" smtClean="0"/>
-              <a:t>Clients and Contractors should always go for a GMS contract.</a:t>
-            </a:r>
-          </a:p>
-          <a:p>
-            <a:pPr eaLnBrk="1" hangingPunct="1"/>
-            <a:r>
-              <a:rPr lang="en-US" sz="2400" smtClean="0"/>
-              <a:t>WBS need not be elaborate and accurate.</a:t>
-            </a:r>
-          </a:p>
-          <a:p>
-            <a:pPr eaLnBrk="1" hangingPunct="1"/>
-            <a:r>
-              <a:rPr lang="en-US" sz="2400" smtClean="0"/>
-              <a:t>Detailed planning is a waste of time.</a:t>
-            </a:r>
-          </a:p>
-          <a:p>
-            <a:pPr eaLnBrk="1" hangingPunct="1"/>
-            <a:r>
-              <a:rPr lang="en-US" sz="2400" smtClean="0"/>
-              <a:t>One should always resort to outsourcing.</a:t>
-            </a:r>
-          </a:p>
-          <a:p>
-            <a:pPr eaLnBrk="1" hangingPunct="1"/>
-            <a:r>
-              <a:rPr lang="en-US" sz="2400" smtClean="0"/>
-              <a:t>IT management should decide on outsourcing.</a:t>
-            </a:r>
-          </a:p>
-          <a:p>
-            <a:pPr eaLnBrk="1" hangingPunct="1"/>
-            <a:r>
-              <a:rPr lang="en-US" sz="2400" smtClean="0"/>
-              <a:t>Outsourcing brings new technology in client companies.</a:t>
-            </a:r>
-          </a:p>
-          <a:p>
-            <a:pPr eaLnBrk="1" hangingPunct="1"/>
-            <a:endParaRPr lang="en-US" sz="2400" smtClean="0"/>
-          </a:p>
-        </p:txBody>
-      </p:sp>
-      <p:sp>
-        <p:nvSpPr>
-          <p:cNvPr id="88067" name="Text Placeholder 2"/>
-          <p:cNvSpPr>
-            <a:spLocks noGrp="1"/>
-          </p:cNvSpPr>
-          <p:nvPr>
-            <p:ph type="body" sz="quarter" idx="13"/>
-          </p:nvPr>
-        </p:nvSpPr>
-        <p:spPr>
-          <a:xfrm>
-            <a:off x="1316038" y="1071563"/>
-            <a:ext cx="3925887" cy="339725"/>
-          </a:xfrm>
-        </p:spPr>
-        <p:txBody>
-          <a:bodyPr/>
-          <a:lstStyle/>
-          <a:p>
-            <a:pPr eaLnBrk="1" hangingPunct="1"/>
-            <a:r>
-              <a:rPr lang="en-US" smtClean="0"/>
-              <a:t>Class Discussions</a:t>
-            </a:r>
-          </a:p>
-        </p:txBody>
-      </p:sp>
-      <p:sp>
-        <p:nvSpPr>
-          <p:cNvPr id="8" name="Slide Number Placeholder 7"/>
-          <p:cNvSpPr>
-            <a:spLocks noGrp="1"/>
-          </p:cNvSpPr>
-          <p:nvPr>
-            <p:ph type="sldNum" sz="quarter" idx="16"/>
-          </p:nvPr>
-        </p:nvSpPr>
-        <p:spPr/>
-        <p:txBody>
-          <a:bodyPr/>
-          <a:lstStyle/>
-          <a:p>
-            <a:pPr>
-              <a:defRPr/>
-            </a:pPr>
-            <a:r>
-              <a:rPr lang="en-US"/>
-              <a:t>5-</a:t>
-            </a:r>
-            <a:fld id="{5D45868E-24CC-40AD-9A60-89614DE4D2D3}" type="slidenum">
-              <a:rPr lang="en-US"/>
-              <a:pPr>
-                <a:defRPr/>
-              </a:pPr>
-              <a:t>32</a:t>
-            </a:fld>
-            <a:endParaRPr lang="en-US"/>
-          </a:p>
-        </p:txBody>
-      </p:sp>
-    </p:spTree>
-  </p:cSld>
-  <p:clrMapOvr>
-    <a:masterClrMapping/>
-  </p:clrMapOvr>
-</p:sld>
-</file>
-
-<file path=ppt/slides/slide33.xml><?xml version="1.0" encoding="utf-8"?>
-<p:sld xmlns:a="http://schemas.openxmlformats.org/drawingml/2006/main" xmlns:r="http://schemas.openxmlformats.org/officeDocument/2006/relationships" xmlns:p="http://schemas.openxmlformats.org/presentationml/2006/main">
-  <p:cSld>
-    <p:spTree>
-      <p:nvGrpSpPr>
-        <p:cNvPr id="1" name=""/>
-        <p:cNvGrpSpPr/>
-        <p:nvPr/>
-      </p:nvGrpSpPr>
-      <p:grpSpPr>
-        <a:xfrm>
-          <a:off x="0" y="0"/>
-          <a:ext cx="0" cy="0"/>
-          <a:chOff x="0" y="0"/>
-          <a:chExt cx="0" cy="0"/>
-        </a:xfrm>
-      </p:grpSpPr>
-      <p:sp>
-        <p:nvSpPr>
-          <p:cNvPr id="89089" name="Footer Placeholder 4"/>
-          <p:cNvSpPr>
-            <a:spLocks noGrp="1"/>
-          </p:cNvSpPr>
-          <p:nvPr>
-            <p:ph type="ftr" sz="quarter" idx="15"/>
-          </p:nvPr>
-        </p:nvSpPr>
-        <p:spPr bwMode="auto">
-          <a:noFill/>
-          <a:ln>
-            <a:miter lim="800000"/>
-            <a:headEnd/>
-            <a:tailEnd/>
-          </a:ln>
-        </p:spPr>
-        <p:txBody>
-          <a:bodyPr/>
-          <a:lstStyle/>
-          <a:p>
-            <a:r>
-              <a:rPr lang="en-US" smtClean="0"/>
-              <a:t>Copyright © 2013 Pearson Education, Inc. Publishing as Prentice Hall</a:t>
-            </a:r>
-          </a:p>
-        </p:txBody>
-      </p:sp>
-      <p:pic>
-        <p:nvPicPr>
-          <p:cNvPr id="89090" name="Picture 3" descr="3293795473_47524415"/>
-          <p:cNvPicPr>
-            <a:picLocks noChangeAspect="1" noChangeArrowheads="1"/>
-          </p:cNvPicPr>
-          <p:nvPr/>
-        </p:nvPicPr>
-        <p:blipFill>
-          <a:blip r:embed="rId2"/>
-          <a:srcRect/>
-          <a:stretch>
-            <a:fillRect/>
-          </a:stretch>
-        </p:blipFill>
-        <p:spPr bwMode="auto">
-          <a:xfrm>
-            <a:off x="593725" y="1504950"/>
-            <a:ext cx="7864475" cy="2457450"/>
-          </a:xfrm>
-          <a:prstGeom prst="rect">
-            <a:avLst/>
-          </a:prstGeom>
-          <a:noFill/>
-          <a:ln w="9525">
-            <a:noFill/>
-            <a:miter lim="800000"/>
-            <a:headEnd/>
-            <a:tailEnd/>
-          </a:ln>
-        </p:spPr>
-      </p:pic>
-      <p:sp>
-        <p:nvSpPr>
-          <p:cNvPr id="3" name="Slide Number Placeholder 2"/>
-          <p:cNvSpPr>
-            <a:spLocks noGrp="1"/>
-          </p:cNvSpPr>
-          <p:nvPr>
-            <p:ph type="sldNum" sz="quarter" idx="16"/>
-          </p:nvPr>
-        </p:nvSpPr>
-        <p:spPr/>
-        <p:txBody>
-          <a:bodyPr/>
-          <a:lstStyle/>
-          <a:p>
-            <a:pPr>
-              <a:defRPr/>
-            </a:pPr>
-            <a:r>
-              <a:rPr lang="en-US"/>
-              <a:t>5-</a:t>
-            </a:r>
-            <a:fld id="{D0CC1D81-8696-4924-8F98-8A6D1274D6C1}" type="slidenum">
-              <a:rPr lang="en-US"/>
-              <a:pPr>
-                <a:defRPr/>
-              </a:pPr>
-              <a:t>33</a:t>
-            </a:fld>
-            <a:endParaRPr lang="en-US"/>
-          </a:p>
-        </p:txBody>
-      </p:sp>
     </p:spTree>
   </p:cSld>
   <p:clrMapOvr>
@@ -37705,7 +37121,7 @@
           <a:lstStyle/>
           <a:p>
             <a:r>
-              <a:rPr lang="en-US" smtClean="0"/>
+              <a:rPr lang="en-US"/>
               <a:t>Copyright © 2013 Pearson Education, Inc. Publishing as Prentice Hall</a:t>
             </a:r>
           </a:p>
@@ -37820,13 +37236,6 @@
   <p:clrMapOvr>
     <a:masterClrMapping/>
   </p:clrMapOvr>
-  <p:timing>
-    <p:tnLst>
-      <p:par>
-        <p:cTn id="1" dur="indefinite" restart="never" nodeType="tmRoot"/>
-      </p:par>
-    </p:tnLst>
-  </p:timing>
 </p:sld>
 </file>
 
@@ -37870,7 +37279,7 @@
           <a:lstStyle/>
           <a:p>
             <a:r>
-              <a:rPr lang="en-US" smtClean="0"/>
+              <a:rPr lang="en-US"/>
               <a:t>Copyright © 2013 Pearson Education, Inc. Publishing as Prentice Hall</a:t>
             </a:r>
           </a:p>
@@ -37898,7 +37307,7 @@
           <a:p>
             <a:pPr eaLnBrk="1" hangingPunct="1"/>
             <a:r>
-              <a:rPr lang="en-US" sz="2400" smtClean="0"/>
+              <a:rPr lang="en-US" sz="2400"/>
               <a:t>Planning helps project managers:</a:t>
             </a:r>
           </a:p>
@@ -37908,7 +37317,7 @@
               <a:buChar char="•"/>
             </a:pPr>
             <a:r>
-              <a:rPr lang="en-US" sz="2400" smtClean="0"/>
+              <a:rPr lang="en-US" sz="2400"/>
               <a:t>Clarify and focus a project's development and prospects. </a:t>
             </a:r>
           </a:p>
@@ -37918,7 +37327,7 @@
               <a:buChar char="•"/>
             </a:pPr>
             <a:r>
-              <a:rPr lang="en-US" sz="2400" smtClean="0"/>
+              <a:rPr lang="en-US" sz="2400"/>
               <a:t>Provide a benchmark against which actual performance can be measured and reviewed.</a:t>
             </a:r>
           </a:p>
@@ -37946,7 +37355,7 @@
           <a:p>
             <a:pPr eaLnBrk="1" hangingPunct="1"/>
             <a:r>
-              <a:rPr lang="en-US" smtClean="0"/>
+              <a:rPr lang="en-US"/>
               <a:t>Project Planning</a:t>
             </a:r>
           </a:p>
@@ -38033,7 +37442,7 @@
           <a:lstStyle/>
           <a:p>
             <a:r>
-              <a:rPr lang="en-US" smtClean="0"/>
+              <a:rPr lang="en-US"/>
               <a:t>Copyright © 2013 Pearson Education, Inc. Publishing as Prentice Hall</a:t>
             </a:r>
           </a:p>
@@ -38061,7 +37470,7 @@
           <a:p>
             <a:pPr eaLnBrk="1" hangingPunct="1"/>
             <a:r>
-              <a:rPr lang="en-US" sz="2400" smtClean="0"/>
+              <a:rPr lang="en-US" sz="2400"/>
               <a:t>Organizational Process Assets</a:t>
             </a:r>
           </a:p>
@@ -38071,42 +37480,42 @@
               <a:buChar char="•"/>
             </a:pPr>
             <a:r>
-              <a:rPr lang="en-US" sz="2400" smtClean="0"/>
+              <a:rPr lang="en-US" sz="2400"/>
               <a:t>Any process-related assets that can be used towards a project’s success that include:</a:t>
             </a:r>
           </a:p>
           <a:p>
             <a:pPr lvl="2" eaLnBrk="1" hangingPunct="1"/>
             <a:r>
-              <a:rPr lang="en-US" sz="2400" smtClean="0"/>
+              <a:rPr lang="en-US" sz="2400"/>
               <a:t>Existing policies, procedures, guidelines and templates;</a:t>
             </a:r>
           </a:p>
           <a:p>
             <a:pPr lvl="2" eaLnBrk="1" hangingPunct="1"/>
             <a:r>
-              <a:rPr lang="en-US" sz="2400" smtClean="0"/>
+              <a:rPr lang="en-US" sz="2400"/>
               <a:t>Resources and knowledge of prior projects</a:t>
             </a:r>
           </a:p>
           <a:p>
             <a:pPr lvl="2" eaLnBrk="1" hangingPunct="1"/>
             <a:r>
-              <a:rPr lang="en-US" sz="2400" smtClean="0"/>
+              <a:rPr lang="en-US" sz="2400"/>
               <a:t>Knowledge of technologies, outsourcing, information systems, management systems, and financial systems</a:t>
             </a:r>
           </a:p>
           <a:p>
             <a:pPr lvl="2" eaLnBrk="1" hangingPunct="1"/>
             <a:r>
-              <a:rPr lang="en-US" sz="2400" smtClean="0"/>
+              <a:rPr lang="en-US" sz="2400"/>
               <a:t>Organizational controls</a:t>
             </a:r>
           </a:p>
           <a:p>
             <a:pPr lvl="2" eaLnBrk="1" hangingPunct="1"/>
             <a:r>
-              <a:rPr lang="en-US" sz="2400" smtClean="0"/>
+              <a:rPr lang="en-US" sz="2400"/>
               <a:t>Prior project documents</a:t>
             </a:r>
           </a:p>
@@ -38134,7 +37543,7 @@
           <a:p>
             <a:pPr eaLnBrk="1" hangingPunct="1"/>
             <a:r>
-              <a:rPr lang="en-US" smtClean="0"/>
+              <a:rPr lang="en-US"/>
               <a:t>Organizational Process Assets</a:t>
             </a:r>
           </a:p>
@@ -38221,7 +37630,7 @@
           <a:lstStyle/>
           <a:p>
             <a:r>
-              <a:rPr lang="en-US" smtClean="0"/>
+              <a:rPr lang="en-US"/>
               <a:t>Copyright © 2013 Pearson Education, Inc. Publishing as Prentice Hall</a:t>
             </a:r>
           </a:p>
@@ -38249,35 +37658,35 @@
           <a:p>
             <a:pPr eaLnBrk="1" hangingPunct="1"/>
             <a:r>
-              <a:rPr lang="en-US" sz="2400" smtClean="0"/>
+              <a:rPr lang="en-US" sz="2400"/>
               <a:t>Customer requirements: Requirements that satisfy the needs of the customers and the end users</a:t>
             </a:r>
           </a:p>
           <a:p>
             <a:pPr eaLnBrk="1" hangingPunct="1"/>
             <a:r>
-              <a:rPr lang="en-US" sz="2400" smtClean="0"/>
+              <a:rPr lang="en-US" sz="2400"/>
               <a:t>Specifications: Specify the requirement in a complete, precise, verifiable manner</a:t>
             </a:r>
           </a:p>
           <a:p>
             <a:pPr eaLnBrk="1" hangingPunct="1"/>
             <a:r>
-              <a:rPr lang="en-US" sz="2400" smtClean="0"/>
+              <a:rPr lang="en-US" sz="2400"/>
               <a:t>Functional requirements: Capture and specify the behavior of the product, system, or service that is being developed in a project</a:t>
             </a:r>
           </a:p>
           <a:p>
             <a:pPr eaLnBrk="1" hangingPunct="1"/>
             <a:r>
-              <a:rPr lang="en-US" sz="2400" smtClean="0"/>
+              <a:rPr lang="en-US" sz="2400"/>
               <a:t>Technical requirements: Detailed description of technology that is suitable for the actual design, development, and production processes of a project</a:t>
             </a:r>
           </a:p>
           <a:p>
             <a:pPr eaLnBrk="1" hangingPunct="1"/>
             <a:r>
-              <a:rPr lang="en-US" sz="2400" smtClean="0"/>
+              <a:rPr lang="en-US" sz="2400"/>
               <a:t>Project plans and planning documents: Formal, approved documents used to guide both project execution and project control</a:t>
             </a:r>
           </a:p>
@@ -38305,7 +37714,7 @@
           <a:p>
             <a:pPr eaLnBrk="1" hangingPunct="1"/>
             <a:r>
-              <a:rPr lang="en-US" smtClean="0"/>
+              <a:rPr lang="en-US"/>
               <a:t>Documents during project planning</a:t>
             </a:r>
           </a:p>
@@ -38349,13 +37758,6 @@
   <p:clrMapOvr>
     <a:masterClrMapping/>
   </p:clrMapOvr>
-  <p:timing>
-    <p:tnLst>
-      <p:par>
-        <p:cTn id="1" dur="indefinite" restart="never" nodeType="tmRoot"/>
-      </p:par>
-    </p:tnLst>
-  </p:timing>
 </p:sld>
 </file>
 
@@ -38399,7 +37801,7 @@
           <a:lstStyle/>
           <a:p>
             <a:r>
-              <a:rPr lang="en-US" smtClean="0"/>
+              <a:rPr lang="en-US"/>
               <a:t>Copyright © 2013 Pearson Education, Inc. Publishing as Prentice Hall</a:t>
             </a:r>
           </a:p>
@@ -38427,7 +37829,7 @@
           <a:p>
             <a:pPr eaLnBrk="1" hangingPunct="1"/>
             <a:r>
-              <a:rPr lang="en-US" smtClean="0"/>
+              <a:rPr lang="en-US"/>
               <a:t>Project plans and documents </a:t>
             </a:r>
           </a:p>
@@ -38485,9 +37887,27 @@
                 <a:tableStyleId>{5C22544A-7EE6-4342-B048-85BDC9FD1C3A}</a:tableStyleId>
               </a:tblPr>
               <a:tblGrid>
-                <a:gridCol w="2489039"/>
-                <a:gridCol w="3183166"/>
-                <a:gridCol w="2797540"/>
+                <a:gridCol w="2489039">
+                  <a:extLst>
+                    <a:ext uri="{9D8B030D-6E8A-4147-A177-3AD203B41FA5}">
+                      <a16:colId xmlns:a16="http://schemas.microsoft.com/office/drawing/2014/main" val="20000"/>
+                    </a:ext>
+                  </a:extLst>
+                </a:gridCol>
+                <a:gridCol w="3183166">
+                  <a:extLst>
+                    <a:ext uri="{9D8B030D-6E8A-4147-A177-3AD203B41FA5}">
+                      <a16:colId xmlns:a16="http://schemas.microsoft.com/office/drawing/2014/main" val="20001"/>
+                    </a:ext>
+                  </a:extLst>
+                </a:gridCol>
+                <a:gridCol w="2797540">
+                  <a:extLst>
+                    <a:ext uri="{9D8B030D-6E8A-4147-A177-3AD203B41FA5}">
+                      <a16:colId xmlns:a16="http://schemas.microsoft.com/office/drawing/2014/main" val="20002"/>
+                    </a:ext>
+                  </a:extLst>
+                </a:gridCol>
               </a:tblGrid>
               <a:tr h="181039">
                 <a:tc>
@@ -38504,7 +37924,7 @@
                         </a:spcAft>
                       </a:pPr>
                       <a:r>
-                        <a:rPr lang="en-US" sz="2000" dirty="0" smtClean="0">
+                        <a:rPr lang="en-US" sz="2000" dirty="0">
                           <a:effectLst/>
                         </a:rPr>
                         <a:t>Knowledge Areas</a:t>
@@ -38565,13 +37985,7 @@
                         <a:rPr lang="en-US" sz="2000" dirty="0">
                           <a:effectLst/>
                         </a:rPr>
-                        <a:t>Project </a:t>
-                      </a:r>
-                      <a:r>
-                        <a:rPr lang="en-US" sz="2000" dirty="0" smtClean="0">
-                          <a:effectLst/>
-                        </a:rPr>
-                        <a:t>Documents</a:t>
+                        <a:t>Project Documents</a:t>
                       </a:r>
                       <a:endParaRPr lang="en-US" sz="2000" dirty="0">
                         <a:effectLst/>
@@ -38583,6 +37997,11 @@
                   </a:txBody>
                   <a:tcPr marL="33945" marR="33945" marT="0" marB="0"/>
                 </a:tc>
+                <a:extLst>
+                  <a:ext uri="{0D108BD9-81ED-4DB2-BD59-A6C34878D82A}">
+                    <a16:rowId xmlns:a16="http://schemas.microsoft.com/office/drawing/2014/main" val="10000"/>
+                  </a:ext>
+                </a:extLst>
               </a:tr>
               <a:tr h="724154">
                 <a:tc>
@@ -38803,6 +38222,11 @@
                   </a:txBody>
                   <a:tcPr marL="33945" marR="33945" marT="0" marB="0"/>
                 </a:tc>
+                <a:extLst>
+                  <a:ext uri="{0D108BD9-81ED-4DB2-BD59-A6C34878D82A}">
+                    <a16:rowId xmlns:a16="http://schemas.microsoft.com/office/drawing/2014/main" val="10001"/>
+                  </a:ext>
+                </a:extLst>
               </a:tr>
               <a:tr h="452596">
                 <a:tc>
@@ -38975,6 +38399,11 @@
                   </a:txBody>
                   <a:tcPr marL="33945" marR="33945" marT="0" marB="0"/>
                 </a:tc>
+                <a:extLst>
+                  <a:ext uri="{0D108BD9-81ED-4DB2-BD59-A6C34878D82A}">
+                    <a16:rowId xmlns:a16="http://schemas.microsoft.com/office/drawing/2014/main" val="10002"/>
+                  </a:ext>
+                </a:extLst>
               </a:tr>
             </a:tbl>
           </a:graphicData>
@@ -38985,13 +38414,6 @@
   <p:clrMapOvr>
     <a:masterClrMapping/>
   </p:clrMapOvr>
-  <p:timing>
-    <p:tnLst>
-      <p:par>
-        <p:cTn id="1" dur="indefinite" restart="never" nodeType="tmRoot"/>
-      </p:par>
-    </p:tnLst>
-  </p:timing>
 </p:sld>
 </file>
 
@@ -39035,7 +38457,7 @@
           <a:lstStyle/>
           <a:p>
             <a:r>
-              <a:rPr lang="en-US" smtClean="0"/>
+              <a:rPr lang="en-US"/>
               <a:t>Copyright © 2013 Pearson Education, Inc. Publishing as Prentice Hall</a:t>
             </a:r>
           </a:p>
@@ -39063,7 +38485,7 @@
           <a:p>
             <a:pPr eaLnBrk="1" hangingPunct="1"/>
             <a:r>
-              <a:rPr lang="en-US" smtClean="0"/>
+              <a:rPr lang="en-US"/>
               <a:t>Project plans and documents </a:t>
             </a:r>
           </a:p>
@@ -39121,9 +38543,27 @@
                 <a:tableStyleId>{5C22544A-7EE6-4342-B048-85BDC9FD1C3A}</a:tableStyleId>
               </a:tblPr>
               <a:tblGrid>
-                <a:gridCol w="2489039"/>
-                <a:gridCol w="3183166"/>
-                <a:gridCol w="2797540"/>
+                <a:gridCol w="2489039">
+                  <a:extLst>
+                    <a:ext uri="{9D8B030D-6E8A-4147-A177-3AD203B41FA5}">
+                      <a16:colId xmlns:a16="http://schemas.microsoft.com/office/drawing/2014/main" val="20000"/>
+                    </a:ext>
+                  </a:extLst>
+                </a:gridCol>
+                <a:gridCol w="3183166">
+                  <a:extLst>
+                    <a:ext uri="{9D8B030D-6E8A-4147-A177-3AD203B41FA5}">
+                      <a16:colId xmlns:a16="http://schemas.microsoft.com/office/drawing/2014/main" val="20001"/>
+                    </a:ext>
+                  </a:extLst>
+                </a:gridCol>
+                <a:gridCol w="2797540">
+                  <a:extLst>
+                    <a:ext uri="{9D8B030D-6E8A-4147-A177-3AD203B41FA5}">
+                      <a16:colId xmlns:a16="http://schemas.microsoft.com/office/drawing/2014/main" val="20002"/>
+                    </a:ext>
+                  </a:extLst>
+                </a:gridCol>
               </a:tblGrid>
               <a:tr h="181039">
                 <a:tc>
@@ -39140,7 +38580,7 @@
                         </a:spcAft>
                       </a:pPr>
                       <a:r>
-                        <a:rPr lang="en-US" sz="2000" dirty="0" smtClean="0">
+                        <a:rPr lang="en-US" sz="2000" dirty="0">
                           <a:effectLst/>
                         </a:rPr>
                         <a:t>Knowledge Areas</a:t>
@@ -39201,13 +38641,7 @@
                         <a:rPr lang="en-US" sz="2000" dirty="0">
                           <a:effectLst/>
                         </a:rPr>
-                        <a:t>Project </a:t>
-                      </a:r>
-                      <a:r>
-                        <a:rPr lang="en-US" sz="2000" dirty="0" smtClean="0">
-                          <a:effectLst/>
-                        </a:rPr>
-                        <a:t>Documents</a:t>
+                        <a:t>Project Documents</a:t>
                       </a:r>
                       <a:endParaRPr lang="en-US" sz="2000" dirty="0">
                         <a:effectLst/>
@@ -39219,6 +38653,11 @@
                   </a:txBody>
                   <a:tcPr marL="33945" marR="33945" marT="0" marB="0"/>
                 </a:tc>
+                <a:extLst>
+                  <a:ext uri="{0D108BD9-81ED-4DB2-BD59-A6C34878D82A}">
+                    <a16:rowId xmlns:a16="http://schemas.microsoft.com/office/drawing/2014/main" val="10000"/>
+                  </a:ext>
+                </a:extLst>
               </a:tr>
               <a:tr h="362077">
                 <a:tc>
@@ -39375,6 +38814,11 @@
                   </a:txBody>
                   <a:tcPr marL="33945" marR="33945" marT="0" marB="0"/>
                 </a:tc>
+                <a:extLst>
+                  <a:ext uri="{0D108BD9-81ED-4DB2-BD59-A6C34878D82A}">
+                    <a16:rowId xmlns:a16="http://schemas.microsoft.com/office/drawing/2014/main" val="10001"/>
+                  </a:ext>
+                </a:extLst>
               </a:tr>
               <a:tr h="271558">
                 <a:tc>
@@ -39515,6 +38959,11 @@
                   </a:txBody>
                   <a:tcPr marL="33945" marR="33945" marT="0" marB="0"/>
                 </a:tc>
+                <a:extLst>
+                  <a:ext uri="{0D108BD9-81ED-4DB2-BD59-A6C34878D82A}">
+                    <a16:rowId xmlns:a16="http://schemas.microsoft.com/office/drawing/2014/main" val="10002"/>
+                  </a:ext>
+                </a:extLst>
               </a:tr>
               <a:tr h="271558">
                 <a:tc>
@@ -39655,6 +39104,11 @@
                   </a:txBody>
                   <a:tcPr marL="33945" marR="33945" marT="0" marB="0"/>
                 </a:tc>
+                <a:extLst>
+                  <a:ext uri="{0D108BD9-81ED-4DB2-BD59-A6C34878D82A}">
+                    <a16:rowId xmlns:a16="http://schemas.microsoft.com/office/drawing/2014/main" val="10003"/>
+                  </a:ext>
+                </a:extLst>
               </a:tr>
             </a:tbl>
           </a:graphicData>
@@ -39665,13 +39119,6 @@
   <p:clrMapOvr>
     <a:masterClrMapping/>
   </p:clrMapOvr>
-  <p:timing>
-    <p:tnLst>
-      <p:par>
-        <p:cTn id="1" dur="indefinite" restart="never" nodeType="tmRoot"/>
-      </p:par>
-    </p:tnLst>
-  </p:timing>
 </p:sld>
 </file>
 
